--- a/Presentations/Presentation_02_Group_02.pptx
+++ b/Presentations/Presentation_02_Group_02.pptx
@@ -5,18 +5,20 @@
     <p:sldMasterId id="2147483660" r:id="rId1"/>
   </p:sldMasterIdLst>
   <p:notesMasterIdLst>
-    <p:notesMasterId r:id="rId8"/>
+    <p:notesMasterId r:id="rId10"/>
   </p:notesMasterIdLst>
   <p:handoutMasterIdLst>
-    <p:handoutMasterId r:id="rId9"/>
+    <p:handoutMasterId r:id="rId11"/>
   </p:handoutMasterIdLst>
   <p:sldIdLst>
     <p:sldId id="273" r:id="rId2"/>
     <p:sldId id="279" r:id="rId3"/>
-    <p:sldId id="280" r:id="rId4"/>
-    <p:sldId id="281" r:id="rId5"/>
-    <p:sldId id="282" r:id="rId6"/>
-    <p:sldId id="283" r:id="rId7"/>
+    <p:sldId id="258" r:id="rId4"/>
+    <p:sldId id="280" r:id="rId5"/>
+    <p:sldId id="281" r:id="rId6"/>
+    <p:sldId id="261" r:id="rId7"/>
+    <p:sldId id="282" r:id="rId8"/>
+    <p:sldId id="283" r:id="rId9"/>
   </p:sldIdLst>
   <p:sldSz cx="12192000" cy="6858000"/>
   <p:notesSz cx="6858000" cy="9144000"/>
@@ -126,6 +128,6081 @@
 </p:presentation>
 </file>
 
+<file path=ppt/diagrams/colors1.xml><?xml version="1.0" encoding="utf-8"?>
+<dgm:colorsDef xmlns:dgm="http://schemas.openxmlformats.org/drawingml/2006/diagram" xmlns:a="http://schemas.openxmlformats.org/drawingml/2006/main" uniqueId="urn:microsoft.com/office/officeart/2005/8/colors/accent1_2">
+  <dgm:title val=""/>
+  <dgm:desc val=""/>
+  <dgm:catLst>
+    <dgm:cat type="accent1" pri="11200"/>
+  </dgm:catLst>
+  <dgm:styleLbl name="node0">
+    <dgm:fillClrLst meth="repeat">
+      <a:schemeClr val="accent1"/>
+    </dgm:fillClrLst>
+    <dgm:linClrLst meth="repeat">
+      <a:schemeClr val="lt1"/>
+    </dgm:linClrLst>
+    <dgm:effectClrLst/>
+    <dgm:txLinClrLst/>
+    <dgm:txFillClrLst/>
+    <dgm:txEffectClrLst/>
+  </dgm:styleLbl>
+  <dgm:styleLbl name="alignNode1">
+    <dgm:fillClrLst meth="repeat">
+      <a:schemeClr val="accent1"/>
+    </dgm:fillClrLst>
+    <dgm:linClrLst meth="repeat">
+      <a:schemeClr val="accent1"/>
+    </dgm:linClrLst>
+    <dgm:effectClrLst/>
+    <dgm:txLinClrLst/>
+    <dgm:txFillClrLst/>
+    <dgm:txEffectClrLst/>
+  </dgm:styleLbl>
+  <dgm:styleLbl name="node1">
+    <dgm:fillClrLst meth="repeat">
+      <a:schemeClr val="accent1"/>
+    </dgm:fillClrLst>
+    <dgm:linClrLst meth="repeat">
+      <a:schemeClr val="lt1"/>
+    </dgm:linClrLst>
+    <dgm:effectClrLst/>
+    <dgm:txLinClrLst/>
+    <dgm:txFillClrLst/>
+    <dgm:txEffectClrLst/>
+  </dgm:styleLbl>
+  <dgm:styleLbl name="lnNode1">
+    <dgm:fillClrLst meth="repeat">
+      <a:schemeClr val="accent1"/>
+    </dgm:fillClrLst>
+    <dgm:linClrLst meth="repeat">
+      <a:schemeClr val="lt1"/>
+    </dgm:linClrLst>
+    <dgm:effectClrLst/>
+    <dgm:txLinClrLst/>
+    <dgm:txFillClrLst/>
+    <dgm:txEffectClrLst/>
+  </dgm:styleLbl>
+  <dgm:styleLbl name="vennNode1">
+    <dgm:fillClrLst meth="repeat">
+      <a:schemeClr val="accent1">
+        <a:alpha val="50000"/>
+      </a:schemeClr>
+    </dgm:fillClrLst>
+    <dgm:linClrLst meth="repeat">
+      <a:schemeClr val="lt1"/>
+    </dgm:linClrLst>
+    <dgm:effectClrLst/>
+    <dgm:txLinClrLst/>
+    <dgm:txFillClrLst/>
+    <dgm:txEffectClrLst/>
+  </dgm:styleLbl>
+  <dgm:styleLbl name="node2">
+    <dgm:fillClrLst meth="repeat">
+      <a:schemeClr val="accent1"/>
+    </dgm:fillClrLst>
+    <dgm:linClrLst meth="repeat">
+      <a:schemeClr val="lt1"/>
+    </dgm:linClrLst>
+    <dgm:effectClrLst/>
+    <dgm:txLinClrLst/>
+    <dgm:txFillClrLst/>
+    <dgm:txEffectClrLst/>
+  </dgm:styleLbl>
+  <dgm:styleLbl name="node3">
+    <dgm:fillClrLst meth="repeat">
+      <a:schemeClr val="accent1"/>
+    </dgm:fillClrLst>
+    <dgm:linClrLst meth="repeat">
+      <a:schemeClr val="lt1"/>
+    </dgm:linClrLst>
+    <dgm:effectClrLst/>
+    <dgm:txLinClrLst/>
+    <dgm:txFillClrLst/>
+    <dgm:txEffectClrLst/>
+  </dgm:styleLbl>
+  <dgm:styleLbl name="node4">
+    <dgm:fillClrLst meth="repeat">
+      <a:schemeClr val="accent1"/>
+    </dgm:fillClrLst>
+    <dgm:linClrLst meth="repeat">
+      <a:schemeClr val="lt1"/>
+    </dgm:linClrLst>
+    <dgm:effectClrLst/>
+    <dgm:txLinClrLst/>
+    <dgm:txFillClrLst/>
+    <dgm:txEffectClrLst/>
+  </dgm:styleLbl>
+  <dgm:styleLbl name="fgImgPlace1">
+    <dgm:fillClrLst meth="repeat">
+      <a:schemeClr val="accent1">
+        <a:tint val="50000"/>
+      </a:schemeClr>
+    </dgm:fillClrLst>
+    <dgm:linClrLst meth="repeat">
+      <a:schemeClr val="lt1"/>
+    </dgm:linClrLst>
+    <dgm:effectClrLst/>
+    <dgm:txLinClrLst/>
+    <dgm:txFillClrLst meth="repeat">
+      <a:schemeClr val="lt1"/>
+    </dgm:txFillClrLst>
+    <dgm:txEffectClrLst/>
+  </dgm:styleLbl>
+  <dgm:styleLbl name="alignImgPlace1">
+    <dgm:fillClrLst meth="repeat">
+      <a:schemeClr val="accent1">
+        <a:tint val="50000"/>
+      </a:schemeClr>
+    </dgm:fillClrLst>
+    <dgm:linClrLst meth="repeat">
+      <a:schemeClr val="lt1"/>
+    </dgm:linClrLst>
+    <dgm:effectClrLst/>
+    <dgm:txLinClrLst/>
+    <dgm:txFillClrLst meth="repeat">
+      <a:schemeClr val="lt1"/>
+    </dgm:txFillClrLst>
+    <dgm:txEffectClrLst/>
+  </dgm:styleLbl>
+  <dgm:styleLbl name="bgImgPlace1">
+    <dgm:fillClrLst meth="repeat">
+      <a:schemeClr val="accent1">
+        <a:tint val="50000"/>
+      </a:schemeClr>
+    </dgm:fillClrLst>
+    <dgm:linClrLst meth="repeat">
+      <a:schemeClr val="lt1"/>
+    </dgm:linClrLst>
+    <dgm:effectClrLst/>
+    <dgm:txLinClrLst/>
+    <dgm:txFillClrLst meth="repeat">
+      <a:schemeClr val="lt1"/>
+    </dgm:txFillClrLst>
+    <dgm:txEffectClrLst/>
+  </dgm:styleLbl>
+  <dgm:styleLbl name="sibTrans2D1">
+    <dgm:fillClrLst meth="repeat">
+      <a:schemeClr val="accent1">
+        <a:tint val="60000"/>
+      </a:schemeClr>
+    </dgm:fillClrLst>
+    <dgm:linClrLst meth="repeat">
+      <a:schemeClr val="accent1">
+        <a:tint val="60000"/>
+      </a:schemeClr>
+    </dgm:linClrLst>
+    <dgm:effectClrLst/>
+    <dgm:txLinClrLst/>
+    <dgm:txFillClrLst/>
+    <dgm:txEffectClrLst/>
+  </dgm:styleLbl>
+  <dgm:styleLbl name="fgSibTrans2D1">
+    <dgm:fillClrLst meth="repeat">
+      <a:schemeClr val="accent1">
+        <a:tint val="60000"/>
+      </a:schemeClr>
+    </dgm:fillClrLst>
+    <dgm:linClrLst meth="repeat">
+      <a:schemeClr val="accent1">
+        <a:tint val="60000"/>
+      </a:schemeClr>
+    </dgm:linClrLst>
+    <dgm:effectClrLst/>
+    <dgm:txLinClrLst/>
+    <dgm:txFillClrLst/>
+    <dgm:txEffectClrLst/>
+  </dgm:styleLbl>
+  <dgm:styleLbl name="bgSibTrans2D1">
+    <dgm:fillClrLst meth="repeat">
+      <a:schemeClr val="accent1">
+        <a:tint val="60000"/>
+      </a:schemeClr>
+    </dgm:fillClrLst>
+    <dgm:linClrLst meth="repeat">
+      <a:schemeClr val="accent1">
+        <a:tint val="60000"/>
+      </a:schemeClr>
+    </dgm:linClrLst>
+    <dgm:effectClrLst/>
+    <dgm:txLinClrLst/>
+    <dgm:txFillClrLst/>
+    <dgm:txEffectClrLst/>
+  </dgm:styleLbl>
+  <dgm:styleLbl name="sibTrans1D1">
+    <dgm:fillClrLst meth="repeat">
+      <a:schemeClr val="accent1"/>
+    </dgm:fillClrLst>
+    <dgm:linClrLst meth="repeat">
+      <a:schemeClr val="accent1"/>
+    </dgm:linClrLst>
+    <dgm:effectClrLst/>
+    <dgm:txLinClrLst/>
+    <dgm:txFillClrLst meth="repeat">
+      <a:schemeClr val="tx1"/>
+    </dgm:txFillClrLst>
+    <dgm:txEffectClrLst/>
+  </dgm:styleLbl>
+  <dgm:styleLbl name="callout">
+    <dgm:fillClrLst meth="repeat">
+      <a:schemeClr val="accent1"/>
+    </dgm:fillClrLst>
+    <dgm:linClrLst meth="repeat">
+      <a:schemeClr val="accent1">
+        <a:tint val="50000"/>
+      </a:schemeClr>
+    </dgm:linClrLst>
+    <dgm:effectClrLst/>
+    <dgm:txLinClrLst/>
+    <dgm:txFillClrLst meth="repeat">
+      <a:schemeClr val="tx1"/>
+    </dgm:txFillClrLst>
+    <dgm:txEffectClrLst/>
+  </dgm:styleLbl>
+  <dgm:styleLbl name="asst0">
+    <dgm:fillClrLst meth="repeat">
+      <a:schemeClr val="accent1"/>
+    </dgm:fillClrLst>
+    <dgm:linClrLst meth="repeat">
+      <a:schemeClr val="lt1"/>
+    </dgm:linClrLst>
+    <dgm:effectClrLst/>
+    <dgm:txLinClrLst/>
+    <dgm:txFillClrLst/>
+    <dgm:txEffectClrLst/>
+  </dgm:styleLbl>
+  <dgm:styleLbl name="asst1">
+    <dgm:fillClrLst meth="repeat">
+      <a:schemeClr val="accent1"/>
+    </dgm:fillClrLst>
+    <dgm:linClrLst meth="repeat">
+      <a:schemeClr val="lt1"/>
+    </dgm:linClrLst>
+    <dgm:effectClrLst/>
+    <dgm:txLinClrLst/>
+    <dgm:txFillClrLst/>
+    <dgm:txEffectClrLst/>
+  </dgm:styleLbl>
+  <dgm:styleLbl name="asst2">
+    <dgm:fillClrLst meth="repeat">
+      <a:schemeClr val="accent1"/>
+    </dgm:fillClrLst>
+    <dgm:linClrLst meth="repeat">
+      <a:schemeClr val="lt1"/>
+    </dgm:linClrLst>
+    <dgm:effectClrLst/>
+    <dgm:txLinClrLst/>
+    <dgm:txFillClrLst/>
+    <dgm:txEffectClrLst/>
+  </dgm:styleLbl>
+  <dgm:styleLbl name="asst3">
+    <dgm:fillClrLst meth="repeat">
+      <a:schemeClr val="accent1"/>
+    </dgm:fillClrLst>
+    <dgm:linClrLst meth="repeat">
+      <a:schemeClr val="lt1"/>
+    </dgm:linClrLst>
+    <dgm:effectClrLst/>
+    <dgm:txLinClrLst/>
+    <dgm:txFillClrLst/>
+    <dgm:txEffectClrLst/>
+  </dgm:styleLbl>
+  <dgm:styleLbl name="asst4">
+    <dgm:fillClrLst meth="repeat">
+      <a:schemeClr val="accent1"/>
+    </dgm:fillClrLst>
+    <dgm:linClrLst meth="repeat">
+      <a:schemeClr val="lt1"/>
+    </dgm:linClrLst>
+    <dgm:effectClrLst/>
+    <dgm:txLinClrLst/>
+    <dgm:txFillClrLst/>
+    <dgm:txEffectClrLst/>
+  </dgm:styleLbl>
+  <dgm:styleLbl name="parChTrans2D1">
+    <dgm:fillClrLst meth="repeat">
+      <a:schemeClr val="accent1">
+        <a:tint val="60000"/>
+      </a:schemeClr>
+    </dgm:fillClrLst>
+    <dgm:linClrLst meth="repeat">
+      <a:schemeClr val="accent1">
+        <a:tint val="60000"/>
+      </a:schemeClr>
+    </dgm:linClrLst>
+    <dgm:effectClrLst/>
+    <dgm:txLinClrLst/>
+    <dgm:txFillClrLst meth="repeat">
+      <a:schemeClr val="lt1"/>
+    </dgm:txFillClrLst>
+    <dgm:txEffectClrLst/>
+  </dgm:styleLbl>
+  <dgm:styleLbl name="parChTrans2D2">
+    <dgm:fillClrLst meth="repeat">
+      <a:schemeClr val="accent1"/>
+    </dgm:fillClrLst>
+    <dgm:linClrLst meth="repeat">
+      <a:schemeClr val="accent1"/>
+    </dgm:linClrLst>
+    <dgm:effectClrLst/>
+    <dgm:txLinClrLst/>
+    <dgm:txFillClrLst meth="repeat">
+      <a:schemeClr val="lt1"/>
+    </dgm:txFillClrLst>
+    <dgm:txEffectClrLst/>
+  </dgm:styleLbl>
+  <dgm:styleLbl name="parChTrans2D3">
+    <dgm:fillClrLst meth="repeat">
+      <a:schemeClr val="accent1"/>
+    </dgm:fillClrLst>
+    <dgm:linClrLst meth="repeat">
+      <a:schemeClr val="accent1"/>
+    </dgm:linClrLst>
+    <dgm:effectClrLst/>
+    <dgm:txLinClrLst/>
+    <dgm:txFillClrLst meth="repeat">
+      <a:schemeClr val="lt1"/>
+    </dgm:txFillClrLst>
+    <dgm:txEffectClrLst/>
+  </dgm:styleLbl>
+  <dgm:styleLbl name="parChTrans2D4">
+    <dgm:fillClrLst meth="repeat">
+      <a:schemeClr val="accent1"/>
+    </dgm:fillClrLst>
+    <dgm:linClrLst meth="repeat">
+      <a:schemeClr val="accent1"/>
+    </dgm:linClrLst>
+    <dgm:effectClrLst/>
+    <dgm:txLinClrLst/>
+    <dgm:txFillClrLst meth="repeat">
+      <a:schemeClr val="lt1"/>
+    </dgm:txFillClrLst>
+    <dgm:txEffectClrLst/>
+  </dgm:styleLbl>
+  <dgm:styleLbl name="parChTrans1D1">
+    <dgm:fillClrLst meth="repeat">
+      <a:schemeClr val="accent1"/>
+    </dgm:fillClrLst>
+    <dgm:linClrLst meth="repeat">
+      <a:schemeClr val="accent1">
+        <a:shade val="60000"/>
+      </a:schemeClr>
+    </dgm:linClrLst>
+    <dgm:effectClrLst/>
+    <dgm:txLinClrLst/>
+    <dgm:txFillClrLst meth="repeat">
+      <a:schemeClr val="tx1"/>
+    </dgm:txFillClrLst>
+    <dgm:txEffectClrLst/>
+  </dgm:styleLbl>
+  <dgm:styleLbl name="parChTrans1D2">
+    <dgm:fillClrLst meth="repeat">
+      <a:schemeClr val="accent1"/>
+    </dgm:fillClrLst>
+    <dgm:linClrLst meth="repeat">
+      <a:schemeClr val="accent1">
+        <a:shade val="60000"/>
+      </a:schemeClr>
+    </dgm:linClrLst>
+    <dgm:effectClrLst/>
+    <dgm:txLinClrLst/>
+    <dgm:txFillClrLst meth="repeat">
+      <a:schemeClr val="tx1"/>
+    </dgm:txFillClrLst>
+    <dgm:txEffectClrLst/>
+  </dgm:styleLbl>
+  <dgm:styleLbl name="parChTrans1D3">
+    <dgm:fillClrLst meth="repeat">
+      <a:schemeClr val="accent1"/>
+    </dgm:fillClrLst>
+    <dgm:linClrLst meth="repeat">
+      <a:schemeClr val="accent1">
+        <a:shade val="80000"/>
+      </a:schemeClr>
+    </dgm:linClrLst>
+    <dgm:effectClrLst/>
+    <dgm:txLinClrLst/>
+    <dgm:txFillClrLst meth="repeat">
+      <a:schemeClr val="tx1"/>
+    </dgm:txFillClrLst>
+    <dgm:txEffectClrLst/>
+  </dgm:styleLbl>
+  <dgm:styleLbl name="parChTrans1D4">
+    <dgm:fillClrLst meth="repeat">
+      <a:schemeClr val="accent1"/>
+    </dgm:fillClrLst>
+    <dgm:linClrLst meth="repeat">
+      <a:schemeClr val="accent1">
+        <a:shade val="80000"/>
+      </a:schemeClr>
+    </dgm:linClrLst>
+    <dgm:effectClrLst/>
+    <dgm:txLinClrLst/>
+    <dgm:txFillClrLst meth="repeat">
+      <a:schemeClr val="tx1"/>
+    </dgm:txFillClrLst>
+    <dgm:txEffectClrLst/>
+  </dgm:styleLbl>
+  <dgm:styleLbl name="fgAcc1">
+    <dgm:fillClrLst meth="repeat">
+      <a:schemeClr val="lt1">
+        <a:alpha val="90000"/>
+      </a:schemeClr>
+    </dgm:fillClrLst>
+    <dgm:linClrLst meth="repeat">
+      <a:schemeClr val="accent1"/>
+    </dgm:linClrLst>
+    <dgm:effectClrLst/>
+    <dgm:txLinClrLst/>
+    <dgm:txFillClrLst meth="repeat">
+      <a:schemeClr val="dk1"/>
+    </dgm:txFillClrLst>
+    <dgm:txEffectClrLst/>
+  </dgm:styleLbl>
+  <dgm:styleLbl name="conFgAcc1">
+    <dgm:fillClrLst meth="repeat">
+      <a:schemeClr val="lt1">
+        <a:alpha val="90000"/>
+      </a:schemeClr>
+    </dgm:fillClrLst>
+    <dgm:linClrLst meth="repeat">
+      <a:schemeClr val="accent1"/>
+    </dgm:linClrLst>
+    <dgm:effectClrLst/>
+    <dgm:txLinClrLst/>
+    <dgm:txFillClrLst meth="repeat">
+      <a:schemeClr val="dk1"/>
+    </dgm:txFillClrLst>
+    <dgm:txEffectClrLst/>
+  </dgm:styleLbl>
+  <dgm:styleLbl name="alignAcc1">
+    <dgm:fillClrLst meth="repeat">
+      <a:schemeClr val="lt1">
+        <a:alpha val="90000"/>
+      </a:schemeClr>
+    </dgm:fillClrLst>
+    <dgm:linClrLst meth="repeat">
+      <a:schemeClr val="accent1"/>
+    </dgm:linClrLst>
+    <dgm:effectClrLst/>
+    <dgm:txLinClrLst/>
+    <dgm:txFillClrLst meth="repeat">
+      <a:schemeClr val="dk1"/>
+    </dgm:txFillClrLst>
+    <dgm:txEffectClrLst/>
+  </dgm:styleLbl>
+  <dgm:styleLbl name="trAlignAcc1">
+    <dgm:fillClrLst meth="repeat">
+      <a:schemeClr val="lt1">
+        <a:alpha val="40000"/>
+      </a:schemeClr>
+    </dgm:fillClrLst>
+    <dgm:linClrLst meth="repeat">
+      <a:schemeClr val="accent1"/>
+    </dgm:linClrLst>
+    <dgm:effectClrLst/>
+    <dgm:txLinClrLst/>
+    <dgm:txFillClrLst meth="repeat">
+      <a:schemeClr val="dk1"/>
+    </dgm:txFillClrLst>
+    <dgm:txEffectClrLst/>
+  </dgm:styleLbl>
+  <dgm:styleLbl name="bgAcc1">
+    <dgm:fillClrLst meth="repeat">
+      <a:schemeClr val="lt1">
+        <a:alpha val="90000"/>
+      </a:schemeClr>
+    </dgm:fillClrLst>
+    <dgm:linClrLst meth="repeat">
+      <a:schemeClr val="accent1"/>
+    </dgm:linClrLst>
+    <dgm:effectClrLst/>
+    <dgm:txLinClrLst/>
+    <dgm:txFillClrLst meth="repeat">
+      <a:schemeClr val="dk1"/>
+    </dgm:txFillClrLst>
+    <dgm:txEffectClrLst/>
+  </dgm:styleLbl>
+  <dgm:styleLbl name="solidFgAcc1">
+    <dgm:fillClrLst meth="repeat">
+      <a:schemeClr val="lt1"/>
+    </dgm:fillClrLst>
+    <dgm:linClrLst meth="repeat">
+      <a:schemeClr val="accent1"/>
+    </dgm:linClrLst>
+    <dgm:effectClrLst/>
+    <dgm:txLinClrLst/>
+    <dgm:txFillClrLst meth="repeat">
+      <a:schemeClr val="dk1"/>
+    </dgm:txFillClrLst>
+    <dgm:txEffectClrLst/>
+  </dgm:styleLbl>
+  <dgm:styleLbl name="solidAlignAcc1">
+    <dgm:fillClrLst meth="repeat">
+      <a:schemeClr val="lt1"/>
+    </dgm:fillClrLst>
+    <dgm:linClrLst meth="repeat">
+      <a:schemeClr val="accent1"/>
+    </dgm:linClrLst>
+    <dgm:effectClrLst/>
+    <dgm:txLinClrLst/>
+    <dgm:txFillClrLst meth="repeat">
+      <a:schemeClr val="dk1"/>
+    </dgm:txFillClrLst>
+    <dgm:txEffectClrLst/>
+  </dgm:styleLbl>
+  <dgm:styleLbl name="solidBgAcc1">
+    <dgm:fillClrLst meth="repeat">
+      <a:schemeClr val="lt1"/>
+    </dgm:fillClrLst>
+    <dgm:linClrLst meth="repeat">
+      <a:schemeClr val="accent1"/>
+    </dgm:linClrLst>
+    <dgm:effectClrLst/>
+    <dgm:txLinClrLst/>
+    <dgm:txFillClrLst meth="repeat">
+      <a:schemeClr val="dk1"/>
+    </dgm:txFillClrLst>
+    <dgm:txEffectClrLst/>
+  </dgm:styleLbl>
+  <dgm:styleLbl name="fgAccFollowNode1">
+    <dgm:fillClrLst meth="repeat">
+      <a:schemeClr val="accent1">
+        <a:alpha val="90000"/>
+        <a:tint val="40000"/>
+      </a:schemeClr>
+    </dgm:fillClrLst>
+    <dgm:linClrLst meth="repeat">
+      <a:schemeClr val="accent1">
+        <a:alpha val="90000"/>
+        <a:tint val="40000"/>
+      </a:schemeClr>
+    </dgm:linClrLst>
+    <dgm:effectClrLst/>
+    <dgm:txLinClrLst/>
+    <dgm:txFillClrLst meth="repeat">
+      <a:schemeClr val="dk1"/>
+    </dgm:txFillClrLst>
+    <dgm:txEffectClrLst/>
+  </dgm:styleLbl>
+  <dgm:styleLbl name="alignAccFollowNode1">
+    <dgm:fillClrLst meth="repeat">
+      <a:schemeClr val="accent1">
+        <a:alpha val="90000"/>
+        <a:tint val="40000"/>
+      </a:schemeClr>
+    </dgm:fillClrLst>
+    <dgm:linClrLst meth="repeat">
+      <a:schemeClr val="accent1">
+        <a:alpha val="90000"/>
+        <a:tint val="40000"/>
+      </a:schemeClr>
+    </dgm:linClrLst>
+    <dgm:effectClrLst/>
+    <dgm:txLinClrLst/>
+    <dgm:txFillClrLst meth="repeat">
+      <a:schemeClr val="dk1"/>
+    </dgm:txFillClrLst>
+    <dgm:txEffectClrLst/>
+  </dgm:styleLbl>
+  <dgm:styleLbl name="bgAccFollowNode1">
+    <dgm:fillClrLst meth="repeat">
+      <a:schemeClr val="accent1">
+        <a:alpha val="90000"/>
+        <a:tint val="40000"/>
+      </a:schemeClr>
+    </dgm:fillClrLst>
+    <dgm:linClrLst meth="repeat">
+      <a:schemeClr val="accent1">
+        <a:alpha val="90000"/>
+        <a:tint val="40000"/>
+      </a:schemeClr>
+    </dgm:linClrLst>
+    <dgm:effectClrLst/>
+    <dgm:txLinClrLst/>
+    <dgm:txFillClrLst meth="repeat">
+      <a:schemeClr val="dk1"/>
+    </dgm:txFillClrLst>
+    <dgm:txEffectClrLst/>
+  </dgm:styleLbl>
+  <dgm:styleLbl name="fgAcc0">
+    <dgm:fillClrLst meth="repeat">
+      <a:schemeClr val="lt1">
+        <a:alpha val="90000"/>
+      </a:schemeClr>
+    </dgm:fillClrLst>
+    <dgm:linClrLst meth="repeat">
+      <a:schemeClr val="accent1"/>
+    </dgm:linClrLst>
+    <dgm:effectClrLst/>
+    <dgm:txLinClrLst/>
+    <dgm:txFillClrLst meth="repeat">
+      <a:schemeClr val="dk1"/>
+    </dgm:txFillClrLst>
+    <dgm:txEffectClrLst/>
+  </dgm:styleLbl>
+  <dgm:styleLbl name="fgAcc2">
+    <dgm:fillClrLst meth="repeat">
+      <a:schemeClr val="lt1">
+        <a:alpha val="90000"/>
+      </a:schemeClr>
+    </dgm:fillClrLst>
+    <dgm:linClrLst meth="repeat">
+      <a:schemeClr val="accent1"/>
+    </dgm:linClrLst>
+    <dgm:effectClrLst/>
+    <dgm:txLinClrLst/>
+    <dgm:txFillClrLst meth="repeat">
+      <a:schemeClr val="dk1"/>
+    </dgm:txFillClrLst>
+    <dgm:txEffectClrLst/>
+  </dgm:styleLbl>
+  <dgm:styleLbl name="fgAcc3">
+    <dgm:fillClrLst meth="repeat">
+      <a:schemeClr val="lt1">
+        <a:alpha val="90000"/>
+      </a:schemeClr>
+    </dgm:fillClrLst>
+    <dgm:linClrLst meth="repeat">
+      <a:schemeClr val="accent1"/>
+    </dgm:linClrLst>
+    <dgm:effectClrLst/>
+    <dgm:txLinClrLst/>
+    <dgm:txFillClrLst meth="repeat">
+      <a:schemeClr val="dk1"/>
+    </dgm:txFillClrLst>
+    <dgm:txEffectClrLst/>
+  </dgm:styleLbl>
+  <dgm:styleLbl name="fgAcc4">
+    <dgm:fillClrLst meth="repeat">
+      <a:schemeClr val="lt1">
+        <a:alpha val="90000"/>
+      </a:schemeClr>
+    </dgm:fillClrLst>
+    <dgm:linClrLst meth="repeat">
+      <a:schemeClr val="accent1"/>
+    </dgm:linClrLst>
+    <dgm:effectClrLst/>
+    <dgm:txLinClrLst/>
+    <dgm:txFillClrLst meth="repeat">
+      <a:schemeClr val="dk1"/>
+    </dgm:txFillClrLst>
+    <dgm:txEffectClrLst/>
+  </dgm:styleLbl>
+  <dgm:styleLbl name="bgShp">
+    <dgm:fillClrLst meth="repeat">
+      <a:schemeClr val="accent1">
+        <a:tint val="40000"/>
+      </a:schemeClr>
+    </dgm:fillClrLst>
+    <dgm:linClrLst meth="repeat">
+      <a:schemeClr val="accent1"/>
+    </dgm:linClrLst>
+    <dgm:effectClrLst/>
+    <dgm:txLinClrLst/>
+    <dgm:txFillClrLst meth="repeat">
+      <a:schemeClr val="dk1"/>
+    </dgm:txFillClrLst>
+    <dgm:txEffectClrLst/>
+  </dgm:styleLbl>
+  <dgm:styleLbl name="dkBgShp">
+    <dgm:fillClrLst meth="repeat">
+      <a:schemeClr val="accent1">
+        <a:shade val="80000"/>
+      </a:schemeClr>
+    </dgm:fillClrLst>
+    <dgm:linClrLst meth="repeat">
+      <a:schemeClr val="accent1"/>
+    </dgm:linClrLst>
+    <dgm:effectClrLst/>
+    <dgm:txLinClrLst/>
+    <dgm:txFillClrLst meth="repeat">
+      <a:schemeClr val="lt1"/>
+    </dgm:txFillClrLst>
+    <dgm:txEffectClrLst/>
+  </dgm:styleLbl>
+  <dgm:styleLbl name="trBgShp">
+    <dgm:fillClrLst meth="repeat">
+      <a:schemeClr val="accent1">
+        <a:tint val="50000"/>
+        <a:alpha val="40000"/>
+      </a:schemeClr>
+    </dgm:fillClrLst>
+    <dgm:linClrLst meth="repeat">
+      <a:schemeClr val="accent1"/>
+    </dgm:linClrLst>
+    <dgm:effectClrLst/>
+    <dgm:txLinClrLst/>
+    <dgm:txFillClrLst meth="repeat">
+      <a:schemeClr val="lt1"/>
+    </dgm:txFillClrLst>
+    <dgm:txEffectClrLst/>
+  </dgm:styleLbl>
+  <dgm:styleLbl name="fgShp">
+    <dgm:fillClrLst meth="repeat">
+      <a:schemeClr val="accent1">
+        <a:tint val="60000"/>
+      </a:schemeClr>
+    </dgm:fillClrLst>
+    <dgm:linClrLst meth="repeat">
+      <a:schemeClr val="lt1"/>
+    </dgm:linClrLst>
+    <dgm:effectClrLst/>
+    <dgm:txLinClrLst/>
+    <dgm:txFillClrLst meth="repeat">
+      <a:schemeClr val="dk1"/>
+    </dgm:txFillClrLst>
+    <dgm:txEffectClrLst/>
+  </dgm:styleLbl>
+  <dgm:styleLbl name="revTx">
+    <dgm:fillClrLst meth="repeat">
+      <a:schemeClr val="lt1">
+        <a:alpha val="0"/>
+      </a:schemeClr>
+    </dgm:fillClrLst>
+    <dgm:linClrLst meth="repeat">
+      <a:schemeClr val="dk1">
+        <a:alpha val="0"/>
+      </a:schemeClr>
+    </dgm:linClrLst>
+    <dgm:effectClrLst/>
+    <dgm:txLinClrLst/>
+    <dgm:txFillClrLst meth="repeat">
+      <a:schemeClr val="tx1"/>
+    </dgm:txFillClrLst>
+    <dgm:txEffectClrLst/>
+  </dgm:styleLbl>
+</dgm:colorsDef>
+</file>
+
+<file path=ppt/diagrams/colors2.xml><?xml version="1.0" encoding="utf-8"?>
+<dgm:colorsDef xmlns:dgm="http://schemas.openxmlformats.org/drawingml/2006/diagram" xmlns:a="http://schemas.openxmlformats.org/drawingml/2006/main" uniqueId="urn:microsoft.com/office/officeart/2005/8/colors/accent2_2">
+  <dgm:title val=""/>
+  <dgm:desc val=""/>
+  <dgm:catLst>
+    <dgm:cat type="accent2" pri="11200"/>
+  </dgm:catLst>
+  <dgm:styleLbl name="node0">
+    <dgm:fillClrLst meth="repeat">
+      <a:schemeClr val="accent2"/>
+    </dgm:fillClrLst>
+    <dgm:linClrLst meth="repeat">
+      <a:schemeClr val="lt1"/>
+    </dgm:linClrLst>
+    <dgm:effectClrLst/>
+    <dgm:txLinClrLst/>
+    <dgm:txFillClrLst/>
+    <dgm:txEffectClrLst/>
+  </dgm:styleLbl>
+  <dgm:styleLbl name="node1">
+    <dgm:fillClrLst meth="repeat">
+      <a:schemeClr val="accent2"/>
+    </dgm:fillClrLst>
+    <dgm:linClrLst meth="repeat">
+      <a:schemeClr val="lt1"/>
+    </dgm:linClrLst>
+    <dgm:effectClrLst/>
+    <dgm:txLinClrLst/>
+    <dgm:txFillClrLst/>
+    <dgm:txEffectClrLst/>
+  </dgm:styleLbl>
+  <dgm:styleLbl name="alignNode1">
+    <dgm:fillClrLst meth="repeat">
+      <a:schemeClr val="accent2"/>
+    </dgm:fillClrLst>
+    <dgm:linClrLst meth="repeat">
+      <a:schemeClr val="accent2"/>
+    </dgm:linClrLst>
+    <dgm:effectClrLst/>
+    <dgm:txLinClrLst/>
+    <dgm:txFillClrLst/>
+    <dgm:txEffectClrLst/>
+  </dgm:styleLbl>
+  <dgm:styleLbl name="lnNode1">
+    <dgm:fillClrLst meth="repeat">
+      <a:schemeClr val="accent2"/>
+    </dgm:fillClrLst>
+    <dgm:linClrLst meth="repeat">
+      <a:schemeClr val="lt1"/>
+    </dgm:linClrLst>
+    <dgm:effectClrLst/>
+    <dgm:txLinClrLst/>
+    <dgm:txFillClrLst/>
+    <dgm:txEffectClrLst/>
+  </dgm:styleLbl>
+  <dgm:styleLbl name="vennNode1">
+    <dgm:fillClrLst meth="repeat">
+      <a:schemeClr val="accent2">
+        <a:alpha val="50000"/>
+      </a:schemeClr>
+    </dgm:fillClrLst>
+    <dgm:linClrLst meth="repeat">
+      <a:schemeClr val="lt1"/>
+    </dgm:linClrLst>
+    <dgm:effectClrLst/>
+    <dgm:txLinClrLst/>
+    <dgm:txFillClrLst/>
+    <dgm:txEffectClrLst/>
+  </dgm:styleLbl>
+  <dgm:styleLbl name="node2">
+    <dgm:fillClrLst meth="repeat">
+      <a:schemeClr val="accent2"/>
+    </dgm:fillClrLst>
+    <dgm:linClrLst meth="repeat">
+      <a:schemeClr val="lt1"/>
+    </dgm:linClrLst>
+    <dgm:effectClrLst/>
+    <dgm:txLinClrLst/>
+    <dgm:txFillClrLst/>
+    <dgm:txEffectClrLst/>
+  </dgm:styleLbl>
+  <dgm:styleLbl name="node3">
+    <dgm:fillClrLst meth="repeat">
+      <a:schemeClr val="accent2"/>
+    </dgm:fillClrLst>
+    <dgm:linClrLst meth="repeat">
+      <a:schemeClr val="lt1"/>
+    </dgm:linClrLst>
+    <dgm:effectClrLst/>
+    <dgm:txLinClrLst/>
+    <dgm:txFillClrLst/>
+    <dgm:txEffectClrLst/>
+  </dgm:styleLbl>
+  <dgm:styleLbl name="node4">
+    <dgm:fillClrLst meth="repeat">
+      <a:schemeClr val="accent2"/>
+    </dgm:fillClrLst>
+    <dgm:linClrLst meth="repeat">
+      <a:schemeClr val="lt1"/>
+    </dgm:linClrLst>
+    <dgm:effectClrLst/>
+    <dgm:txLinClrLst/>
+    <dgm:txFillClrLst/>
+    <dgm:txEffectClrLst/>
+  </dgm:styleLbl>
+  <dgm:styleLbl name="fgImgPlace1">
+    <dgm:fillClrLst meth="repeat">
+      <a:schemeClr val="accent2">
+        <a:tint val="50000"/>
+      </a:schemeClr>
+    </dgm:fillClrLst>
+    <dgm:linClrLst meth="repeat">
+      <a:schemeClr val="lt1"/>
+    </dgm:linClrLst>
+    <dgm:effectClrLst/>
+    <dgm:txLinClrLst/>
+    <dgm:txFillClrLst meth="repeat">
+      <a:schemeClr val="lt1"/>
+    </dgm:txFillClrLst>
+    <dgm:txEffectClrLst/>
+  </dgm:styleLbl>
+  <dgm:styleLbl name="alignImgPlace1">
+    <dgm:fillClrLst meth="repeat">
+      <a:schemeClr val="accent2">
+        <a:tint val="50000"/>
+      </a:schemeClr>
+    </dgm:fillClrLst>
+    <dgm:linClrLst meth="repeat">
+      <a:schemeClr val="lt1"/>
+    </dgm:linClrLst>
+    <dgm:effectClrLst/>
+    <dgm:txLinClrLst/>
+    <dgm:txFillClrLst meth="repeat">
+      <a:schemeClr val="lt1"/>
+    </dgm:txFillClrLst>
+    <dgm:txEffectClrLst/>
+  </dgm:styleLbl>
+  <dgm:styleLbl name="bgImgPlace1">
+    <dgm:fillClrLst meth="repeat">
+      <a:schemeClr val="accent2">
+        <a:tint val="50000"/>
+      </a:schemeClr>
+    </dgm:fillClrLst>
+    <dgm:linClrLst meth="repeat">
+      <a:schemeClr val="lt1"/>
+    </dgm:linClrLst>
+    <dgm:effectClrLst/>
+    <dgm:txLinClrLst/>
+    <dgm:txFillClrLst meth="repeat">
+      <a:schemeClr val="lt1"/>
+    </dgm:txFillClrLst>
+    <dgm:txEffectClrLst/>
+  </dgm:styleLbl>
+  <dgm:styleLbl name="sibTrans2D1">
+    <dgm:fillClrLst meth="repeat">
+      <a:schemeClr val="accent2">
+        <a:tint val="60000"/>
+      </a:schemeClr>
+    </dgm:fillClrLst>
+    <dgm:linClrLst meth="repeat">
+      <a:schemeClr val="accent2">
+        <a:tint val="60000"/>
+      </a:schemeClr>
+    </dgm:linClrLst>
+    <dgm:effectClrLst/>
+    <dgm:txLinClrLst/>
+    <dgm:txFillClrLst/>
+    <dgm:txEffectClrLst/>
+  </dgm:styleLbl>
+  <dgm:styleLbl name="fgSibTrans2D1">
+    <dgm:fillClrLst meth="repeat">
+      <a:schemeClr val="accent2">
+        <a:tint val="60000"/>
+      </a:schemeClr>
+    </dgm:fillClrLst>
+    <dgm:linClrLst meth="repeat">
+      <a:schemeClr val="accent2">
+        <a:tint val="60000"/>
+      </a:schemeClr>
+    </dgm:linClrLst>
+    <dgm:effectClrLst/>
+    <dgm:txLinClrLst/>
+    <dgm:txFillClrLst/>
+    <dgm:txEffectClrLst/>
+  </dgm:styleLbl>
+  <dgm:styleLbl name="bgSibTrans2D1">
+    <dgm:fillClrLst meth="repeat">
+      <a:schemeClr val="accent2">
+        <a:tint val="60000"/>
+      </a:schemeClr>
+    </dgm:fillClrLst>
+    <dgm:linClrLst meth="repeat">
+      <a:schemeClr val="accent2">
+        <a:tint val="60000"/>
+      </a:schemeClr>
+    </dgm:linClrLst>
+    <dgm:effectClrLst/>
+    <dgm:txLinClrLst/>
+    <dgm:txFillClrLst/>
+    <dgm:txEffectClrLst/>
+  </dgm:styleLbl>
+  <dgm:styleLbl name="sibTrans1D1">
+    <dgm:fillClrLst meth="repeat">
+      <a:schemeClr val="accent2"/>
+    </dgm:fillClrLst>
+    <dgm:linClrLst meth="repeat">
+      <a:schemeClr val="accent2"/>
+    </dgm:linClrLst>
+    <dgm:effectClrLst/>
+    <dgm:txLinClrLst/>
+    <dgm:txFillClrLst meth="repeat">
+      <a:schemeClr val="tx1"/>
+    </dgm:txFillClrLst>
+    <dgm:txEffectClrLst/>
+  </dgm:styleLbl>
+  <dgm:styleLbl name="callout">
+    <dgm:fillClrLst meth="repeat">
+      <a:schemeClr val="accent2"/>
+    </dgm:fillClrLst>
+    <dgm:linClrLst meth="repeat">
+      <a:schemeClr val="accent2">
+        <a:tint val="50000"/>
+      </a:schemeClr>
+    </dgm:linClrLst>
+    <dgm:effectClrLst/>
+    <dgm:txLinClrLst/>
+    <dgm:txFillClrLst meth="repeat">
+      <a:schemeClr val="tx1"/>
+    </dgm:txFillClrLst>
+    <dgm:txEffectClrLst/>
+  </dgm:styleLbl>
+  <dgm:styleLbl name="asst0">
+    <dgm:fillClrLst meth="repeat">
+      <a:schemeClr val="accent2"/>
+    </dgm:fillClrLst>
+    <dgm:linClrLst meth="repeat">
+      <a:schemeClr val="lt1"/>
+    </dgm:linClrLst>
+    <dgm:effectClrLst/>
+    <dgm:txLinClrLst/>
+    <dgm:txFillClrLst/>
+    <dgm:txEffectClrLst/>
+  </dgm:styleLbl>
+  <dgm:styleLbl name="asst1">
+    <dgm:fillClrLst meth="repeat">
+      <a:schemeClr val="accent2"/>
+    </dgm:fillClrLst>
+    <dgm:linClrLst meth="repeat">
+      <a:schemeClr val="lt1"/>
+    </dgm:linClrLst>
+    <dgm:effectClrLst/>
+    <dgm:txLinClrLst/>
+    <dgm:txFillClrLst/>
+    <dgm:txEffectClrLst/>
+  </dgm:styleLbl>
+  <dgm:styleLbl name="asst2">
+    <dgm:fillClrLst meth="repeat">
+      <a:schemeClr val="accent2"/>
+    </dgm:fillClrLst>
+    <dgm:linClrLst meth="repeat">
+      <a:schemeClr val="lt1"/>
+    </dgm:linClrLst>
+    <dgm:effectClrLst/>
+    <dgm:txLinClrLst/>
+    <dgm:txFillClrLst/>
+    <dgm:txEffectClrLst/>
+  </dgm:styleLbl>
+  <dgm:styleLbl name="asst3">
+    <dgm:fillClrLst meth="repeat">
+      <a:schemeClr val="accent2"/>
+    </dgm:fillClrLst>
+    <dgm:linClrLst meth="repeat">
+      <a:schemeClr val="lt1"/>
+    </dgm:linClrLst>
+    <dgm:effectClrLst/>
+    <dgm:txLinClrLst/>
+    <dgm:txFillClrLst/>
+    <dgm:txEffectClrLst/>
+  </dgm:styleLbl>
+  <dgm:styleLbl name="asst4">
+    <dgm:fillClrLst meth="repeat">
+      <a:schemeClr val="accent2"/>
+    </dgm:fillClrLst>
+    <dgm:linClrLst meth="repeat">
+      <a:schemeClr val="lt1"/>
+    </dgm:linClrLst>
+    <dgm:effectClrLst/>
+    <dgm:txLinClrLst/>
+    <dgm:txFillClrLst/>
+    <dgm:txEffectClrLst/>
+  </dgm:styleLbl>
+  <dgm:styleLbl name="parChTrans2D1">
+    <dgm:fillClrLst meth="repeat">
+      <a:schemeClr val="accent2">
+        <a:tint val="60000"/>
+      </a:schemeClr>
+    </dgm:fillClrLst>
+    <dgm:linClrLst meth="repeat">
+      <a:schemeClr val="accent2">
+        <a:tint val="60000"/>
+      </a:schemeClr>
+    </dgm:linClrLst>
+    <dgm:effectClrLst/>
+    <dgm:txLinClrLst/>
+    <dgm:txFillClrLst meth="repeat">
+      <a:schemeClr val="lt1"/>
+    </dgm:txFillClrLst>
+    <dgm:txEffectClrLst/>
+  </dgm:styleLbl>
+  <dgm:styleLbl name="parChTrans2D2">
+    <dgm:fillClrLst meth="repeat">
+      <a:schemeClr val="accent2"/>
+    </dgm:fillClrLst>
+    <dgm:linClrLst meth="repeat">
+      <a:schemeClr val="accent2"/>
+    </dgm:linClrLst>
+    <dgm:effectClrLst/>
+    <dgm:txLinClrLst/>
+    <dgm:txFillClrLst meth="repeat">
+      <a:schemeClr val="lt1"/>
+    </dgm:txFillClrLst>
+    <dgm:txEffectClrLst/>
+  </dgm:styleLbl>
+  <dgm:styleLbl name="parChTrans2D3">
+    <dgm:fillClrLst meth="repeat">
+      <a:schemeClr val="accent2"/>
+    </dgm:fillClrLst>
+    <dgm:linClrLst meth="repeat">
+      <a:schemeClr val="accent2"/>
+    </dgm:linClrLst>
+    <dgm:effectClrLst/>
+    <dgm:txLinClrLst/>
+    <dgm:txFillClrLst meth="repeat">
+      <a:schemeClr val="lt1"/>
+    </dgm:txFillClrLst>
+    <dgm:txEffectClrLst/>
+  </dgm:styleLbl>
+  <dgm:styleLbl name="parChTrans2D4">
+    <dgm:fillClrLst meth="repeat">
+      <a:schemeClr val="accent2"/>
+    </dgm:fillClrLst>
+    <dgm:linClrLst meth="repeat">
+      <a:schemeClr val="accent2"/>
+    </dgm:linClrLst>
+    <dgm:effectClrLst/>
+    <dgm:txLinClrLst/>
+    <dgm:txFillClrLst meth="repeat">
+      <a:schemeClr val="lt1"/>
+    </dgm:txFillClrLst>
+    <dgm:txEffectClrLst/>
+  </dgm:styleLbl>
+  <dgm:styleLbl name="parChTrans1D1">
+    <dgm:fillClrLst meth="repeat">
+      <a:schemeClr val="accent2"/>
+    </dgm:fillClrLst>
+    <dgm:linClrLst meth="repeat">
+      <a:schemeClr val="accent2">
+        <a:shade val="60000"/>
+      </a:schemeClr>
+    </dgm:linClrLst>
+    <dgm:effectClrLst/>
+    <dgm:txLinClrLst/>
+    <dgm:txFillClrLst meth="repeat">
+      <a:schemeClr val="tx1"/>
+    </dgm:txFillClrLst>
+    <dgm:txEffectClrLst/>
+  </dgm:styleLbl>
+  <dgm:styleLbl name="parChTrans1D2">
+    <dgm:fillClrLst meth="repeat">
+      <a:schemeClr val="accent2"/>
+    </dgm:fillClrLst>
+    <dgm:linClrLst meth="repeat">
+      <a:schemeClr val="accent2">
+        <a:shade val="60000"/>
+      </a:schemeClr>
+    </dgm:linClrLst>
+    <dgm:effectClrLst/>
+    <dgm:txLinClrLst/>
+    <dgm:txFillClrLst meth="repeat">
+      <a:schemeClr val="tx1"/>
+    </dgm:txFillClrLst>
+    <dgm:txEffectClrLst/>
+  </dgm:styleLbl>
+  <dgm:styleLbl name="parChTrans1D3">
+    <dgm:fillClrLst meth="repeat">
+      <a:schemeClr val="accent2"/>
+    </dgm:fillClrLst>
+    <dgm:linClrLst meth="repeat">
+      <a:schemeClr val="accent2">
+        <a:shade val="80000"/>
+      </a:schemeClr>
+    </dgm:linClrLst>
+    <dgm:effectClrLst/>
+    <dgm:txLinClrLst/>
+    <dgm:txFillClrLst meth="repeat">
+      <a:schemeClr val="tx1"/>
+    </dgm:txFillClrLst>
+    <dgm:txEffectClrLst/>
+  </dgm:styleLbl>
+  <dgm:styleLbl name="parChTrans1D4">
+    <dgm:fillClrLst meth="repeat">
+      <a:schemeClr val="accent2"/>
+    </dgm:fillClrLst>
+    <dgm:linClrLst meth="repeat">
+      <a:schemeClr val="accent2">
+        <a:shade val="80000"/>
+      </a:schemeClr>
+    </dgm:linClrLst>
+    <dgm:effectClrLst/>
+    <dgm:txLinClrLst/>
+    <dgm:txFillClrLst meth="repeat">
+      <a:schemeClr val="tx1"/>
+    </dgm:txFillClrLst>
+    <dgm:txEffectClrLst/>
+  </dgm:styleLbl>
+  <dgm:styleLbl name="fgAcc1">
+    <dgm:fillClrLst meth="repeat">
+      <a:schemeClr val="lt1">
+        <a:alpha val="90000"/>
+      </a:schemeClr>
+    </dgm:fillClrLst>
+    <dgm:linClrLst meth="repeat">
+      <a:schemeClr val="accent2"/>
+    </dgm:linClrLst>
+    <dgm:effectClrLst/>
+    <dgm:txLinClrLst/>
+    <dgm:txFillClrLst meth="repeat">
+      <a:schemeClr val="dk1"/>
+    </dgm:txFillClrLst>
+    <dgm:txEffectClrLst/>
+  </dgm:styleLbl>
+  <dgm:styleLbl name="conFgAcc1">
+    <dgm:fillClrLst meth="repeat">
+      <a:schemeClr val="lt1">
+        <a:alpha val="90000"/>
+      </a:schemeClr>
+    </dgm:fillClrLst>
+    <dgm:linClrLst meth="repeat">
+      <a:schemeClr val="accent2"/>
+    </dgm:linClrLst>
+    <dgm:effectClrLst/>
+    <dgm:txLinClrLst/>
+    <dgm:txFillClrLst meth="repeat">
+      <a:schemeClr val="dk1"/>
+    </dgm:txFillClrLst>
+    <dgm:txEffectClrLst/>
+  </dgm:styleLbl>
+  <dgm:styleLbl name="alignAcc1">
+    <dgm:fillClrLst meth="repeat">
+      <a:schemeClr val="lt1">
+        <a:alpha val="90000"/>
+      </a:schemeClr>
+    </dgm:fillClrLst>
+    <dgm:linClrLst meth="repeat">
+      <a:schemeClr val="accent2"/>
+    </dgm:linClrLst>
+    <dgm:effectClrLst/>
+    <dgm:txLinClrLst/>
+    <dgm:txFillClrLst meth="repeat">
+      <a:schemeClr val="dk1"/>
+    </dgm:txFillClrLst>
+    <dgm:txEffectClrLst/>
+  </dgm:styleLbl>
+  <dgm:styleLbl name="trAlignAcc1">
+    <dgm:fillClrLst meth="repeat">
+      <a:schemeClr val="lt1">
+        <a:alpha val="40000"/>
+      </a:schemeClr>
+    </dgm:fillClrLst>
+    <dgm:linClrLst meth="repeat">
+      <a:schemeClr val="accent2"/>
+    </dgm:linClrLst>
+    <dgm:effectClrLst/>
+    <dgm:txLinClrLst/>
+    <dgm:txFillClrLst meth="repeat">
+      <a:schemeClr val="dk1"/>
+    </dgm:txFillClrLst>
+    <dgm:txEffectClrLst/>
+  </dgm:styleLbl>
+  <dgm:styleLbl name="bgAcc1">
+    <dgm:fillClrLst meth="repeat">
+      <a:schemeClr val="lt1">
+        <a:alpha val="90000"/>
+      </a:schemeClr>
+    </dgm:fillClrLst>
+    <dgm:linClrLst meth="repeat">
+      <a:schemeClr val="accent2"/>
+    </dgm:linClrLst>
+    <dgm:effectClrLst/>
+    <dgm:txLinClrLst/>
+    <dgm:txFillClrLst meth="repeat">
+      <a:schemeClr val="dk1"/>
+    </dgm:txFillClrLst>
+    <dgm:txEffectClrLst/>
+  </dgm:styleLbl>
+  <dgm:styleLbl name="solidFgAcc1">
+    <dgm:fillClrLst meth="repeat">
+      <a:schemeClr val="lt1"/>
+    </dgm:fillClrLst>
+    <dgm:linClrLst meth="repeat">
+      <a:schemeClr val="accent2"/>
+    </dgm:linClrLst>
+    <dgm:effectClrLst/>
+    <dgm:txLinClrLst/>
+    <dgm:txFillClrLst meth="repeat">
+      <a:schemeClr val="dk1"/>
+    </dgm:txFillClrLst>
+    <dgm:txEffectClrLst/>
+  </dgm:styleLbl>
+  <dgm:styleLbl name="solidAlignAcc1">
+    <dgm:fillClrLst meth="repeat">
+      <a:schemeClr val="lt1"/>
+    </dgm:fillClrLst>
+    <dgm:linClrLst meth="repeat">
+      <a:schemeClr val="accent2"/>
+    </dgm:linClrLst>
+    <dgm:effectClrLst/>
+    <dgm:txLinClrLst/>
+    <dgm:txFillClrLst meth="repeat">
+      <a:schemeClr val="dk1"/>
+    </dgm:txFillClrLst>
+    <dgm:txEffectClrLst/>
+  </dgm:styleLbl>
+  <dgm:styleLbl name="solidBgAcc1">
+    <dgm:fillClrLst meth="repeat">
+      <a:schemeClr val="lt1"/>
+    </dgm:fillClrLst>
+    <dgm:linClrLst meth="repeat">
+      <a:schemeClr val="accent2"/>
+    </dgm:linClrLst>
+    <dgm:effectClrLst/>
+    <dgm:txLinClrLst/>
+    <dgm:txFillClrLst meth="repeat">
+      <a:schemeClr val="dk1"/>
+    </dgm:txFillClrLst>
+    <dgm:txEffectClrLst/>
+  </dgm:styleLbl>
+  <dgm:styleLbl name="fgAccFollowNode1">
+    <dgm:fillClrLst meth="repeat">
+      <a:schemeClr val="accent2">
+        <a:alpha val="90000"/>
+        <a:tint val="40000"/>
+      </a:schemeClr>
+    </dgm:fillClrLst>
+    <dgm:linClrLst meth="repeat">
+      <a:schemeClr val="accent2">
+        <a:alpha val="90000"/>
+        <a:tint val="40000"/>
+      </a:schemeClr>
+    </dgm:linClrLst>
+    <dgm:effectClrLst/>
+    <dgm:txLinClrLst/>
+    <dgm:txFillClrLst meth="repeat">
+      <a:schemeClr val="dk1"/>
+    </dgm:txFillClrLst>
+    <dgm:txEffectClrLst/>
+  </dgm:styleLbl>
+  <dgm:styleLbl name="alignAccFollowNode1">
+    <dgm:fillClrLst meth="repeat">
+      <a:schemeClr val="accent2">
+        <a:alpha val="90000"/>
+        <a:tint val="40000"/>
+      </a:schemeClr>
+    </dgm:fillClrLst>
+    <dgm:linClrLst meth="repeat">
+      <a:schemeClr val="accent2">
+        <a:alpha val="90000"/>
+        <a:tint val="40000"/>
+      </a:schemeClr>
+    </dgm:linClrLst>
+    <dgm:effectClrLst/>
+    <dgm:txLinClrLst/>
+    <dgm:txFillClrLst meth="repeat">
+      <a:schemeClr val="dk1"/>
+    </dgm:txFillClrLst>
+    <dgm:txEffectClrLst/>
+  </dgm:styleLbl>
+  <dgm:styleLbl name="bgAccFollowNode1">
+    <dgm:fillClrLst meth="repeat">
+      <a:schemeClr val="accent2">
+        <a:alpha val="90000"/>
+        <a:tint val="40000"/>
+      </a:schemeClr>
+    </dgm:fillClrLst>
+    <dgm:linClrLst meth="repeat">
+      <a:schemeClr val="accent2">
+        <a:alpha val="90000"/>
+        <a:tint val="40000"/>
+      </a:schemeClr>
+    </dgm:linClrLst>
+    <dgm:effectClrLst/>
+    <dgm:txLinClrLst/>
+    <dgm:txFillClrLst meth="repeat">
+      <a:schemeClr val="dk1"/>
+    </dgm:txFillClrLst>
+    <dgm:txEffectClrLst/>
+  </dgm:styleLbl>
+  <dgm:styleLbl name="fgAcc0">
+    <dgm:fillClrLst meth="repeat">
+      <a:schemeClr val="lt1">
+        <a:alpha val="90000"/>
+      </a:schemeClr>
+    </dgm:fillClrLst>
+    <dgm:linClrLst meth="repeat">
+      <a:schemeClr val="accent2"/>
+    </dgm:linClrLst>
+    <dgm:effectClrLst/>
+    <dgm:txLinClrLst/>
+    <dgm:txFillClrLst meth="repeat">
+      <a:schemeClr val="dk1"/>
+    </dgm:txFillClrLst>
+    <dgm:txEffectClrLst/>
+  </dgm:styleLbl>
+  <dgm:styleLbl name="fgAcc2">
+    <dgm:fillClrLst meth="repeat">
+      <a:schemeClr val="lt1">
+        <a:alpha val="90000"/>
+      </a:schemeClr>
+    </dgm:fillClrLst>
+    <dgm:linClrLst meth="repeat">
+      <a:schemeClr val="accent2"/>
+    </dgm:linClrLst>
+    <dgm:effectClrLst/>
+    <dgm:txLinClrLst/>
+    <dgm:txFillClrLst meth="repeat">
+      <a:schemeClr val="dk1"/>
+    </dgm:txFillClrLst>
+    <dgm:txEffectClrLst/>
+  </dgm:styleLbl>
+  <dgm:styleLbl name="fgAcc3">
+    <dgm:fillClrLst meth="repeat">
+      <a:schemeClr val="lt1">
+        <a:alpha val="90000"/>
+      </a:schemeClr>
+    </dgm:fillClrLst>
+    <dgm:linClrLst meth="repeat">
+      <a:schemeClr val="accent2"/>
+    </dgm:linClrLst>
+    <dgm:effectClrLst/>
+    <dgm:txLinClrLst/>
+    <dgm:txFillClrLst meth="repeat">
+      <a:schemeClr val="dk1"/>
+    </dgm:txFillClrLst>
+    <dgm:txEffectClrLst/>
+  </dgm:styleLbl>
+  <dgm:styleLbl name="fgAcc4">
+    <dgm:fillClrLst meth="repeat">
+      <a:schemeClr val="lt1">
+        <a:alpha val="90000"/>
+      </a:schemeClr>
+    </dgm:fillClrLst>
+    <dgm:linClrLst meth="repeat">
+      <a:schemeClr val="accent2"/>
+    </dgm:linClrLst>
+    <dgm:effectClrLst/>
+    <dgm:txLinClrLst/>
+    <dgm:txFillClrLst meth="repeat">
+      <a:schemeClr val="dk1"/>
+    </dgm:txFillClrLst>
+    <dgm:txEffectClrLst/>
+  </dgm:styleLbl>
+  <dgm:styleLbl name="bgShp">
+    <dgm:fillClrLst meth="repeat">
+      <a:schemeClr val="accent2">
+        <a:tint val="40000"/>
+      </a:schemeClr>
+    </dgm:fillClrLst>
+    <dgm:linClrLst meth="repeat">
+      <a:schemeClr val="accent2"/>
+    </dgm:linClrLst>
+    <dgm:effectClrLst/>
+    <dgm:txLinClrLst/>
+    <dgm:txFillClrLst meth="repeat">
+      <a:schemeClr val="dk1"/>
+    </dgm:txFillClrLst>
+    <dgm:txEffectClrLst/>
+  </dgm:styleLbl>
+  <dgm:styleLbl name="dkBgShp">
+    <dgm:fillClrLst meth="repeat">
+      <a:schemeClr val="accent2">
+        <a:shade val="80000"/>
+      </a:schemeClr>
+    </dgm:fillClrLst>
+    <dgm:linClrLst meth="repeat">
+      <a:schemeClr val="accent2"/>
+    </dgm:linClrLst>
+    <dgm:effectClrLst/>
+    <dgm:txLinClrLst/>
+    <dgm:txFillClrLst meth="repeat">
+      <a:schemeClr val="lt1"/>
+    </dgm:txFillClrLst>
+    <dgm:txEffectClrLst/>
+  </dgm:styleLbl>
+  <dgm:styleLbl name="trBgShp">
+    <dgm:fillClrLst meth="repeat">
+      <a:schemeClr val="accent2">
+        <a:tint val="50000"/>
+        <a:alpha val="40000"/>
+      </a:schemeClr>
+    </dgm:fillClrLst>
+    <dgm:linClrLst meth="repeat">
+      <a:schemeClr val="accent2"/>
+    </dgm:linClrLst>
+    <dgm:effectClrLst/>
+    <dgm:txLinClrLst/>
+    <dgm:txFillClrLst meth="repeat">
+      <a:schemeClr val="lt1"/>
+    </dgm:txFillClrLst>
+    <dgm:txEffectClrLst/>
+  </dgm:styleLbl>
+  <dgm:styleLbl name="fgShp">
+    <dgm:fillClrLst meth="repeat">
+      <a:schemeClr val="accent2">
+        <a:tint val="60000"/>
+      </a:schemeClr>
+    </dgm:fillClrLst>
+    <dgm:linClrLst meth="repeat">
+      <a:schemeClr val="lt1"/>
+    </dgm:linClrLst>
+    <dgm:effectClrLst/>
+    <dgm:txLinClrLst/>
+    <dgm:txFillClrLst meth="repeat">
+      <a:schemeClr val="dk1"/>
+    </dgm:txFillClrLst>
+    <dgm:txEffectClrLst/>
+  </dgm:styleLbl>
+  <dgm:styleLbl name="revTx">
+    <dgm:fillClrLst meth="repeat">
+      <a:schemeClr val="lt1">
+        <a:alpha val="0"/>
+      </a:schemeClr>
+    </dgm:fillClrLst>
+    <dgm:linClrLst meth="repeat">
+      <a:schemeClr val="dk1">
+        <a:alpha val="0"/>
+      </a:schemeClr>
+    </dgm:linClrLst>
+    <dgm:effectClrLst/>
+    <dgm:txLinClrLst/>
+    <dgm:txFillClrLst meth="repeat">
+      <a:schemeClr val="tx1"/>
+    </dgm:txFillClrLst>
+    <dgm:txEffectClrLst/>
+  </dgm:styleLbl>
+</dgm:colorsDef>
+</file>
+
+<file path=ppt/diagrams/data1.xml><?xml version="1.0" encoding="utf-8"?>
+<dgm:dataModel xmlns:dgm="http://schemas.openxmlformats.org/drawingml/2006/diagram" xmlns:a="http://schemas.openxmlformats.org/drawingml/2006/main">
+  <dgm:ptLst>
+    <dgm:pt modelId="{103241C1-84EC-424D-A759-05CF8D05427A}" type="doc">
+      <dgm:prSet loTypeId="urn:microsoft.com/office/officeart/2018/2/layout/IconLabelDescriptionList" loCatId="icon" qsTypeId="urn:microsoft.com/office/officeart/2005/8/quickstyle/simple1" qsCatId="simple" csTypeId="urn:microsoft.com/office/officeart/2005/8/colors/accent1_2" csCatId="accent1" phldr="1"/>
+      <dgm:spPr/>
+      <dgm:t>
+        <a:bodyPr/>
+        <a:lstStyle/>
+        <a:p>
+          <a:endParaRPr lang="en-US"/>
+        </a:p>
+      </dgm:t>
+    </dgm:pt>
+    <dgm:pt modelId="{63F03501-A812-4C70-BD14-5AF59260A308}">
+      <dgm:prSet/>
+      <dgm:spPr/>
+      <dgm:t>
+        <a:bodyPr/>
+        <a:lstStyle/>
+        <a:p>
+          <a:pPr>
+            <a:lnSpc>
+              <a:spcPct val="100000"/>
+            </a:lnSpc>
+            <a:defRPr b="1"/>
+          </a:pPr>
+          <a:r>
+            <a:rPr lang="en-US" b="1" baseline="0"/>
+            <a:t>Intended UI Improvements</a:t>
+          </a:r>
+          <a:r>
+            <a:rPr lang="en-US" baseline="0"/>
+            <a:t>:</a:t>
+          </a:r>
+          <a:endParaRPr lang="en-US"/>
+        </a:p>
+      </dgm:t>
+    </dgm:pt>
+    <dgm:pt modelId="{290DEEEA-CA65-404C-8A22-F08795A08BA7}" type="parTrans" cxnId="{A5471E06-90BC-4A21-B421-89B15FF4F52F}">
+      <dgm:prSet/>
+      <dgm:spPr/>
+      <dgm:t>
+        <a:bodyPr/>
+        <a:lstStyle/>
+        <a:p>
+          <a:endParaRPr lang="en-US"/>
+        </a:p>
+      </dgm:t>
+    </dgm:pt>
+    <dgm:pt modelId="{2D21F2AC-79E9-4F37-A2A6-4D9D803BE268}" type="sibTrans" cxnId="{A5471E06-90BC-4A21-B421-89B15FF4F52F}">
+      <dgm:prSet/>
+      <dgm:spPr/>
+      <dgm:t>
+        <a:bodyPr/>
+        <a:lstStyle/>
+        <a:p>
+          <a:endParaRPr lang="en-US"/>
+        </a:p>
+      </dgm:t>
+    </dgm:pt>
+    <dgm:pt modelId="{F43C537E-8B8D-46EB-832B-2B029687348C}">
+      <dgm:prSet/>
+      <dgm:spPr/>
+      <dgm:t>
+        <a:bodyPr/>
+        <a:lstStyle/>
+        <a:p>
+          <a:pPr>
+            <a:lnSpc>
+              <a:spcPct val="100000"/>
+            </a:lnSpc>
+          </a:pPr>
+          <a:r>
+            <a:rPr lang="en-US" baseline="0"/>
+            <a:t>Simplified category selection with icons</a:t>
+          </a:r>
+          <a:endParaRPr lang="en-US"/>
+        </a:p>
+      </dgm:t>
+    </dgm:pt>
+    <dgm:pt modelId="{69ECAE2D-A0D0-4878-A523-1255B216E84F}" type="parTrans" cxnId="{E1A47178-BA85-412B-8A9A-FAF614421975}">
+      <dgm:prSet/>
+      <dgm:spPr/>
+      <dgm:t>
+        <a:bodyPr/>
+        <a:lstStyle/>
+        <a:p>
+          <a:endParaRPr lang="en-US"/>
+        </a:p>
+      </dgm:t>
+    </dgm:pt>
+    <dgm:pt modelId="{CF7D3DE0-DA69-48BA-A4AF-440D3341F688}" type="sibTrans" cxnId="{E1A47178-BA85-412B-8A9A-FAF614421975}">
+      <dgm:prSet/>
+      <dgm:spPr/>
+      <dgm:t>
+        <a:bodyPr/>
+        <a:lstStyle/>
+        <a:p>
+          <a:endParaRPr lang="en-US"/>
+        </a:p>
+      </dgm:t>
+    </dgm:pt>
+    <dgm:pt modelId="{5F5B67DA-02A5-42DF-9FF0-39CB873E143F}">
+      <dgm:prSet/>
+      <dgm:spPr/>
+      <dgm:t>
+        <a:bodyPr/>
+        <a:lstStyle/>
+        <a:p>
+          <a:pPr>
+            <a:lnSpc>
+              <a:spcPct val="100000"/>
+            </a:lnSpc>
+          </a:pPr>
+          <a:r>
+            <a:rPr lang="en-US" baseline="0"/>
+            <a:t>Option for anonymous reporting</a:t>
+          </a:r>
+          <a:endParaRPr lang="en-US"/>
+        </a:p>
+      </dgm:t>
+    </dgm:pt>
+    <dgm:pt modelId="{AF7F37DF-930F-4A33-AB06-C5026D6096A5}" type="parTrans" cxnId="{5FD6C894-9B57-44CA-9104-8B1B730B6937}">
+      <dgm:prSet/>
+      <dgm:spPr/>
+      <dgm:t>
+        <a:bodyPr/>
+        <a:lstStyle/>
+        <a:p>
+          <a:endParaRPr lang="en-US"/>
+        </a:p>
+      </dgm:t>
+    </dgm:pt>
+    <dgm:pt modelId="{04C6FC84-677E-40B4-974E-6DAE25691FE5}" type="sibTrans" cxnId="{5FD6C894-9B57-44CA-9104-8B1B730B6937}">
+      <dgm:prSet/>
+      <dgm:spPr/>
+      <dgm:t>
+        <a:bodyPr/>
+        <a:lstStyle/>
+        <a:p>
+          <a:endParaRPr lang="en-US"/>
+        </a:p>
+      </dgm:t>
+    </dgm:pt>
+    <dgm:pt modelId="{3D4C15B6-2FE1-4AAB-8629-8860B353CCE0}">
+      <dgm:prSet/>
+      <dgm:spPr/>
+      <dgm:t>
+        <a:bodyPr/>
+        <a:lstStyle/>
+        <a:p>
+          <a:pPr>
+            <a:lnSpc>
+              <a:spcPct val="100000"/>
+            </a:lnSpc>
+            <a:defRPr b="1"/>
+          </a:pPr>
+          <a:r>
+            <a:rPr lang="en-US" b="1" baseline="0"/>
+            <a:t>Planned Design Decisions</a:t>
+          </a:r>
+          <a:r>
+            <a:rPr lang="en-US" baseline="0"/>
+            <a:t>:</a:t>
+          </a:r>
+          <a:endParaRPr lang="en-US"/>
+        </a:p>
+      </dgm:t>
+    </dgm:pt>
+    <dgm:pt modelId="{1C9EA86E-B25B-416E-A991-8B12858C3C63}" type="parTrans" cxnId="{E02A2DBD-C9E6-46FE-B547-9EFCD3C2C94E}">
+      <dgm:prSet/>
+      <dgm:spPr/>
+      <dgm:t>
+        <a:bodyPr/>
+        <a:lstStyle/>
+        <a:p>
+          <a:endParaRPr lang="en-US"/>
+        </a:p>
+      </dgm:t>
+    </dgm:pt>
+    <dgm:pt modelId="{62517B77-92A8-42AA-9DCF-750572E4D0C9}" type="sibTrans" cxnId="{E02A2DBD-C9E6-46FE-B547-9EFCD3C2C94E}">
+      <dgm:prSet/>
+      <dgm:spPr/>
+      <dgm:t>
+        <a:bodyPr/>
+        <a:lstStyle/>
+        <a:p>
+          <a:endParaRPr lang="en-US"/>
+        </a:p>
+      </dgm:t>
+    </dgm:pt>
+    <dgm:pt modelId="{AA0A2BE9-9643-4A13-82F0-2BFB99333E1F}">
+      <dgm:prSet/>
+      <dgm:spPr/>
+      <dgm:t>
+        <a:bodyPr/>
+        <a:lstStyle/>
+        <a:p>
+          <a:pPr>
+            <a:lnSpc>
+              <a:spcPct val="100000"/>
+            </a:lnSpc>
+          </a:pPr>
+          <a:r>
+            <a:rPr lang="en-US" baseline="0"/>
+            <a:t>Use icons for intuitive category recognition</a:t>
+          </a:r>
+          <a:endParaRPr lang="en-US"/>
+        </a:p>
+      </dgm:t>
+    </dgm:pt>
+    <dgm:pt modelId="{8C523916-BF0D-40F9-9C5F-CCD1551257B2}" type="parTrans" cxnId="{27212560-25A5-49B6-B3DB-968596DEB338}">
+      <dgm:prSet/>
+      <dgm:spPr/>
+      <dgm:t>
+        <a:bodyPr/>
+        <a:lstStyle/>
+        <a:p>
+          <a:endParaRPr lang="en-US"/>
+        </a:p>
+      </dgm:t>
+    </dgm:pt>
+    <dgm:pt modelId="{9942A9A5-877F-4E13-BA50-C59CD243DC77}" type="sibTrans" cxnId="{27212560-25A5-49B6-B3DB-968596DEB338}">
+      <dgm:prSet/>
+      <dgm:spPr/>
+      <dgm:t>
+        <a:bodyPr/>
+        <a:lstStyle/>
+        <a:p>
+          <a:endParaRPr lang="en-US"/>
+        </a:p>
+      </dgm:t>
+    </dgm:pt>
+    <dgm:pt modelId="{85F43D13-AC84-403C-9C64-BF1FB12DFE1E}" type="pres">
+      <dgm:prSet presAssocID="{103241C1-84EC-424D-A759-05CF8D05427A}" presName="root" presStyleCnt="0">
+        <dgm:presLayoutVars>
+          <dgm:dir/>
+          <dgm:resizeHandles val="exact"/>
+        </dgm:presLayoutVars>
+      </dgm:prSet>
+      <dgm:spPr/>
+    </dgm:pt>
+    <dgm:pt modelId="{A3D91FF9-234E-40DA-9BE6-54531032AA09}" type="pres">
+      <dgm:prSet presAssocID="{63F03501-A812-4C70-BD14-5AF59260A308}" presName="compNode" presStyleCnt="0"/>
+      <dgm:spPr/>
+    </dgm:pt>
+    <dgm:pt modelId="{B3B1A724-D747-4E9A-9438-DEE0D78857B2}" type="pres">
+      <dgm:prSet presAssocID="{63F03501-A812-4C70-BD14-5AF59260A308}" presName="iconRect" presStyleLbl="node1" presStyleIdx="0" presStyleCnt="2"/>
+      <dgm:spPr>
+        <a:blipFill>
+          <a:blip xmlns:r="http://schemas.openxmlformats.org/officeDocument/2006/relationships" r:embed="rId1">
+            <a:extLst>
+              <a:ext uri="{28A0092B-C50C-407E-A947-70E740481C1C}">
+                <a14:useLocalDpi xmlns:a14="http://schemas.microsoft.com/office/drawing/2010/main" val="0"/>
+              </a:ext>
+              <a:ext uri="{96DAC541-7B7A-43D3-8B79-37D633B846F1}">
+                <asvg:svgBlip xmlns:asvg="http://schemas.microsoft.com/office/drawing/2016/SVG/main" r:embed="rId2"/>
+              </a:ext>
+            </a:extLst>
+          </a:blip>
+          <a:stretch>
+            <a:fillRect/>
+          </a:stretch>
+        </a:blipFill>
+        <a:ln>
+          <a:noFill/>
+        </a:ln>
+      </dgm:spPr>
+      <dgm:extLst>
+        <a:ext uri="{E40237B7-FDA0-4F09-8148-C483321AD2D9}">
+          <dgm14:cNvPr xmlns:dgm14="http://schemas.microsoft.com/office/drawing/2010/diagram" id="0" name="" descr="Checkmark"/>
+        </a:ext>
+      </dgm:extLst>
+    </dgm:pt>
+    <dgm:pt modelId="{E9EB7C2E-28ED-4E19-8021-DC64D0FB676F}" type="pres">
+      <dgm:prSet presAssocID="{63F03501-A812-4C70-BD14-5AF59260A308}" presName="iconSpace" presStyleCnt="0"/>
+      <dgm:spPr/>
+    </dgm:pt>
+    <dgm:pt modelId="{6A80BEB3-8CCF-4746-94C2-7C1BBBF024DE}" type="pres">
+      <dgm:prSet presAssocID="{63F03501-A812-4C70-BD14-5AF59260A308}" presName="parTx" presStyleLbl="revTx" presStyleIdx="0" presStyleCnt="4">
+        <dgm:presLayoutVars>
+          <dgm:chMax val="0"/>
+          <dgm:chPref val="0"/>
+        </dgm:presLayoutVars>
+      </dgm:prSet>
+      <dgm:spPr/>
+    </dgm:pt>
+    <dgm:pt modelId="{DBB47187-5969-47F9-89E5-773D4A91CFA8}" type="pres">
+      <dgm:prSet presAssocID="{63F03501-A812-4C70-BD14-5AF59260A308}" presName="txSpace" presStyleCnt="0"/>
+      <dgm:spPr/>
+    </dgm:pt>
+    <dgm:pt modelId="{0DB11753-7345-4DBC-B7BF-0AC72F5F5C9E}" type="pres">
+      <dgm:prSet presAssocID="{63F03501-A812-4C70-BD14-5AF59260A308}" presName="desTx" presStyleLbl="revTx" presStyleIdx="1" presStyleCnt="4">
+        <dgm:presLayoutVars/>
+      </dgm:prSet>
+      <dgm:spPr/>
+    </dgm:pt>
+    <dgm:pt modelId="{2F9A5D4A-95D1-4E84-A9CF-E660D44179E5}" type="pres">
+      <dgm:prSet presAssocID="{2D21F2AC-79E9-4F37-A2A6-4D9D803BE268}" presName="sibTrans" presStyleCnt="0"/>
+      <dgm:spPr/>
+    </dgm:pt>
+    <dgm:pt modelId="{30DF9EBF-FE74-432A-A6F4-5519ED47A845}" type="pres">
+      <dgm:prSet presAssocID="{3D4C15B6-2FE1-4AAB-8629-8860B353CCE0}" presName="compNode" presStyleCnt="0"/>
+      <dgm:spPr/>
+    </dgm:pt>
+    <dgm:pt modelId="{294D2BD0-0CBC-4731-8848-EB41DCE4A6A2}" type="pres">
+      <dgm:prSet presAssocID="{3D4C15B6-2FE1-4AAB-8629-8860B353CCE0}" presName="iconRect" presStyleLbl="node1" presStyleIdx="1" presStyleCnt="2"/>
+      <dgm:spPr>
+        <a:blipFill>
+          <a:blip xmlns:r="http://schemas.openxmlformats.org/officeDocument/2006/relationships" r:embed="rId3">
+            <a:extLst>
+              <a:ext uri="{28A0092B-C50C-407E-A947-70E740481C1C}">
+                <a14:useLocalDpi xmlns:a14="http://schemas.microsoft.com/office/drawing/2010/main" val="0"/>
+              </a:ext>
+              <a:ext uri="{96DAC541-7B7A-43D3-8B79-37D633B846F1}">
+                <asvg:svgBlip xmlns:asvg="http://schemas.microsoft.com/office/drawing/2016/SVG/main" r:embed="rId4"/>
+              </a:ext>
+            </a:extLst>
+          </a:blip>
+          <a:stretch>
+            <a:fillRect/>
+          </a:stretch>
+        </a:blipFill>
+        <a:ln>
+          <a:noFill/>
+        </a:ln>
+      </dgm:spPr>
+      <dgm:extLst>
+        <a:ext uri="{E40237B7-FDA0-4F09-8148-C483321AD2D9}">
+          <dgm14:cNvPr xmlns:dgm14="http://schemas.microsoft.com/office/drawing/2010/diagram" id="0" name="" descr="Head with Gears"/>
+        </a:ext>
+      </dgm:extLst>
+    </dgm:pt>
+    <dgm:pt modelId="{56A20E73-4383-4D01-B1BD-0F47656F56B9}" type="pres">
+      <dgm:prSet presAssocID="{3D4C15B6-2FE1-4AAB-8629-8860B353CCE0}" presName="iconSpace" presStyleCnt="0"/>
+      <dgm:spPr/>
+    </dgm:pt>
+    <dgm:pt modelId="{81163EF5-3E23-40CC-8B68-C92E279A584F}" type="pres">
+      <dgm:prSet presAssocID="{3D4C15B6-2FE1-4AAB-8629-8860B353CCE0}" presName="parTx" presStyleLbl="revTx" presStyleIdx="2" presStyleCnt="4">
+        <dgm:presLayoutVars>
+          <dgm:chMax val="0"/>
+          <dgm:chPref val="0"/>
+        </dgm:presLayoutVars>
+      </dgm:prSet>
+      <dgm:spPr/>
+    </dgm:pt>
+    <dgm:pt modelId="{E7BF47D2-4BFD-4593-8D9F-AE8AA222A008}" type="pres">
+      <dgm:prSet presAssocID="{3D4C15B6-2FE1-4AAB-8629-8860B353CCE0}" presName="txSpace" presStyleCnt="0"/>
+      <dgm:spPr/>
+    </dgm:pt>
+    <dgm:pt modelId="{798B5F06-298E-4FA7-8383-D6D1B52721E2}" type="pres">
+      <dgm:prSet presAssocID="{3D4C15B6-2FE1-4AAB-8629-8860B353CCE0}" presName="desTx" presStyleLbl="revTx" presStyleIdx="3" presStyleCnt="4">
+        <dgm:presLayoutVars/>
+      </dgm:prSet>
+      <dgm:spPr/>
+    </dgm:pt>
+  </dgm:ptLst>
+  <dgm:cxnLst>
+    <dgm:cxn modelId="{A5471E06-90BC-4A21-B421-89B15FF4F52F}" srcId="{103241C1-84EC-424D-A759-05CF8D05427A}" destId="{63F03501-A812-4C70-BD14-5AF59260A308}" srcOrd="0" destOrd="0" parTransId="{290DEEEA-CA65-404C-8A22-F08795A08BA7}" sibTransId="{2D21F2AC-79E9-4F37-A2A6-4D9D803BE268}"/>
+    <dgm:cxn modelId="{8405BF25-2A4A-47E4-93B8-55E02377C6FC}" type="presOf" srcId="{63F03501-A812-4C70-BD14-5AF59260A308}" destId="{6A80BEB3-8CCF-4746-94C2-7C1BBBF024DE}" srcOrd="0" destOrd="0" presId="urn:microsoft.com/office/officeart/2018/2/layout/IconLabelDescriptionList"/>
+    <dgm:cxn modelId="{0ABA402A-7B30-4908-A172-E38A66BDBA8A}" type="presOf" srcId="{103241C1-84EC-424D-A759-05CF8D05427A}" destId="{85F43D13-AC84-403C-9C64-BF1FB12DFE1E}" srcOrd="0" destOrd="0" presId="urn:microsoft.com/office/officeart/2018/2/layout/IconLabelDescriptionList"/>
+    <dgm:cxn modelId="{27212560-25A5-49B6-B3DB-968596DEB338}" srcId="{3D4C15B6-2FE1-4AAB-8629-8860B353CCE0}" destId="{AA0A2BE9-9643-4A13-82F0-2BFB99333E1F}" srcOrd="0" destOrd="0" parTransId="{8C523916-BF0D-40F9-9C5F-CCD1551257B2}" sibTransId="{9942A9A5-877F-4E13-BA50-C59CD243DC77}"/>
+    <dgm:cxn modelId="{325C6C42-741A-4C4B-86CD-6D0A76F8DCF3}" type="presOf" srcId="{5F5B67DA-02A5-42DF-9FF0-39CB873E143F}" destId="{0DB11753-7345-4DBC-B7BF-0AC72F5F5C9E}" srcOrd="0" destOrd="1" presId="urn:microsoft.com/office/officeart/2018/2/layout/IconLabelDescriptionList"/>
+    <dgm:cxn modelId="{0F201A47-95E1-4CFC-B428-DE24759F88FD}" type="presOf" srcId="{F43C537E-8B8D-46EB-832B-2B029687348C}" destId="{0DB11753-7345-4DBC-B7BF-0AC72F5F5C9E}" srcOrd="0" destOrd="0" presId="urn:microsoft.com/office/officeart/2018/2/layout/IconLabelDescriptionList"/>
+    <dgm:cxn modelId="{E1A47178-BA85-412B-8A9A-FAF614421975}" srcId="{63F03501-A812-4C70-BD14-5AF59260A308}" destId="{F43C537E-8B8D-46EB-832B-2B029687348C}" srcOrd="0" destOrd="0" parTransId="{69ECAE2D-A0D0-4878-A523-1255B216E84F}" sibTransId="{CF7D3DE0-DA69-48BA-A4AF-440D3341F688}"/>
+    <dgm:cxn modelId="{5B258892-BF9D-432D-A8FC-1EB4D5C40443}" type="presOf" srcId="{AA0A2BE9-9643-4A13-82F0-2BFB99333E1F}" destId="{798B5F06-298E-4FA7-8383-D6D1B52721E2}" srcOrd="0" destOrd="0" presId="urn:microsoft.com/office/officeart/2018/2/layout/IconLabelDescriptionList"/>
+    <dgm:cxn modelId="{5FD6C894-9B57-44CA-9104-8B1B730B6937}" srcId="{63F03501-A812-4C70-BD14-5AF59260A308}" destId="{5F5B67DA-02A5-42DF-9FF0-39CB873E143F}" srcOrd="1" destOrd="0" parTransId="{AF7F37DF-930F-4A33-AB06-C5026D6096A5}" sibTransId="{04C6FC84-677E-40B4-974E-6DAE25691FE5}"/>
+    <dgm:cxn modelId="{B87575B0-1472-4C43-B79C-CB02F36C42B0}" type="presOf" srcId="{3D4C15B6-2FE1-4AAB-8629-8860B353CCE0}" destId="{81163EF5-3E23-40CC-8B68-C92E279A584F}" srcOrd="0" destOrd="0" presId="urn:microsoft.com/office/officeart/2018/2/layout/IconLabelDescriptionList"/>
+    <dgm:cxn modelId="{E02A2DBD-C9E6-46FE-B547-9EFCD3C2C94E}" srcId="{103241C1-84EC-424D-A759-05CF8D05427A}" destId="{3D4C15B6-2FE1-4AAB-8629-8860B353CCE0}" srcOrd="1" destOrd="0" parTransId="{1C9EA86E-B25B-416E-A991-8B12858C3C63}" sibTransId="{62517B77-92A8-42AA-9DCF-750572E4D0C9}"/>
+    <dgm:cxn modelId="{2BE992F5-A9AC-4AED-B2B0-7A3CB1523F79}" type="presParOf" srcId="{85F43D13-AC84-403C-9C64-BF1FB12DFE1E}" destId="{A3D91FF9-234E-40DA-9BE6-54531032AA09}" srcOrd="0" destOrd="0" presId="urn:microsoft.com/office/officeart/2018/2/layout/IconLabelDescriptionList"/>
+    <dgm:cxn modelId="{68510809-4B6D-4A25-A84F-DEC477AB48CD}" type="presParOf" srcId="{A3D91FF9-234E-40DA-9BE6-54531032AA09}" destId="{B3B1A724-D747-4E9A-9438-DEE0D78857B2}" srcOrd="0" destOrd="0" presId="urn:microsoft.com/office/officeart/2018/2/layout/IconLabelDescriptionList"/>
+    <dgm:cxn modelId="{4AAC31ED-AA71-4524-A519-606A24D2AB24}" type="presParOf" srcId="{A3D91FF9-234E-40DA-9BE6-54531032AA09}" destId="{E9EB7C2E-28ED-4E19-8021-DC64D0FB676F}" srcOrd="1" destOrd="0" presId="urn:microsoft.com/office/officeart/2018/2/layout/IconLabelDescriptionList"/>
+    <dgm:cxn modelId="{269B6229-5348-4FCB-A2EA-41B47FED87DF}" type="presParOf" srcId="{A3D91FF9-234E-40DA-9BE6-54531032AA09}" destId="{6A80BEB3-8CCF-4746-94C2-7C1BBBF024DE}" srcOrd="2" destOrd="0" presId="urn:microsoft.com/office/officeart/2018/2/layout/IconLabelDescriptionList"/>
+    <dgm:cxn modelId="{339204B1-CAA7-45F3-A0EF-2EF1CBD08B63}" type="presParOf" srcId="{A3D91FF9-234E-40DA-9BE6-54531032AA09}" destId="{DBB47187-5969-47F9-89E5-773D4A91CFA8}" srcOrd="3" destOrd="0" presId="urn:microsoft.com/office/officeart/2018/2/layout/IconLabelDescriptionList"/>
+    <dgm:cxn modelId="{FF1CA192-52BF-4E4F-AD2E-CC36A74E76EC}" type="presParOf" srcId="{A3D91FF9-234E-40DA-9BE6-54531032AA09}" destId="{0DB11753-7345-4DBC-B7BF-0AC72F5F5C9E}" srcOrd="4" destOrd="0" presId="urn:microsoft.com/office/officeart/2018/2/layout/IconLabelDescriptionList"/>
+    <dgm:cxn modelId="{19247AB3-5FE3-4A39-A498-55DA6F5FBF30}" type="presParOf" srcId="{85F43D13-AC84-403C-9C64-BF1FB12DFE1E}" destId="{2F9A5D4A-95D1-4E84-A9CF-E660D44179E5}" srcOrd="1" destOrd="0" presId="urn:microsoft.com/office/officeart/2018/2/layout/IconLabelDescriptionList"/>
+    <dgm:cxn modelId="{9DF08C56-754C-4BAD-8B1C-2643E4D444B7}" type="presParOf" srcId="{85F43D13-AC84-403C-9C64-BF1FB12DFE1E}" destId="{30DF9EBF-FE74-432A-A6F4-5519ED47A845}" srcOrd="2" destOrd="0" presId="urn:microsoft.com/office/officeart/2018/2/layout/IconLabelDescriptionList"/>
+    <dgm:cxn modelId="{07D7154B-1BC0-4A8A-90C9-812ED961BB00}" type="presParOf" srcId="{30DF9EBF-FE74-432A-A6F4-5519ED47A845}" destId="{294D2BD0-0CBC-4731-8848-EB41DCE4A6A2}" srcOrd="0" destOrd="0" presId="urn:microsoft.com/office/officeart/2018/2/layout/IconLabelDescriptionList"/>
+    <dgm:cxn modelId="{03D9D92C-6B51-45A3-9CAA-7DFCDEC1B3FC}" type="presParOf" srcId="{30DF9EBF-FE74-432A-A6F4-5519ED47A845}" destId="{56A20E73-4383-4D01-B1BD-0F47656F56B9}" srcOrd="1" destOrd="0" presId="urn:microsoft.com/office/officeart/2018/2/layout/IconLabelDescriptionList"/>
+    <dgm:cxn modelId="{BEE97DAE-DA75-43AA-AE98-C767D6D03C8B}" type="presParOf" srcId="{30DF9EBF-FE74-432A-A6F4-5519ED47A845}" destId="{81163EF5-3E23-40CC-8B68-C92E279A584F}" srcOrd="2" destOrd="0" presId="urn:microsoft.com/office/officeart/2018/2/layout/IconLabelDescriptionList"/>
+    <dgm:cxn modelId="{F7E146DE-CD89-49F5-82EE-1DF9333CF6C8}" type="presParOf" srcId="{30DF9EBF-FE74-432A-A6F4-5519ED47A845}" destId="{E7BF47D2-4BFD-4593-8D9F-AE8AA222A008}" srcOrd="3" destOrd="0" presId="urn:microsoft.com/office/officeart/2018/2/layout/IconLabelDescriptionList"/>
+    <dgm:cxn modelId="{8BAD45F8-A3AB-45EE-9A61-5B0D91B8FD6F}" type="presParOf" srcId="{30DF9EBF-FE74-432A-A6F4-5519ED47A845}" destId="{798B5F06-298E-4FA7-8383-D6D1B52721E2}" srcOrd="4" destOrd="0" presId="urn:microsoft.com/office/officeart/2018/2/layout/IconLabelDescriptionList"/>
+  </dgm:cxnLst>
+  <dgm:bg/>
+  <dgm:whole/>
+  <dgm:extLst>
+    <a:ext uri="http://schemas.microsoft.com/office/drawing/2008/diagram">
+      <dsp:dataModelExt xmlns:dsp="http://schemas.microsoft.com/office/drawing/2008/diagram" relId="rId6" minVer="http://schemas.openxmlformats.org/drawingml/2006/diagram"/>
+    </a:ext>
+  </dgm:extLst>
+</dgm:dataModel>
+</file>
+
+<file path=ppt/diagrams/data2.xml><?xml version="1.0" encoding="utf-8"?>
+<dgm:dataModel xmlns:dgm="http://schemas.openxmlformats.org/drawingml/2006/diagram" xmlns:a="http://schemas.openxmlformats.org/drawingml/2006/main">
+  <dgm:ptLst>
+    <dgm:pt modelId="{1A1C0B48-45FB-42A6-A67D-B59D56ACB079}" type="doc">
+      <dgm:prSet loTypeId="urn:microsoft.com/office/officeart/2018/2/layout/IconVerticalSolidList" loCatId="icon" qsTypeId="urn:microsoft.com/office/officeart/2005/8/quickstyle/simple1" qsCatId="simple" csTypeId="urn:microsoft.com/office/officeart/2005/8/colors/accent2_2" csCatId="accent2" phldr="1"/>
+      <dgm:spPr/>
+      <dgm:t>
+        <a:bodyPr/>
+        <a:lstStyle/>
+        <a:p>
+          <a:endParaRPr lang="en-US"/>
+        </a:p>
+      </dgm:t>
+    </dgm:pt>
+    <dgm:pt modelId="{1242E4C0-0ACF-4B1F-A6B1-9717B036114F}">
+      <dgm:prSet/>
+      <dgm:spPr/>
+      <dgm:t>
+        <a:bodyPr/>
+        <a:lstStyle/>
+        <a:p>
+          <a:pPr>
+            <a:lnSpc>
+              <a:spcPct val="100000"/>
+            </a:lnSpc>
+          </a:pPr>
+          <a:r>
+            <a:rPr lang="en-US" b="1" baseline="0"/>
+            <a:t>Planned Methods</a:t>
+          </a:r>
+          <a:r>
+            <a:rPr lang="en-US" baseline="0"/>
+            <a:t>:</a:t>
+          </a:r>
+          <a:endParaRPr lang="en-US"/>
+        </a:p>
+      </dgm:t>
+    </dgm:pt>
+    <dgm:pt modelId="{C0A48CBB-A463-41BD-9F7C-1E2974A89143}" type="parTrans" cxnId="{5FA4E5A4-FC88-4B0F-831A-3A6366770172}">
+      <dgm:prSet/>
+      <dgm:spPr/>
+      <dgm:t>
+        <a:bodyPr/>
+        <a:lstStyle/>
+        <a:p>
+          <a:endParaRPr lang="en-US"/>
+        </a:p>
+      </dgm:t>
+    </dgm:pt>
+    <dgm:pt modelId="{DB492095-295A-493A-9593-D8AD07D684F7}" type="sibTrans" cxnId="{5FA4E5A4-FC88-4B0F-831A-3A6366770172}">
+      <dgm:prSet/>
+      <dgm:spPr/>
+      <dgm:t>
+        <a:bodyPr/>
+        <a:lstStyle/>
+        <a:p>
+          <a:endParaRPr lang="en-US"/>
+        </a:p>
+      </dgm:t>
+    </dgm:pt>
+    <dgm:pt modelId="{2D77646F-385F-4C8C-9DCB-00412E9DBAD9}">
+      <dgm:prSet/>
+      <dgm:spPr/>
+      <dgm:t>
+        <a:bodyPr/>
+        <a:lstStyle/>
+        <a:p>
+          <a:pPr>
+            <a:lnSpc>
+              <a:spcPct val="100000"/>
+            </a:lnSpc>
+          </a:pPr>
+          <a:r>
+            <a:rPr lang="en-US" baseline="0" dirty="0"/>
+            <a:t>Experimental survey design: Current website vs. future mockups</a:t>
+          </a:r>
+          <a:endParaRPr lang="en-US" dirty="0"/>
+        </a:p>
+      </dgm:t>
+    </dgm:pt>
+    <dgm:pt modelId="{775251A1-3864-43EE-A208-26ECF69478E1}" type="parTrans" cxnId="{95CFFBD0-BCB8-424B-9B7A-E78576EB85DE}">
+      <dgm:prSet/>
+      <dgm:spPr/>
+      <dgm:t>
+        <a:bodyPr/>
+        <a:lstStyle/>
+        <a:p>
+          <a:endParaRPr lang="en-US"/>
+        </a:p>
+      </dgm:t>
+    </dgm:pt>
+    <dgm:pt modelId="{0691381A-5846-4605-89CB-DE0B5AA4A073}" type="sibTrans" cxnId="{95CFFBD0-BCB8-424B-9B7A-E78576EB85DE}">
+      <dgm:prSet/>
+      <dgm:spPr/>
+      <dgm:t>
+        <a:bodyPr/>
+        <a:lstStyle/>
+        <a:p>
+          <a:endParaRPr lang="en-US"/>
+        </a:p>
+      </dgm:t>
+    </dgm:pt>
+    <dgm:pt modelId="{D6B85A67-AEB9-4DA9-B9CE-AD527692B67E}">
+      <dgm:prSet/>
+      <dgm:spPr/>
+      <dgm:t>
+        <a:bodyPr/>
+        <a:lstStyle/>
+        <a:p>
+          <a:pPr>
+            <a:lnSpc>
+              <a:spcPct val="100000"/>
+            </a:lnSpc>
+          </a:pPr>
+          <a:r>
+            <a:rPr lang="en-US" b="1" baseline="0"/>
+            <a:t>Why Suitable</a:t>
+          </a:r>
+          <a:r>
+            <a:rPr lang="en-US" baseline="0"/>
+            <a:t>:</a:t>
+          </a:r>
+          <a:endParaRPr lang="en-US"/>
+        </a:p>
+      </dgm:t>
+    </dgm:pt>
+    <dgm:pt modelId="{771B7100-279B-4EF4-87F1-ED28CC7A61D7}" type="parTrans" cxnId="{A56478B1-79A6-40F1-BFD5-496902F1E665}">
+      <dgm:prSet/>
+      <dgm:spPr/>
+      <dgm:t>
+        <a:bodyPr/>
+        <a:lstStyle/>
+        <a:p>
+          <a:endParaRPr lang="en-US"/>
+        </a:p>
+      </dgm:t>
+    </dgm:pt>
+    <dgm:pt modelId="{F6B7A4D4-D181-4ACD-8304-0EC84E049315}" type="sibTrans" cxnId="{A56478B1-79A6-40F1-BFD5-496902F1E665}">
+      <dgm:prSet/>
+      <dgm:spPr/>
+      <dgm:t>
+        <a:bodyPr/>
+        <a:lstStyle/>
+        <a:p>
+          <a:endParaRPr lang="en-US"/>
+        </a:p>
+      </dgm:t>
+    </dgm:pt>
+    <dgm:pt modelId="{E7458FF9-A319-4485-B76F-F3E5022F6589}">
+      <dgm:prSet/>
+      <dgm:spPr/>
+      <dgm:t>
+        <a:bodyPr/>
+        <a:lstStyle/>
+        <a:p>
+          <a:pPr>
+            <a:lnSpc>
+              <a:spcPct val="100000"/>
+            </a:lnSpc>
+          </a:pPr>
+          <a:r>
+            <a:rPr lang="en-US" baseline="0" dirty="0"/>
+            <a:t>Able to evaluate our prototype against the current website in a controlled environment</a:t>
+          </a:r>
+        </a:p>
+      </dgm:t>
+    </dgm:pt>
+    <dgm:pt modelId="{F41EF89F-289D-44F2-9F64-14967458A34C}" type="parTrans" cxnId="{09EE235A-FA35-44B1-B9B4-AA996952F653}">
+      <dgm:prSet/>
+      <dgm:spPr/>
+      <dgm:t>
+        <a:bodyPr/>
+        <a:lstStyle/>
+        <a:p>
+          <a:endParaRPr lang="en-US"/>
+        </a:p>
+      </dgm:t>
+    </dgm:pt>
+    <dgm:pt modelId="{8E5BCBDA-9D29-4520-A81B-161C28E98342}" type="sibTrans" cxnId="{09EE235A-FA35-44B1-B9B4-AA996952F653}">
+      <dgm:prSet/>
+      <dgm:spPr/>
+      <dgm:t>
+        <a:bodyPr/>
+        <a:lstStyle/>
+        <a:p>
+          <a:endParaRPr lang="en-US"/>
+        </a:p>
+      </dgm:t>
+    </dgm:pt>
+    <dgm:pt modelId="{5FF0CC20-BB1A-44A4-96A3-7700B261F9A3}">
+      <dgm:prSet/>
+      <dgm:spPr/>
+      <dgm:t>
+        <a:bodyPr/>
+        <a:lstStyle/>
+        <a:p>
+          <a:pPr>
+            <a:lnSpc>
+              <a:spcPct val="100000"/>
+            </a:lnSpc>
+          </a:pPr>
+          <a:r>
+            <a:rPr lang="en-US" b="1" baseline="0"/>
+            <a:t>Expected Outcomes</a:t>
+          </a:r>
+          <a:r>
+            <a:rPr lang="en-US" baseline="0"/>
+            <a:t>:</a:t>
+          </a:r>
+          <a:endParaRPr lang="en-US"/>
+        </a:p>
+      </dgm:t>
+    </dgm:pt>
+    <dgm:pt modelId="{1CF449A5-E9E9-4549-B64E-44564F4A414D}" type="parTrans" cxnId="{D7320929-9FD2-4A81-B0EF-8CD0E6DD098E}">
+      <dgm:prSet/>
+      <dgm:spPr/>
+      <dgm:t>
+        <a:bodyPr/>
+        <a:lstStyle/>
+        <a:p>
+          <a:endParaRPr lang="en-US"/>
+        </a:p>
+      </dgm:t>
+    </dgm:pt>
+    <dgm:pt modelId="{425FAE30-372A-416A-9607-45F85EA41709}" type="sibTrans" cxnId="{D7320929-9FD2-4A81-B0EF-8CD0E6DD098E}">
+      <dgm:prSet/>
+      <dgm:spPr/>
+      <dgm:t>
+        <a:bodyPr/>
+        <a:lstStyle/>
+        <a:p>
+          <a:endParaRPr lang="en-US"/>
+        </a:p>
+      </dgm:t>
+    </dgm:pt>
+    <dgm:pt modelId="{2CB1241E-9C12-4EA2-88E8-EC20D60637D4}">
+      <dgm:prSet/>
+      <dgm:spPr/>
+      <dgm:t>
+        <a:bodyPr/>
+        <a:lstStyle/>
+        <a:p>
+          <a:pPr>
+            <a:lnSpc>
+              <a:spcPct val="100000"/>
+            </a:lnSpc>
+          </a:pPr>
+          <a:r>
+            <a:rPr lang="en-US" baseline="0" dirty="0"/>
+            <a:t>Higher categorization agreement among participants</a:t>
+          </a:r>
+          <a:endParaRPr lang="en-US" dirty="0"/>
+        </a:p>
+      </dgm:t>
+    </dgm:pt>
+    <dgm:pt modelId="{525396B4-7D49-44FA-AE83-852C77A87315}" type="parTrans" cxnId="{9EFA74D6-CE12-46C8-97FE-646EAC28660B}">
+      <dgm:prSet/>
+      <dgm:spPr/>
+      <dgm:t>
+        <a:bodyPr/>
+        <a:lstStyle/>
+        <a:p>
+          <a:endParaRPr lang="en-US"/>
+        </a:p>
+      </dgm:t>
+    </dgm:pt>
+    <dgm:pt modelId="{917CADAD-A375-4209-BCF2-A62EF13CC8D4}" type="sibTrans" cxnId="{9EFA74D6-CE12-46C8-97FE-646EAC28660B}">
+      <dgm:prSet/>
+      <dgm:spPr/>
+      <dgm:t>
+        <a:bodyPr/>
+        <a:lstStyle/>
+        <a:p>
+          <a:endParaRPr lang="en-US"/>
+        </a:p>
+      </dgm:t>
+    </dgm:pt>
+    <dgm:pt modelId="{56F62341-EB09-4B15-9DCF-38AF8A8C3394}">
+      <dgm:prSet/>
+      <dgm:spPr/>
+      <dgm:t>
+        <a:bodyPr/>
+        <a:lstStyle/>
+        <a:p>
+          <a:pPr>
+            <a:lnSpc>
+              <a:spcPct val="100000"/>
+            </a:lnSpc>
+          </a:pPr>
+          <a:r>
+            <a:rPr lang="en-US" dirty="0"/>
+            <a:t>Higher system usability</a:t>
+          </a:r>
+        </a:p>
+      </dgm:t>
+    </dgm:pt>
+    <dgm:pt modelId="{345650E9-9350-435C-B9B7-211FD6BB9E70}" type="parTrans" cxnId="{D99D9A6B-9709-4592-AF74-0C8689987441}">
+      <dgm:prSet/>
+      <dgm:spPr/>
+      <dgm:t>
+        <a:bodyPr/>
+        <a:lstStyle/>
+        <a:p>
+          <a:endParaRPr lang="en-US"/>
+        </a:p>
+      </dgm:t>
+    </dgm:pt>
+    <dgm:pt modelId="{801DDEE0-D9A1-45FB-99BF-01E92B6BF6F7}" type="sibTrans" cxnId="{D99D9A6B-9709-4592-AF74-0C8689987441}">
+      <dgm:prSet/>
+      <dgm:spPr/>
+      <dgm:t>
+        <a:bodyPr/>
+        <a:lstStyle/>
+        <a:p>
+          <a:endParaRPr lang="en-US"/>
+        </a:p>
+      </dgm:t>
+    </dgm:pt>
+    <dgm:pt modelId="{949F613C-9BCB-448A-87EF-13B4236B0D7B}" type="pres">
+      <dgm:prSet presAssocID="{1A1C0B48-45FB-42A6-A67D-B59D56ACB079}" presName="root" presStyleCnt="0">
+        <dgm:presLayoutVars>
+          <dgm:dir/>
+          <dgm:resizeHandles val="exact"/>
+        </dgm:presLayoutVars>
+      </dgm:prSet>
+      <dgm:spPr/>
+    </dgm:pt>
+    <dgm:pt modelId="{F5A6C368-A37E-484F-9BC1-B3B295541A80}" type="pres">
+      <dgm:prSet presAssocID="{1242E4C0-0ACF-4B1F-A6B1-9717B036114F}" presName="compNode" presStyleCnt="0"/>
+      <dgm:spPr/>
+    </dgm:pt>
+    <dgm:pt modelId="{586EF7EB-9639-4BD1-BAA8-8F1A61508B81}" type="pres">
+      <dgm:prSet presAssocID="{1242E4C0-0ACF-4B1F-A6B1-9717B036114F}" presName="bgRect" presStyleLbl="bgShp" presStyleIdx="0" presStyleCnt="3"/>
+      <dgm:spPr/>
+    </dgm:pt>
+    <dgm:pt modelId="{FD74D3C6-9ACD-4888-8E64-844CC36A0437}" type="pres">
+      <dgm:prSet presAssocID="{1242E4C0-0ACF-4B1F-A6B1-9717B036114F}" presName="iconRect" presStyleLbl="node1" presStyleIdx="0" presStyleCnt="3"/>
+      <dgm:spPr>
+        <a:blipFill>
+          <a:blip xmlns:r="http://schemas.openxmlformats.org/officeDocument/2006/relationships" r:embed="rId1">
+            <a:extLst>
+              <a:ext uri="{28A0092B-C50C-407E-A947-70E740481C1C}">
+                <a14:useLocalDpi xmlns:a14="http://schemas.microsoft.com/office/drawing/2010/main" val="0"/>
+              </a:ext>
+              <a:ext uri="{96DAC541-7B7A-43D3-8B79-37D633B846F1}">
+                <asvg:svgBlip xmlns:asvg="http://schemas.microsoft.com/office/drawing/2016/SVG/main" r:embed="rId2"/>
+              </a:ext>
+            </a:extLst>
+          </a:blip>
+          <a:stretch>
+            <a:fillRect/>
+          </a:stretch>
+        </a:blipFill>
+        <a:ln>
+          <a:noFill/>
+        </a:ln>
+      </dgm:spPr>
+      <dgm:extLst>
+        <a:ext uri="{E40237B7-FDA0-4F09-8148-C483321AD2D9}">
+          <dgm14:cNvPr xmlns:dgm14="http://schemas.microsoft.com/office/drawing/2010/diagram" id="0" name="" descr="Checkmark"/>
+        </a:ext>
+      </dgm:extLst>
+    </dgm:pt>
+    <dgm:pt modelId="{39F76D31-AFE7-4BB9-A4DC-D16E3BA647EF}" type="pres">
+      <dgm:prSet presAssocID="{1242E4C0-0ACF-4B1F-A6B1-9717B036114F}" presName="spaceRect" presStyleCnt="0"/>
+      <dgm:spPr/>
+    </dgm:pt>
+    <dgm:pt modelId="{F7F44461-877E-4268-AF2E-F773529A64E9}" type="pres">
+      <dgm:prSet presAssocID="{1242E4C0-0ACF-4B1F-A6B1-9717B036114F}" presName="parTx" presStyleLbl="revTx" presStyleIdx="0" presStyleCnt="6">
+        <dgm:presLayoutVars>
+          <dgm:chMax val="0"/>
+          <dgm:chPref val="0"/>
+        </dgm:presLayoutVars>
+      </dgm:prSet>
+      <dgm:spPr/>
+    </dgm:pt>
+    <dgm:pt modelId="{90A71EE0-6F18-4C19-9328-3509CDA88564}" type="pres">
+      <dgm:prSet presAssocID="{1242E4C0-0ACF-4B1F-A6B1-9717B036114F}" presName="desTx" presStyleLbl="revTx" presStyleIdx="1" presStyleCnt="6">
+        <dgm:presLayoutVars/>
+      </dgm:prSet>
+      <dgm:spPr/>
+    </dgm:pt>
+    <dgm:pt modelId="{47DA7D64-7A20-4376-A85E-3CB5036021AB}" type="pres">
+      <dgm:prSet presAssocID="{DB492095-295A-493A-9593-D8AD07D684F7}" presName="sibTrans" presStyleCnt="0"/>
+      <dgm:spPr/>
+    </dgm:pt>
+    <dgm:pt modelId="{994AF1AF-2FEF-4927-8469-8DF289C06343}" type="pres">
+      <dgm:prSet presAssocID="{D6B85A67-AEB9-4DA9-B9CE-AD527692B67E}" presName="compNode" presStyleCnt="0"/>
+      <dgm:spPr/>
+    </dgm:pt>
+    <dgm:pt modelId="{B37FC1DA-25EC-4DED-B252-D14B4A5947F1}" type="pres">
+      <dgm:prSet presAssocID="{D6B85A67-AEB9-4DA9-B9CE-AD527692B67E}" presName="bgRect" presStyleLbl="bgShp" presStyleIdx="1" presStyleCnt="3"/>
+      <dgm:spPr/>
+    </dgm:pt>
+    <dgm:pt modelId="{A826863C-ECC0-46D7-9023-9BB7F132C17A}" type="pres">
+      <dgm:prSet presAssocID="{D6B85A67-AEB9-4DA9-B9CE-AD527692B67E}" presName="iconRect" presStyleLbl="node1" presStyleIdx="1" presStyleCnt="3"/>
+      <dgm:spPr>
+        <a:blipFill>
+          <a:blip xmlns:r="http://schemas.openxmlformats.org/officeDocument/2006/relationships" r:embed="rId3">
+            <a:extLst>
+              <a:ext uri="{28A0092B-C50C-407E-A947-70E740481C1C}">
+                <a14:useLocalDpi xmlns:a14="http://schemas.microsoft.com/office/drawing/2010/main" val="0"/>
+              </a:ext>
+              <a:ext uri="{96DAC541-7B7A-43D3-8B79-37D633B846F1}">
+                <asvg:svgBlip xmlns:asvg="http://schemas.microsoft.com/office/drawing/2016/SVG/main" r:embed="rId4"/>
+              </a:ext>
+            </a:extLst>
+          </a:blip>
+          <a:stretch>
+            <a:fillRect/>
+          </a:stretch>
+        </a:blipFill>
+        <a:ln>
+          <a:noFill/>
+        </a:ln>
+      </dgm:spPr>
+      <dgm:extLst>
+        <a:ext uri="{E40237B7-FDA0-4F09-8148-C483321AD2D9}">
+          <dgm14:cNvPr xmlns:dgm14="http://schemas.microsoft.com/office/drawing/2010/diagram" id="0" name="" descr="Check List"/>
+        </a:ext>
+      </dgm:extLst>
+    </dgm:pt>
+    <dgm:pt modelId="{042E935E-C352-442B-B177-AE82ADE66F41}" type="pres">
+      <dgm:prSet presAssocID="{D6B85A67-AEB9-4DA9-B9CE-AD527692B67E}" presName="spaceRect" presStyleCnt="0"/>
+      <dgm:spPr/>
+    </dgm:pt>
+    <dgm:pt modelId="{223791C2-75A8-4FEE-83AC-3663B155E720}" type="pres">
+      <dgm:prSet presAssocID="{D6B85A67-AEB9-4DA9-B9CE-AD527692B67E}" presName="parTx" presStyleLbl="revTx" presStyleIdx="2" presStyleCnt="6">
+        <dgm:presLayoutVars>
+          <dgm:chMax val="0"/>
+          <dgm:chPref val="0"/>
+        </dgm:presLayoutVars>
+      </dgm:prSet>
+      <dgm:spPr/>
+    </dgm:pt>
+    <dgm:pt modelId="{CEF9D4D2-9B89-4ED1-9128-59F46FC49E00}" type="pres">
+      <dgm:prSet presAssocID="{D6B85A67-AEB9-4DA9-B9CE-AD527692B67E}" presName="desTx" presStyleLbl="revTx" presStyleIdx="3" presStyleCnt="6">
+        <dgm:presLayoutVars/>
+      </dgm:prSet>
+      <dgm:spPr/>
+    </dgm:pt>
+    <dgm:pt modelId="{B3A433BD-1161-4E84-A40D-14DB64952101}" type="pres">
+      <dgm:prSet presAssocID="{F6B7A4D4-D181-4ACD-8304-0EC84E049315}" presName="sibTrans" presStyleCnt="0"/>
+      <dgm:spPr/>
+    </dgm:pt>
+    <dgm:pt modelId="{F6D2B3A3-03FD-44B9-B1F2-59589764F0AD}" type="pres">
+      <dgm:prSet presAssocID="{5FF0CC20-BB1A-44A4-96A3-7700B261F9A3}" presName="compNode" presStyleCnt="0"/>
+      <dgm:spPr/>
+    </dgm:pt>
+    <dgm:pt modelId="{D3FE29BD-483E-406B-806A-D84BC8A29A0E}" type="pres">
+      <dgm:prSet presAssocID="{5FF0CC20-BB1A-44A4-96A3-7700B261F9A3}" presName="bgRect" presStyleLbl="bgShp" presStyleIdx="2" presStyleCnt="3"/>
+      <dgm:spPr/>
+    </dgm:pt>
+    <dgm:pt modelId="{AB704CF0-E741-4B89-A143-1C166DC0BDB0}" type="pres">
+      <dgm:prSet presAssocID="{5FF0CC20-BB1A-44A4-96A3-7700B261F9A3}" presName="iconRect" presStyleLbl="node1" presStyleIdx="2" presStyleCnt="3"/>
+      <dgm:spPr>
+        <a:blipFill>
+          <a:blip xmlns:r="http://schemas.openxmlformats.org/officeDocument/2006/relationships" r:embed="rId5">
+            <a:extLst>
+              <a:ext uri="{28A0092B-C50C-407E-A947-70E740481C1C}">
+                <a14:useLocalDpi xmlns:a14="http://schemas.microsoft.com/office/drawing/2010/main" val="0"/>
+              </a:ext>
+              <a:ext uri="{96DAC541-7B7A-43D3-8B79-37D633B846F1}">
+                <asvg:svgBlip xmlns:asvg="http://schemas.microsoft.com/office/drawing/2016/SVG/main" r:embed="rId6"/>
+              </a:ext>
+            </a:extLst>
+          </a:blip>
+          <a:stretch>
+            <a:fillRect/>
+          </a:stretch>
+        </a:blipFill>
+        <a:ln>
+          <a:noFill/>
+        </a:ln>
+      </dgm:spPr>
+      <dgm:extLst>
+        <a:ext uri="{E40237B7-FDA0-4F09-8148-C483321AD2D9}">
+          <dgm14:cNvPr xmlns:dgm14="http://schemas.microsoft.com/office/drawing/2010/diagram" id="0" name="" descr="Smiling Face with No Fill"/>
+        </a:ext>
+      </dgm:extLst>
+    </dgm:pt>
+    <dgm:pt modelId="{903E9B33-27E7-492A-ACDE-C48055FD02FB}" type="pres">
+      <dgm:prSet presAssocID="{5FF0CC20-BB1A-44A4-96A3-7700B261F9A3}" presName="spaceRect" presStyleCnt="0"/>
+      <dgm:spPr/>
+    </dgm:pt>
+    <dgm:pt modelId="{D8912872-CD03-45C8-A29B-D00864F47930}" type="pres">
+      <dgm:prSet presAssocID="{5FF0CC20-BB1A-44A4-96A3-7700B261F9A3}" presName="parTx" presStyleLbl="revTx" presStyleIdx="4" presStyleCnt="6">
+        <dgm:presLayoutVars>
+          <dgm:chMax val="0"/>
+          <dgm:chPref val="0"/>
+        </dgm:presLayoutVars>
+      </dgm:prSet>
+      <dgm:spPr/>
+    </dgm:pt>
+    <dgm:pt modelId="{BE7A5282-BA21-4A56-83F5-DD7BFBD1DD16}" type="pres">
+      <dgm:prSet presAssocID="{5FF0CC20-BB1A-44A4-96A3-7700B261F9A3}" presName="desTx" presStyleLbl="revTx" presStyleIdx="5" presStyleCnt="6">
+        <dgm:presLayoutVars/>
+      </dgm:prSet>
+      <dgm:spPr/>
+    </dgm:pt>
+  </dgm:ptLst>
+  <dgm:cxnLst>
+    <dgm:cxn modelId="{D7320929-9FD2-4A81-B0EF-8CD0E6DD098E}" srcId="{1A1C0B48-45FB-42A6-A67D-B59D56ACB079}" destId="{5FF0CC20-BB1A-44A4-96A3-7700B261F9A3}" srcOrd="2" destOrd="0" parTransId="{1CF449A5-E9E9-4549-B64E-44564F4A414D}" sibTransId="{425FAE30-372A-416A-9607-45F85EA41709}"/>
+    <dgm:cxn modelId="{5385FE38-07F2-42A9-97D2-798AF282BCDC}" type="presOf" srcId="{2CB1241E-9C12-4EA2-88E8-EC20D60637D4}" destId="{BE7A5282-BA21-4A56-83F5-DD7BFBD1DD16}" srcOrd="0" destOrd="0" presId="urn:microsoft.com/office/officeart/2018/2/layout/IconVerticalSolidList"/>
+    <dgm:cxn modelId="{D99D9A6B-9709-4592-AF74-0C8689987441}" srcId="{5FF0CC20-BB1A-44A4-96A3-7700B261F9A3}" destId="{56F62341-EB09-4B15-9DCF-38AF8A8C3394}" srcOrd="1" destOrd="0" parTransId="{345650E9-9350-435C-B9B7-211FD6BB9E70}" sibTransId="{801DDEE0-D9A1-45FB-99BF-01E92B6BF6F7}"/>
+    <dgm:cxn modelId="{09EE235A-FA35-44B1-B9B4-AA996952F653}" srcId="{D6B85A67-AEB9-4DA9-B9CE-AD527692B67E}" destId="{E7458FF9-A319-4485-B76F-F3E5022F6589}" srcOrd="0" destOrd="0" parTransId="{F41EF89F-289D-44F2-9F64-14967458A34C}" sibTransId="{8E5BCBDA-9D29-4520-A81B-161C28E98342}"/>
+    <dgm:cxn modelId="{133C605A-4766-471E-BB80-52AB9BFDBF43}" type="presOf" srcId="{1242E4C0-0ACF-4B1F-A6B1-9717B036114F}" destId="{F7F44461-877E-4268-AF2E-F773529A64E9}" srcOrd="0" destOrd="0" presId="urn:microsoft.com/office/officeart/2018/2/layout/IconVerticalSolidList"/>
+    <dgm:cxn modelId="{8BECFF8D-40A0-4C43-A07B-9E83CC5F5A9E}" type="presOf" srcId="{D6B85A67-AEB9-4DA9-B9CE-AD527692B67E}" destId="{223791C2-75A8-4FEE-83AC-3663B155E720}" srcOrd="0" destOrd="0" presId="urn:microsoft.com/office/officeart/2018/2/layout/IconVerticalSolidList"/>
+    <dgm:cxn modelId="{F4F79E9A-4C94-4ACA-A13F-B57D3BDA2B73}" type="presOf" srcId="{1A1C0B48-45FB-42A6-A67D-B59D56ACB079}" destId="{949F613C-9BCB-448A-87EF-13B4236B0D7B}" srcOrd="0" destOrd="0" presId="urn:microsoft.com/office/officeart/2018/2/layout/IconVerticalSolidList"/>
+    <dgm:cxn modelId="{5FA4E5A4-FC88-4B0F-831A-3A6366770172}" srcId="{1A1C0B48-45FB-42A6-A67D-B59D56ACB079}" destId="{1242E4C0-0ACF-4B1F-A6B1-9717B036114F}" srcOrd="0" destOrd="0" parTransId="{C0A48CBB-A463-41BD-9F7C-1E2974A89143}" sibTransId="{DB492095-295A-493A-9593-D8AD07D684F7}"/>
+    <dgm:cxn modelId="{256507AB-B9F6-408B-930B-702BD482EF42}" type="presOf" srcId="{5FF0CC20-BB1A-44A4-96A3-7700B261F9A3}" destId="{D8912872-CD03-45C8-A29B-D00864F47930}" srcOrd="0" destOrd="0" presId="urn:microsoft.com/office/officeart/2018/2/layout/IconVerticalSolidList"/>
+    <dgm:cxn modelId="{A56478B1-79A6-40F1-BFD5-496902F1E665}" srcId="{1A1C0B48-45FB-42A6-A67D-B59D56ACB079}" destId="{D6B85A67-AEB9-4DA9-B9CE-AD527692B67E}" srcOrd="1" destOrd="0" parTransId="{771B7100-279B-4EF4-87F1-ED28CC7A61D7}" sibTransId="{F6B7A4D4-D181-4ACD-8304-0EC84E049315}"/>
+    <dgm:cxn modelId="{2287DACE-025B-4E46-B9B2-17477E5E4112}" type="presOf" srcId="{56F62341-EB09-4B15-9DCF-38AF8A8C3394}" destId="{BE7A5282-BA21-4A56-83F5-DD7BFBD1DD16}" srcOrd="0" destOrd="1" presId="urn:microsoft.com/office/officeart/2018/2/layout/IconVerticalSolidList"/>
+    <dgm:cxn modelId="{95CFFBD0-BCB8-424B-9B7A-E78576EB85DE}" srcId="{1242E4C0-0ACF-4B1F-A6B1-9717B036114F}" destId="{2D77646F-385F-4C8C-9DCB-00412E9DBAD9}" srcOrd="0" destOrd="0" parTransId="{775251A1-3864-43EE-A208-26ECF69478E1}" sibTransId="{0691381A-5846-4605-89CB-DE0B5AA4A073}"/>
+    <dgm:cxn modelId="{9EFA74D6-CE12-46C8-97FE-646EAC28660B}" srcId="{5FF0CC20-BB1A-44A4-96A3-7700B261F9A3}" destId="{2CB1241E-9C12-4EA2-88E8-EC20D60637D4}" srcOrd="0" destOrd="0" parTransId="{525396B4-7D49-44FA-AE83-852C77A87315}" sibTransId="{917CADAD-A375-4209-BCF2-A62EF13CC8D4}"/>
+    <dgm:cxn modelId="{0F0ACEDB-0DA6-4259-A29E-C05F9AC849A9}" type="presOf" srcId="{2D77646F-385F-4C8C-9DCB-00412E9DBAD9}" destId="{90A71EE0-6F18-4C19-9328-3509CDA88564}" srcOrd="0" destOrd="0" presId="urn:microsoft.com/office/officeart/2018/2/layout/IconVerticalSolidList"/>
+    <dgm:cxn modelId="{804A10EC-6851-4129-94C9-CE4F4A9D651E}" type="presOf" srcId="{E7458FF9-A319-4485-B76F-F3E5022F6589}" destId="{CEF9D4D2-9B89-4ED1-9128-59F46FC49E00}" srcOrd="0" destOrd="0" presId="urn:microsoft.com/office/officeart/2018/2/layout/IconVerticalSolidList"/>
+    <dgm:cxn modelId="{59068F67-4E99-41A3-8DFC-AF1BA13D5410}" type="presParOf" srcId="{949F613C-9BCB-448A-87EF-13B4236B0D7B}" destId="{F5A6C368-A37E-484F-9BC1-B3B295541A80}" srcOrd="0" destOrd="0" presId="urn:microsoft.com/office/officeart/2018/2/layout/IconVerticalSolidList"/>
+    <dgm:cxn modelId="{9319AFAC-AF5E-410B-8361-25A6A03F8D37}" type="presParOf" srcId="{F5A6C368-A37E-484F-9BC1-B3B295541A80}" destId="{586EF7EB-9639-4BD1-BAA8-8F1A61508B81}" srcOrd="0" destOrd="0" presId="urn:microsoft.com/office/officeart/2018/2/layout/IconVerticalSolidList"/>
+    <dgm:cxn modelId="{D973E294-D034-4085-9475-3AD9A49DC224}" type="presParOf" srcId="{F5A6C368-A37E-484F-9BC1-B3B295541A80}" destId="{FD74D3C6-9ACD-4888-8E64-844CC36A0437}" srcOrd="1" destOrd="0" presId="urn:microsoft.com/office/officeart/2018/2/layout/IconVerticalSolidList"/>
+    <dgm:cxn modelId="{1B19B2AC-45DA-4A84-A95D-E25533B46858}" type="presParOf" srcId="{F5A6C368-A37E-484F-9BC1-B3B295541A80}" destId="{39F76D31-AFE7-4BB9-A4DC-D16E3BA647EF}" srcOrd="2" destOrd="0" presId="urn:microsoft.com/office/officeart/2018/2/layout/IconVerticalSolidList"/>
+    <dgm:cxn modelId="{8E20C972-E2D0-475B-AB3B-357025BB81A8}" type="presParOf" srcId="{F5A6C368-A37E-484F-9BC1-B3B295541A80}" destId="{F7F44461-877E-4268-AF2E-F773529A64E9}" srcOrd="3" destOrd="0" presId="urn:microsoft.com/office/officeart/2018/2/layout/IconVerticalSolidList"/>
+    <dgm:cxn modelId="{1C4A9AB7-BD41-4DE7-A564-A48264D1CF20}" type="presParOf" srcId="{F5A6C368-A37E-484F-9BC1-B3B295541A80}" destId="{90A71EE0-6F18-4C19-9328-3509CDA88564}" srcOrd="4" destOrd="0" presId="urn:microsoft.com/office/officeart/2018/2/layout/IconVerticalSolidList"/>
+    <dgm:cxn modelId="{8D88CE1C-776B-4907-AEA6-6548FB21C798}" type="presParOf" srcId="{949F613C-9BCB-448A-87EF-13B4236B0D7B}" destId="{47DA7D64-7A20-4376-A85E-3CB5036021AB}" srcOrd="1" destOrd="0" presId="urn:microsoft.com/office/officeart/2018/2/layout/IconVerticalSolidList"/>
+    <dgm:cxn modelId="{4392850E-BF8E-4C46-A4CE-A3921398BDDB}" type="presParOf" srcId="{949F613C-9BCB-448A-87EF-13B4236B0D7B}" destId="{994AF1AF-2FEF-4927-8469-8DF289C06343}" srcOrd="2" destOrd="0" presId="urn:microsoft.com/office/officeart/2018/2/layout/IconVerticalSolidList"/>
+    <dgm:cxn modelId="{164B3723-D273-4E74-923C-83B058E2B580}" type="presParOf" srcId="{994AF1AF-2FEF-4927-8469-8DF289C06343}" destId="{B37FC1DA-25EC-4DED-B252-D14B4A5947F1}" srcOrd="0" destOrd="0" presId="urn:microsoft.com/office/officeart/2018/2/layout/IconVerticalSolidList"/>
+    <dgm:cxn modelId="{B4487262-2A9D-438A-BAAD-1AD9A9A6CB69}" type="presParOf" srcId="{994AF1AF-2FEF-4927-8469-8DF289C06343}" destId="{A826863C-ECC0-46D7-9023-9BB7F132C17A}" srcOrd="1" destOrd="0" presId="urn:microsoft.com/office/officeart/2018/2/layout/IconVerticalSolidList"/>
+    <dgm:cxn modelId="{0A50F782-EE8C-4CD6-9C36-72C1E92B2A6E}" type="presParOf" srcId="{994AF1AF-2FEF-4927-8469-8DF289C06343}" destId="{042E935E-C352-442B-B177-AE82ADE66F41}" srcOrd="2" destOrd="0" presId="urn:microsoft.com/office/officeart/2018/2/layout/IconVerticalSolidList"/>
+    <dgm:cxn modelId="{2AE26927-761C-4D21-812A-46182744467B}" type="presParOf" srcId="{994AF1AF-2FEF-4927-8469-8DF289C06343}" destId="{223791C2-75A8-4FEE-83AC-3663B155E720}" srcOrd="3" destOrd="0" presId="urn:microsoft.com/office/officeart/2018/2/layout/IconVerticalSolidList"/>
+    <dgm:cxn modelId="{303527A7-412C-4784-8880-85B2379C2EB5}" type="presParOf" srcId="{994AF1AF-2FEF-4927-8469-8DF289C06343}" destId="{CEF9D4D2-9B89-4ED1-9128-59F46FC49E00}" srcOrd="4" destOrd="0" presId="urn:microsoft.com/office/officeart/2018/2/layout/IconVerticalSolidList"/>
+    <dgm:cxn modelId="{7DA03879-1774-4C7A-8ABB-5C214E918873}" type="presParOf" srcId="{949F613C-9BCB-448A-87EF-13B4236B0D7B}" destId="{B3A433BD-1161-4E84-A40D-14DB64952101}" srcOrd="3" destOrd="0" presId="urn:microsoft.com/office/officeart/2018/2/layout/IconVerticalSolidList"/>
+    <dgm:cxn modelId="{694B4DE4-8091-4951-B73E-700C4F89A275}" type="presParOf" srcId="{949F613C-9BCB-448A-87EF-13B4236B0D7B}" destId="{F6D2B3A3-03FD-44B9-B1F2-59589764F0AD}" srcOrd="4" destOrd="0" presId="urn:microsoft.com/office/officeart/2018/2/layout/IconVerticalSolidList"/>
+    <dgm:cxn modelId="{1686B317-E329-4DE5-AA93-F868D017B02C}" type="presParOf" srcId="{F6D2B3A3-03FD-44B9-B1F2-59589764F0AD}" destId="{D3FE29BD-483E-406B-806A-D84BC8A29A0E}" srcOrd="0" destOrd="0" presId="urn:microsoft.com/office/officeart/2018/2/layout/IconVerticalSolidList"/>
+    <dgm:cxn modelId="{EB32C63C-810F-470E-8349-3EA43A4449C0}" type="presParOf" srcId="{F6D2B3A3-03FD-44B9-B1F2-59589764F0AD}" destId="{AB704CF0-E741-4B89-A143-1C166DC0BDB0}" srcOrd="1" destOrd="0" presId="urn:microsoft.com/office/officeart/2018/2/layout/IconVerticalSolidList"/>
+    <dgm:cxn modelId="{D43EEB99-F35C-4265-86CE-A03A3ECC0049}" type="presParOf" srcId="{F6D2B3A3-03FD-44B9-B1F2-59589764F0AD}" destId="{903E9B33-27E7-492A-ACDE-C48055FD02FB}" srcOrd="2" destOrd="0" presId="urn:microsoft.com/office/officeart/2018/2/layout/IconVerticalSolidList"/>
+    <dgm:cxn modelId="{2A74C8B4-5EE6-48BE-AC76-50CD8B1C5138}" type="presParOf" srcId="{F6D2B3A3-03FD-44B9-B1F2-59589764F0AD}" destId="{D8912872-CD03-45C8-A29B-D00864F47930}" srcOrd="3" destOrd="0" presId="urn:microsoft.com/office/officeart/2018/2/layout/IconVerticalSolidList"/>
+    <dgm:cxn modelId="{098595A1-536A-427A-9D6B-D6104C12CF2D}" type="presParOf" srcId="{F6D2B3A3-03FD-44B9-B1F2-59589764F0AD}" destId="{BE7A5282-BA21-4A56-83F5-DD7BFBD1DD16}" srcOrd="4" destOrd="0" presId="urn:microsoft.com/office/officeart/2018/2/layout/IconVerticalSolidList"/>
+  </dgm:cxnLst>
+  <dgm:bg/>
+  <dgm:whole/>
+  <dgm:extLst>
+    <a:ext uri="http://schemas.microsoft.com/office/drawing/2008/diagram">
+      <dsp:dataModelExt xmlns:dsp="http://schemas.microsoft.com/office/drawing/2008/diagram" relId="rId6" minVer="http://schemas.openxmlformats.org/drawingml/2006/diagram"/>
+    </a:ext>
+  </dgm:extLst>
+</dgm:dataModel>
+</file>
+
+<file path=ppt/diagrams/drawing1.xml><?xml version="1.0" encoding="utf-8"?>
+<dsp:drawing xmlns:dgm="http://schemas.openxmlformats.org/drawingml/2006/diagram" xmlns:dsp="http://schemas.microsoft.com/office/drawing/2008/diagram" xmlns:a="http://schemas.openxmlformats.org/drawingml/2006/main">
+  <dsp:spTree>
+    <dsp:nvGrpSpPr>
+      <dsp:cNvPr id="0" name=""/>
+      <dsp:cNvGrpSpPr/>
+    </dsp:nvGrpSpPr>
+    <dsp:grpSpPr/>
+    <dsp:sp modelId="{B3B1A724-D747-4E9A-9438-DEE0D78857B2}">
+      <dsp:nvSpPr>
+        <dsp:cNvPr id="0" name=""/>
+        <dsp:cNvSpPr/>
+      </dsp:nvSpPr>
+      <dsp:spPr>
+        <a:xfrm>
+          <a:off x="3271" y="929128"/>
+          <a:ext cx="1383539" cy="1383539"/>
+        </a:xfrm>
+        <a:prstGeom prst="rect">
+          <a:avLst/>
+        </a:prstGeom>
+        <a:blipFill>
+          <a:blip xmlns:r="http://schemas.openxmlformats.org/officeDocument/2006/relationships" r:embed="rId1">
+            <a:extLst>
+              <a:ext uri="{28A0092B-C50C-407E-A947-70E740481C1C}">
+                <a14:useLocalDpi xmlns:a14="http://schemas.microsoft.com/office/drawing/2010/main" val="0"/>
+              </a:ext>
+              <a:ext uri="{96DAC541-7B7A-43D3-8B79-37D633B846F1}">
+                <asvg:svgBlip xmlns:asvg="http://schemas.microsoft.com/office/drawing/2016/SVG/main" r:embed="rId2"/>
+              </a:ext>
+            </a:extLst>
+          </a:blip>
+          <a:stretch>
+            <a:fillRect/>
+          </a:stretch>
+        </a:blipFill>
+        <a:ln w="12700" cap="flat" cmpd="sng" algn="ctr">
+          <a:noFill/>
+          <a:prstDash val="solid"/>
+          <a:miter lim="800000"/>
+        </a:ln>
+        <a:effectLst/>
+      </dsp:spPr>
+      <dsp:style>
+        <a:lnRef idx="2">
+          <a:scrgbClr r="0" g="0" b="0"/>
+        </a:lnRef>
+        <a:fillRef idx="1">
+          <a:scrgbClr r="0" g="0" b="0"/>
+        </a:fillRef>
+        <a:effectRef idx="0">
+          <a:scrgbClr r="0" g="0" b="0"/>
+        </a:effectRef>
+        <a:fontRef idx="minor">
+          <a:schemeClr val="lt1"/>
+        </a:fontRef>
+      </dsp:style>
+    </dsp:sp>
+    <dsp:sp modelId="{6A80BEB3-8CCF-4746-94C2-7C1BBBF024DE}">
+      <dsp:nvSpPr>
+        <dsp:cNvPr id="0" name=""/>
+        <dsp:cNvSpPr/>
+      </dsp:nvSpPr>
+      <dsp:spPr>
+        <a:xfrm>
+          <a:off x="3271" y="2430928"/>
+          <a:ext cx="3952968" cy="592945"/>
+        </a:xfrm>
+        <a:prstGeom prst="rect">
+          <a:avLst/>
+        </a:prstGeom>
+        <a:noFill/>
+        <a:ln>
+          <a:noFill/>
+        </a:ln>
+        <a:effectLst/>
+      </dsp:spPr>
+      <dsp:style>
+        <a:lnRef idx="0">
+          <a:scrgbClr r="0" g="0" b="0"/>
+        </a:lnRef>
+        <a:fillRef idx="0">
+          <a:scrgbClr r="0" g="0" b="0"/>
+        </a:fillRef>
+        <a:effectRef idx="0">
+          <a:scrgbClr r="0" g="0" b="0"/>
+        </a:effectRef>
+        <a:fontRef idx="minor"/>
+      </dsp:style>
+      <dsp:txBody>
+        <a:bodyPr spcFirstLastPara="0" vert="horz" wrap="square" lIns="0" tIns="0" rIns="0" bIns="0" numCol="1" spcCol="1270" anchor="t" anchorCtr="0">
+          <a:noAutofit/>
+        </a:bodyPr>
+        <a:lstStyle/>
+        <a:p>
+          <a:pPr marL="0" lvl="0" indent="0" algn="l" defTabSz="1066800">
+            <a:lnSpc>
+              <a:spcPct val="100000"/>
+            </a:lnSpc>
+            <a:spcBef>
+              <a:spcPct val="0"/>
+            </a:spcBef>
+            <a:spcAft>
+              <a:spcPct val="35000"/>
+            </a:spcAft>
+            <a:buNone/>
+            <a:defRPr b="1"/>
+          </a:pPr>
+          <a:r>
+            <a:rPr lang="en-US" sz="2400" b="1" kern="1200" baseline="0"/>
+            <a:t>Intended UI Improvements</a:t>
+          </a:r>
+          <a:r>
+            <a:rPr lang="en-US" sz="2400" kern="1200" baseline="0"/>
+            <a:t>:</a:t>
+          </a:r>
+          <a:endParaRPr lang="en-US" sz="2400" kern="1200"/>
+        </a:p>
+      </dsp:txBody>
+      <dsp:txXfrm>
+        <a:off x="3271" y="2430928"/>
+        <a:ext cx="3952968" cy="592945"/>
+      </dsp:txXfrm>
+    </dsp:sp>
+    <dsp:sp modelId="{0DB11753-7345-4DBC-B7BF-0AC72F5F5C9E}">
+      <dsp:nvSpPr>
+        <dsp:cNvPr id="0" name=""/>
+        <dsp:cNvSpPr/>
+      </dsp:nvSpPr>
+      <dsp:spPr>
+        <a:xfrm>
+          <a:off x="3271" y="3078878"/>
+          <a:ext cx="3952968" cy="600505"/>
+        </a:xfrm>
+        <a:prstGeom prst="rect">
+          <a:avLst/>
+        </a:prstGeom>
+        <a:noFill/>
+        <a:ln>
+          <a:noFill/>
+        </a:ln>
+        <a:effectLst/>
+      </dsp:spPr>
+      <dsp:style>
+        <a:lnRef idx="0">
+          <a:scrgbClr r="0" g="0" b="0"/>
+        </a:lnRef>
+        <a:fillRef idx="0">
+          <a:scrgbClr r="0" g="0" b="0"/>
+        </a:fillRef>
+        <a:effectRef idx="0">
+          <a:scrgbClr r="0" g="0" b="0"/>
+        </a:effectRef>
+        <a:fontRef idx="minor"/>
+      </dsp:style>
+      <dsp:txBody>
+        <a:bodyPr spcFirstLastPara="0" vert="horz" wrap="square" lIns="0" tIns="0" rIns="0" bIns="0" numCol="1" spcCol="1270" anchor="t" anchorCtr="0">
+          <a:noAutofit/>
+        </a:bodyPr>
+        <a:lstStyle/>
+        <a:p>
+          <a:pPr marL="0" lvl="0" indent="0" algn="l" defTabSz="755650">
+            <a:lnSpc>
+              <a:spcPct val="100000"/>
+            </a:lnSpc>
+            <a:spcBef>
+              <a:spcPct val="0"/>
+            </a:spcBef>
+            <a:spcAft>
+              <a:spcPct val="35000"/>
+            </a:spcAft>
+            <a:buNone/>
+          </a:pPr>
+          <a:r>
+            <a:rPr lang="en-US" sz="1700" kern="1200" baseline="0"/>
+            <a:t>Simplified category selection with icons</a:t>
+          </a:r>
+          <a:endParaRPr lang="en-US" sz="1700" kern="1200"/>
+        </a:p>
+        <a:p>
+          <a:pPr marL="0" lvl="0" indent="0" algn="l" defTabSz="755650">
+            <a:lnSpc>
+              <a:spcPct val="100000"/>
+            </a:lnSpc>
+            <a:spcBef>
+              <a:spcPct val="0"/>
+            </a:spcBef>
+            <a:spcAft>
+              <a:spcPct val="35000"/>
+            </a:spcAft>
+            <a:buNone/>
+          </a:pPr>
+          <a:r>
+            <a:rPr lang="en-US" sz="1700" kern="1200" baseline="0"/>
+            <a:t>Option for anonymous reporting</a:t>
+          </a:r>
+          <a:endParaRPr lang="en-US" sz="1700" kern="1200"/>
+        </a:p>
+      </dsp:txBody>
+      <dsp:txXfrm>
+        <a:off x="3271" y="3078878"/>
+        <a:ext cx="3952968" cy="600505"/>
+      </dsp:txXfrm>
+    </dsp:sp>
+    <dsp:sp modelId="{294D2BD0-0CBC-4731-8848-EB41DCE4A6A2}">
+      <dsp:nvSpPr>
+        <dsp:cNvPr id="0" name=""/>
+        <dsp:cNvSpPr/>
+      </dsp:nvSpPr>
+      <dsp:spPr>
+        <a:xfrm>
+          <a:off x="4648010" y="929128"/>
+          <a:ext cx="1383539" cy="1383539"/>
+        </a:xfrm>
+        <a:prstGeom prst="rect">
+          <a:avLst/>
+        </a:prstGeom>
+        <a:blipFill>
+          <a:blip xmlns:r="http://schemas.openxmlformats.org/officeDocument/2006/relationships" r:embed="rId3">
+            <a:extLst>
+              <a:ext uri="{28A0092B-C50C-407E-A947-70E740481C1C}">
+                <a14:useLocalDpi xmlns:a14="http://schemas.microsoft.com/office/drawing/2010/main" val="0"/>
+              </a:ext>
+              <a:ext uri="{96DAC541-7B7A-43D3-8B79-37D633B846F1}">
+                <asvg:svgBlip xmlns:asvg="http://schemas.microsoft.com/office/drawing/2016/SVG/main" r:embed="rId4"/>
+              </a:ext>
+            </a:extLst>
+          </a:blip>
+          <a:stretch>
+            <a:fillRect/>
+          </a:stretch>
+        </a:blipFill>
+        <a:ln w="12700" cap="flat" cmpd="sng" algn="ctr">
+          <a:noFill/>
+          <a:prstDash val="solid"/>
+          <a:miter lim="800000"/>
+        </a:ln>
+        <a:effectLst/>
+      </dsp:spPr>
+      <dsp:style>
+        <a:lnRef idx="2">
+          <a:scrgbClr r="0" g="0" b="0"/>
+        </a:lnRef>
+        <a:fillRef idx="1">
+          <a:scrgbClr r="0" g="0" b="0"/>
+        </a:fillRef>
+        <a:effectRef idx="0">
+          <a:scrgbClr r="0" g="0" b="0"/>
+        </a:effectRef>
+        <a:fontRef idx="minor">
+          <a:schemeClr val="lt1"/>
+        </a:fontRef>
+      </dsp:style>
+    </dsp:sp>
+    <dsp:sp modelId="{81163EF5-3E23-40CC-8B68-C92E279A584F}">
+      <dsp:nvSpPr>
+        <dsp:cNvPr id="0" name=""/>
+        <dsp:cNvSpPr/>
+      </dsp:nvSpPr>
+      <dsp:spPr>
+        <a:xfrm>
+          <a:off x="4648010" y="2430928"/>
+          <a:ext cx="3952968" cy="592945"/>
+        </a:xfrm>
+        <a:prstGeom prst="rect">
+          <a:avLst/>
+        </a:prstGeom>
+        <a:noFill/>
+        <a:ln>
+          <a:noFill/>
+        </a:ln>
+        <a:effectLst/>
+      </dsp:spPr>
+      <dsp:style>
+        <a:lnRef idx="0">
+          <a:scrgbClr r="0" g="0" b="0"/>
+        </a:lnRef>
+        <a:fillRef idx="0">
+          <a:scrgbClr r="0" g="0" b="0"/>
+        </a:fillRef>
+        <a:effectRef idx="0">
+          <a:scrgbClr r="0" g="0" b="0"/>
+        </a:effectRef>
+        <a:fontRef idx="minor"/>
+      </dsp:style>
+      <dsp:txBody>
+        <a:bodyPr spcFirstLastPara="0" vert="horz" wrap="square" lIns="0" tIns="0" rIns="0" bIns="0" numCol="1" spcCol="1270" anchor="t" anchorCtr="0">
+          <a:noAutofit/>
+        </a:bodyPr>
+        <a:lstStyle/>
+        <a:p>
+          <a:pPr marL="0" lvl="0" indent="0" algn="l" defTabSz="1066800">
+            <a:lnSpc>
+              <a:spcPct val="100000"/>
+            </a:lnSpc>
+            <a:spcBef>
+              <a:spcPct val="0"/>
+            </a:spcBef>
+            <a:spcAft>
+              <a:spcPct val="35000"/>
+            </a:spcAft>
+            <a:buNone/>
+            <a:defRPr b="1"/>
+          </a:pPr>
+          <a:r>
+            <a:rPr lang="en-US" sz="2400" b="1" kern="1200" baseline="0"/>
+            <a:t>Planned Design Decisions</a:t>
+          </a:r>
+          <a:r>
+            <a:rPr lang="en-US" sz="2400" kern="1200" baseline="0"/>
+            <a:t>:</a:t>
+          </a:r>
+          <a:endParaRPr lang="en-US" sz="2400" kern="1200"/>
+        </a:p>
+      </dsp:txBody>
+      <dsp:txXfrm>
+        <a:off x="4648010" y="2430928"/>
+        <a:ext cx="3952968" cy="592945"/>
+      </dsp:txXfrm>
+    </dsp:sp>
+    <dsp:sp modelId="{798B5F06-298E-4FA7-8383-D6D1B52721E2}">
+      <dsp:nvSpPr>
+        <dsp:cNvPr id="0" name=""/>
+        <dsp:cNvSpPr/>
+      </dsp:nvSpPr>
+      <dsp:spPr>
+        <a:xfrm>
+          <a:off x="4648010" y="3078878"/>
+          <a:ext cx="3952968" cy="600505"/>
+        </a:xfrm>
+        <a:prstGeom prst="rect">
+          <a:avLst/>
+        </a:prstGeom>
+        <a:noFill/>
+        <a:ln>
+          <a:noFill/>
+        </a:ln>
+        <a:effectLst/>
+      </dsp:spPr>
+      <dsp:style>
+        <a:lnRef idx="0">
+          <a:scrgbClr r="0" g="0" b="0"/>
+        </a:lnRef>
+        <a:fillRef idx="0">
+          <a:scrgbClr r="0" g="0" b="0"/>
+        </a:fillRef>
+        <a:effectRef idx="0">
+          <a:scrgbClr r="0" g="0" b="0"/>
+        </a:effectRef>
+        <a:fontRef idx="minor"/>
+      </dsp:style>
+      <dsp:txBody>
+        <a:bodyPr spcFirstLastPara="0" vert="horz" wrap="square" lIns="0" tIns="0" rIns="0" bIns="0" numCol="1" spcCol="1270" anchor="t" anchorCtr="0">
+          <a:noAutofit/>
+        </a:bodyPr>
+        <a:lstStyle/>
+        <a:p>
+          <a:pPr marL="0" lvl="0" indent="0" algn="l" defTabSz="755650">
+            <a:lnSpc>
+              <a:spcPct val="100000"/>
+            </a:lnSpc>
+            <a:spcBef>
+              <a:spcPct val="0"/>
+            </a:spcBef>
+            <a:spcAft>
+              <a:spcPct val="35000"/>
+            </a:spcAft>
+            <a:buNone/>
+          </a:pPr>
+          <a:r>
+            <a:rPr lang="en-US" sz="1700" kern="1200" baseline="0"/>
+            <a:t>Use icons for intuitive category recognition</a:t>
+          </a:r>
+          <a:endParaRPr lang="en-US" sz="1700" kern="1200"/>
+        </a:p>
+      </dsp:txBody>
+      <dsp:txXfrm>
+        <a:off x="4648010" y="3078878"/>
+        <a:ext cx="3952968" cy="600505"/>
+      </dsp:txXfrm>
+    </dsp:sp>
+  </dsp:spTree>
+</dsp:drawing>
+</file>
+
+<file path=ppt/diagrams/drawing2.xml><?xml version="1.0" encoding="utf-8"?>
+<dsp:drawing xmlns:dgm="http://schemas.openxmlformats.org/drawingml/2006/diagram" xmlns:dsp="http://schemas.microsoft.com/office/drawing/2008/diagram" xmlns:a="http://schemas.openxmlformats.org/drawingml/2006/main">
+  <dsp:spTree>
+    <dsp:nvGrpSpPr>
+      <dsp:cNvPr id="0" name=""/>
+      <dsp:cNvGrpSpPr/>
+    </dsp:nvGrpSpPr>
+    <dsp:grpSpPr/>
+    <dsp:sp modelId="{586EF7EB-9639-4BD1-BAA8-8F1A61508B81}">
+      <dsp:nvSpPr>
+        <dsp:cNvPr id="0" name=""/>
+        <dsp:cNvSpPr/>
+      </dsp:nvSpPr>
+      <dsp:spPr>
+        <a:xfrm>
+          <a:off x="0" y="562"/>
+          <a:ext cx="8604251" cy="1316396"/>
+        </a:xfrm>
+        <a:prstGeom prst="roundRect">
+          <a:avLst>
+            <a:gd name="adj" fmla="val 10000"/>
+          </a:avLst>
+        </a:prstGeom>
+        <a:solidFill>
+          <a:schemeClr val="accent2">
+            <a:tint val="40000"/>
+            <a:hueOff val="0"/>
+            <a:satOff val="0"/>
+            <a:lumOff val="0"/>
+            <a:alphaOff val="0"/>
+          </a:schemeClr>
+        </a:solidFill>
+        <a:ln>
+          <a:noFill/>
+        </a:ln>
+        <a:effectLst/>
+      </dsp:spPr>
+      <dsp:style>
+        <a:lnRef idx="0">
+          <a:scrgbClr r="0" g="0" b="0"/>
+        </a:lnRef>
+        <a:fillRef idx="1">
+          <a:scrgbClr r="0" g="0" b="0"/>
+        </a:fillRef>
+        <a:effectRef idx="0">
+          <a:scrgbClr r="0" g="0" b="0"/>
+        </a:effectRef>
+        <a:fontRef idx="minor"/>
+      </dsp:style>
+    </dsp:sp>
+    <dsp:sp modelId="{FD74D3C6-9ACD-4888-8E64-844CC36A0437}">
+      <dsp:nvSpPr>
+        <dsp:cNvPr id="0" name=""/>
+        <dsp:cNvSpPr/>
+      </dsp:nvSpPr>
+      <dsp:spPr>
+        <a:xfrm>
+          <a:off x="398209" y="296751"/>
+          <a:ext cx="724017" cy="724017"/>
+        </a:xfrm>
+        <a:prstGeom prst="rect">
+          <a:avLst/>
+        </a:prstGeom>
+        <a:blipFill>
+          <a:blip xmlns:r="http://schemas.openxmlformats.org/officeDocument/2006/relationships" r:embed="rId1">
+            <a:extLst>
+              <a:ext uri="{28A0092B-C50C-407E-A947-70E740481C1C}">
+                <a14:useLocalDpi xmlns:a14="http://schemas.microsoft.com/office/drawing/2010/main" val="0"/>
+              </a:ext>
+              <a:ext uri="{96DAC541-7B7A-43D3-8B79-37D633B846F1}">
+                <asvg:svgBlip xmlns:asvg="http://schemas.microsoft.com/office/drawing/2016/SVG/main" r:embed="rId2"/>
+              </a:ext>
+            </a:extLst>
+          </a:blip>
+          <a:stretch>
+            <a:fillRect/>
+          </a:stretch>
+        </a:blipFill>
+        <a:ln w="12700" cap="flat" cmpd="sng" algn="ctr">
+          <a:noFill/>
+          <a:prstDash val="solid"/>
+          <a:miter lim="800000"/>
+        </a:ln>
+        <a:effectLst/>
+      </dsp:spPr>
+      <dsp:style>
+        <a:lnRef idx="2">
+          <a:scrgbClr r="0" g="0" b="0"/>
+        </a:lnRef>
+        <a:fillRef idx="1">
+          <a:scrgbClr r="0" g="0" b="0"/>
+        </a:fillRef>
+        <a:effectRef idx="0">
+          <a:scrgbClr r="0" g="0" b="0"/>
+        </a:effectRef>
+        <a:fontRef idx="minor">
+          <a:schemeClr val="lt1"/>
+        </a:fontRef>
+      </dsp:style>
+    </dsp:sp>
+    <dsp:sp modelId="{F7F44461-877E-4268-AF2E-F773529A64E9}">
+      <dsp:nvSpPr>
+        <dsp:cNvPr id="0" name=""/>
+        <dsp:cNvSpPr/>
+      </dsp:nvSpPr>
+      <dsp:spPr>
+        <a:xfrm>
+          <a:off x="1520437" y="562"/>
+          <a:ext cx="3871912" cy="1316396"/>
+        </a:xfrm>
+        <a:prstGeom prst="rect">
+          <a:avLst/>
+        </a:prstGeom>
+        <a:noFill/>
+        <a:ln>
+          <a:noFill/>
+        </a:ln>
+        <a:effectLst/>
+      </dsp:spPr>
+      <dsp:style>
+        <a:lnRef idx="0">
+          <a:scrgbClr r="0" g="0" b="0"/>
+        </a:lnRef>
+        <a:fillRef idx="0">
+          <a:scrgbClr r="0" g="0" b="0"/>
+        </a:fillRef>
+        <a:effectRef idx="0">
+          <a:scrgbClr r="0" g="0" b="0"/>
+        </a:effectRef>
+        <a:fontRef idx="minor"/>
+      </dsp:style>
+      <dsp:txBody>
+        <a:bodyPr spcFirstLastPara="0" vert="horz" wrap="square" lIns="139319" tIns="139319" rIns="139319" bIns="139319" numCol="1" spcCol="1270" anchor="ctr" anchorCtr="0">
+          <a:noAutofit/>
+        </a:bodyPr>
+        <a:lstStyle/>
+        <a:p>
+          <a:pPr marL="0" lvl="0" indent="0" algn="l" defTabSz="1111250">
+            <a:lnSpc>
+              <a:spcPct val="100000"/>
+            </a:lnSpc>
+            <a:spcBef>
+              <a:spcPct val="0"/>
+            </a:spcBef>
+            <a:spcAft>
+              <a:spcPct val="35000"/>
+            </a:spcAft>
+            <a:buNone/>
+          </a:pPr>
+          <a:r>
+            <a:rPr lang="en-US" sz="2500" b="1" kern="1200" baseline="0"/>
+            <a:t>Planned Methods</a:t>
+          </a:r>
+          <a:r>
+            <a:rPr lang="en-US" sz="2500" kern="1200" baseline="0"/>
+            <a:t>:</a:t>
+          </a:r>
+          <a:endParaRPr lang="en-US" sz="2500" kern="1200"/>
+        </a:p>
+      </dsp:txBody>
+      <dsp:txXfrm>
+        <a:off x="1520437" y="562"/>
+        <a:ext cx="3871912" cy="1316396"/>
+      </dsp:txXfrm>
+    </dsp:sp>
+    <dsp:sp modelId="{90A71EE0-6F18-4C19-9328-3509CDA88564}">
+      <dsp:nvSpPr>
+        <dsp:cNvPr id="0" name=""/>
+        <dsp:cNvSpPr/>
+      </dsp:nvSpPr>
+      <dsp:spPr>
+        <a:xfrm>
+          <a:off x="5392350" y="562"/>
+          <a:ext cx="3211900" cy="1316396"/>
+        </a:xfrm>
+        <a:prstGeom prst="rect">
+          <a:avLst/>
+        </a:prstGeom>
+        <a:noFill/>
+        <a:ln>
+          <a:noFill/>
+        </a:ln>
+        <a:effectLst/>
+      </dsp:spPr>
+      <dsp:style>
+        <a:lnRef idx="0">
+          <a:scrgbClr r="0" g="0" b="0"/>
+        </a:lnRef>
+        <a:fillRef idx="0">
+          <a:scrgbClr r="0" g="0" b="0"/>
+        </a:fillRef>
+        <a:effectRef idx="0">
+          <a:scrgbClr r="0" g="0" b="0"/>
+        </a:effectRef>
+        <a:fontRef idx="minor"/>
+      </dsp:style>
+      <dsp:txBody>
+        <a:bodyPr spcFirstLastPara="0" vert="horz" wrap="square" lIns="139319" tIns="139319" rIns="139319" bIns="139319" numCol="1" spcCol="1270" anchor="ctr" anchorCtr="0">
+          <a:noAutofit/>
+        </a:bodyPr>
+        <a:lstStyle/>
+        <a:p>
+          <a:pPr marL="0" lvl="0" indent="0" algn="l" defTabSz="755650">
+            <a:lnSpc>
+              <a:spcPct val="100000"/>
+            </a:lnSpc>
+            <a:spcBef>
+              <a:spcPct val="0"/>
+            </a:spcBef>
+            <a:spcAft>
+              <a:spcPct val="35000"/>
+            </a:spcAft>
+            <a:buNone/>
+          </a:pPr>
+          <a:r>
+            <a:rPr lang="en-US" sz="1700" kern="1200" baseline="0" dirty="0"/>
+            <a:t>Experimental survey design: Current website vs. future mockups</a:t>
+          </a:r>
+          <a:endParaRPr lang="en-US" sz="1700" kern="1200" dirty="0"/>
+        </a:p>
+      </dsp:txBody>
+      <dsp:txXfrm>
+        <a:off x="5392350" y="562"/>
+        <a:ext cx="3211900" cy="1316396"/>
+      </dsp:txXfrm>
+    </dsp:sp>
+    <dsp:sp modelId="{B37FC1DA-25EC-4DED-B252-D14B4A5947F1}">
+      <dsp:nvSpPr>
+        <dsp:cNvPr id="0" name=""/>
+        <dsp:cNvSpPr/>
+      </dsp:nvSpPr>
+      <dsp:spPr>
+        <a:xfrm>
+          <a:off x="0" y="1646057"/>
+          <a:ext cx="8604251" cy="1316396"/>
+        </a:xfrm>
+        <a:prstGeom prst="roundRect">
+          <a:avLst>
+            <a:gd name="adj" fmla="val 10000"/>
+          </a:avLst>
+        </a:prstGeom>
+        <a:solidFill>
+          <a:schemeClr val="accent2">
+            <a:tint val="40000"/>
+            <a:hueOff val="0"/>
+            <a:satOff val="0"/>
+            <a:lumOff val="0"/>
+            <a:alphaOff val="0"/>
+          </a:schemeClr>
+        </a:solidFill>
+        <a:ln>
+          <a:noFill/>
+        </a:ln>
+        <a:effectLst/>
+      </dsp:spPr>
+      <dsp:style>
+        <a:lnRef idx="0">
+          <a:scrgbClr r="0" g="0" b="0"/>
+        </a:lnRef>
+        <a:fillRef idx="1">
+          <a:scrgbClr r="0" g="0" b="0"/>
+        </a:fillRef>
+        <a:effectRef idx="0">
+          <a:scrgbClr r="0" g="0" b="0"/>
+        </a:effectRef>
+        <a:fontRef idx="minor"/>
+      </dsp:style>
+    </dsp:sp>
+    <dsp:sp modelId="{A826863C-ECC0-46D7-9023-9BB7F132C17A}">
+      <dsp:nvSpPr>
+        <dsp:cNvPr id="0" name=""/>
+        <dsp:cNvSpPr/>
+      </dsp:nvSpPr>
+      <dsp:spPr>
+        <a:xfrm>
+          <a:off x="398209" y="1942247"/>
+          <a:ext cx="724017" cy="724017"/>
+        </a:xfrm>
+        <a:prstGeom prst="rect">
+          <a:avLst/>
+        </a:prstGeom>
+        <a:blipFill>
+          <a:blip xmlns:r="http://schemas.openxmlformats.org/officeDocument/2006/relationships" r:embed="rId3">
+            <a:extLst>
+              <a:ext uri="{28A0092B-C50C-407E-A947-70E740481C1C}">
+                <a14:useLocalDpi xmlns:a14="http://schemas.microsoft.com/office/drawing/2010/main" val="0"/>
+              </a:ext>
+              <a:ext uri="{96DAC541-7B7A-43D3-8B79-37D633B846F1}">
+                <asvg:svgBlip xmlns:asvg="http://schemas.microsoft.com/office/drawing/2016/SVG/main" r:embed="rId4"/>
+              </a:ext>
+            </a:extLst>
+          </a:blip>
+          <a:stretch>
+            <a:fillRect/>
+          </a:stretch>
+        </a:blipFill>
+        <a:ln w="12700" cap="flat" cmpd="sng" algn="ctr">
+          <a:noFill/>
+          <a:prstDash val="solid"/>
+          <a:miter lim="800000"/>
+        </a:ln>
+        <a:effectLst/>
+      </dsp:spPr>
+      <dsp:style>
+        <a:lnRef idx="2">
+          <a:scrgbClr r="0" g="0" b="0"/>
+        </a:lnRef>
+        <a:fillRef idx="1">
+          <a:scrgbClr r="0" g="0" b="0"/>
+        </a:fillRef>
+        <a:effectRef idx="0">
+          <a:scrgbClr r="0" g="0" b="0"/>
+        </a:effectRef>
+        <a:fontRef idx="minor">
+          <a:schemeClr val="lt1"/>
+        </a:fontRef>
+      </dsp:style>
+    </dsp:sp>
+    <dsp:sp modelId="{223791C2-75A8-4FEE-83AC-3663B155E720}">
+      <dsp:nvSpPr>
+        <dsp:cNvPr id="0" name=""/>
+        <dsp:cNvSpPr/>
+      </dsp:nvSpPr>
+      <dsp:spPr>
+        <a:xfrm>
+          <a:off x="1520437" y="1646057"/>
+          <a:ext cx="3871912" cy="1316396"/>
+        </a:xfrm>
+        <a:prstGeom prst="rect">
+          <a:avLst/>
+        </a:prstGeom>
+        <a:noFill/>
+        <a:ln>
+          <a:noFill/>
+        </a:ln>
+        <a:effectLst/>
+      </dsp:spPr>
+      <dsp:style>
+        <a:lnRef idx="0">
+          <a:scrgbClr r="0" g="0" b="0"/>
+        </a:lnRef>
+        <a:fillRef idx="0">
+          <a:scrgbClr r="0" g="0" b="0"/>
+        </a:fillRef>
+        <a:effectRef idx="0">
+          <a:scrgbClr r="0" g="0" b="0"/>
+        </a:effectRef>
+        <a:fontRef idx="minor"/>
+      </dsp:style>
+      <dsp:txBody>
+        <a:bodyPr spcFirstLastPara="0" vert="horz" wrap="square" lIns="139319" tIns="139319" rIns="139319" bIns="139319" numCol="1" spcCol="1270" anchor="ctr" anchorCtr="0">
+          <a:noAutofit/>
+        </a:bodyPr>
+        <a:lstStyle/>
+        <a:p>
+          <a:pPr marL="0" lvl="0" indent="0" algn="l" defTabSz="1111250">
+            <a:lnSpc>
+              <a:spcPct val="100000"/>
+            </a:lnSpc>
+            <a:spcBef>
+              <a:spcPct val="0"/>
+            </a:spcBef>
+            <a:spcAft>
+              <a:spcPct val="35000"/>
+            </a:spcAft>
+            <a:buNone/>
+          </a:pPr>
+          <a:r>
+            <a:rPr lang="en-US" sz="2500" b="1" kern="1200" baseline="0"/>
+            <a:t>Why Suitable</a:t>
+          </a:r>
+          <a:r>
+            <a:rPr lang="en-US" sz="2500" kern="1200" baseline="0"/>
+            <a:t>:</a:t>
+          </a:r>
+          <a:endParaRPr lang="en-US" sz="2500" kern="1200"/>
+        </a:p>
+      </dsp:txBody>
+      <dsp:txXfrm>
+        <a:off x="1520437" y="1646057"/>
+        <a:ext cx="3871912" cy="1316396"/>
+      </dsp:txXfrm>
+    </dsp:sp>
+    <dsp:sp modelId="{CEF9D4D2-9B89-4ED1-9128-59F46FC49E00}">
+      <dsp:nvSpPr>
+        <dsp:cNvPr id="0" name=""/>
+        <dsp:cNvSpPr/>
+      </dsp:nvSpPr>
+      <dsp:spPr>
+        <a:xfrm>
+          <a:off x="5392350" y="1646057"/>
+          <a:ext cx="3211900" cy="1316396"/>
+        </a:xfrm>
+        <a:prstGeom prst="rect">
+          <a:avLst/>
+        </a:prstGeom>
+        <a:noFill/>
+        <a:ln>
+          <a:noFill/>
+        </a:ln>
+        <a:effectLst/>
+      </dsp:spPr>
+      <dsp:style>
+        <a:lnRef idx="0">
+          <a:scrgbClr r="0" g="0" b="0"/>
+        </a:lnRef>
+        <a:fillRef idx="0">
+          <a:scrgbClr r="0" g="0" b="0"/>
+        </a:fillRef>
+        <a:effectRef idx="0">
+          <a:scrgbClr r="0" g="0" b="0"/>
+        </a:effectRef>
+        <a:fontRef idx="minor"/>
+      </dsp:style>
+      <dsp:txBody>
+        <a:bodyPr spcFirstLastPara="0" vert="horz" wrap="square" lIns="139319" tIns="139319" rIns="139319" bIns="139319" numCol="1" spcCol="1270" anchor="ctr" anchorCtr="0">
+          <a:noAutofit/>
+        </a:bodyPr>
+        <a:lstStyle/>
+        <a:p>
+          <a:pPr marL="0" lvl="0" indent="0" algn="l" defTabSz="755650">
+            <a:lnSpc>
+              <a:spcPct val="100000"/>
+            </a:lnSpc>
+            <a:spcBef>
+              <a:spcPct val="0"/>
+            </a:spcBef>
+            <a:spcAft>
+              <a:spcPct val="35000"/>
+            </a:spcAft>
+            <a:buNone/>
+          </a:pPr>
+          <a:r>
+            <a:rPr lang="en-US" sz="1700" kern="1200" baseline="0" dirty="0"/>
+            <a:t>Able to evaluate our prototype against the current website in a controlled environment</a:t>
+          </a:r>
+        </a:p>
+      </dsp:txBody>
+      <dsp:txXfrm>
+        <a:off x="5392350" y="1646057"/>
+        <a:ext cx="3211900" cy="1316396"/>
+      </dsp:txXfrm>
+    </dsp:sp>
+    <dsp:sp modelId="{D3FE29BD-483E-406B-806A-D84BC8A29A0E}">
+      <dsp:nvSpPr>
+        <dsp:cNvPr id="0" name=""/>
+        <dsp:cNvSpPr/>
+      </dsp:nvSpPr>
+      <dsp:spPr>
+        <a:xfrm>
+          <a:off x="0" y="3291553"/>
+          <a:ext cx="8604251" cy="1316396"/>
+        </a:xfrm>
+        <a:prstGeom prst="roundRect">
+          <a:avLst>
+            <a:gd name="adj" fmla="val 10000"/>
+          </a:avLst>
+        </a:prstGeom>
+        <a:solidFill>
+          <a:schemeClr val="accent2">
+            <a:tint val="40000"/>
+            <a:hueOff val="0"/>
+            <a:satOff val="0"/>
+            <a:lumOff val="0"/>
+            <a:alphaOff val="0"/>
+          </a:schemeClr>
+        </a:solidFill>
+        <a:ln>
+          <a:noFill/>
+        </a:ln>
+        <a:effectLst/>
+      </dsp:spPr>
+      <dsp:style>
+        <a:lnRef idx="0">
+          <a:scrgbClr r="0" g="0" b="0"/>
+        </a:lnRef>
+        <a:fillRef idx="1">
+          <a:scrgbClr r="0" g="0" b="0"/>
+        </a:fillRef>
+        <a:effectRef idx="0">
+          <a:scrgbClr r="0" g="0" b="0"/>
+        </a:effectRef>
+        <a:fontRef idx="minor"/>
+      </dsp:style>
+    </dsp:sp>
+    <dsp:sp modelId="{AB704CF0-E741-4B89-A143-1C166DC0BDB0}">
+      <dsp:nvSpPr>
+        <dsp:cNvPr id="0" name=""/>
+        <dsp:cNvSpPr/>
+      </dsp:nvSpPr>
+      <dsp:spPr>
+        <a:xfrm>
+          <a:off x="398209" y="3587742"/>
+          <a:ext cx="724017" cy="724017"/>
+        </a:xfrm>
+        <a:prstGeom prst="rect">
+          <a:avLst/>
+        </a:prstGeom>
+        <a:blipFill>
+          <a:blip xmlns:r="http://schemas.openxmlformats.org/officeDocument/2006/relationships" r:embed="rId5">
+            <a:extLst>
+              <a:ext uri="{28A0092B-C50C-407E-A947-70E740481C1C}">
+                <a14:useLocalDpi xmlns:a14="http://schemas.microsoft.com/office/drawing/2010/main" val="0"/>
+              </a:ext>
+              <a:ext uri="{96DAC541-7B7A-43D3-8B79-37D633B846F1}">
+                <asvg:svgBlip xmlns:asvg="http://schemas.microsoft.com/office/drawing/2016/SVG/main" r:embed="rId6"/>
+              </a:ext>
+            </a:extLst>
+          </a:blip>
+          <a:stretch>
+            <a:fillRect/>
+          </a:stretch>
+        </a:blipFill>
+        <a:ln w="12700" cap="flat" cmpd="sng" algn="ctr">
+          <a:noFill/>
+          <a:prstDash val="solid"/>
+          <a:miter lim="800000"/>
+        </a:ln>
+        <a:effectLst/>
+      </dsp:spPr>
+      <dsp:style>
+        <a:lnRef idx="2">
+          <a:scrgbClr r="0" g="0" b="0"/>
+        </a:lnRef>
+        <a:fillRef idx="1">
+          <a:scrgbClr r="0" g="0" b="0"/>
+        </a:fillRef>
+        <a:effectRef idx="0">
+          <a:scrgbClr r="0" g="0" b="0"/>
+        </a:effectRef>
+        <a:fontRef idx="minor">
+          <a:schemeClr val="lt1"/>
+        </a:fontRef>
+      </dsp:style>
+    </dsp:sp>
+    <dsp:sp modelId="{D8912872-CD03-45C8-A29B-D00864F47930}">
+      <dsp:nvSpPr>
+        <dsp:cNvPr id="0" name=""/>
+        <dsp:cNvSpPr/>
+      </dsp:nvSpPr>
+      <dsp:spPr>
+        <a:xfrm>
+          <a:off x="1520437" y="3291553"/>
+          <a:ext cx="3871912" cy="1316396"/>
+        </a:xfrm>
+        <a:prstGeom prst="rect">
+          <a:avLst/>
+        </a:prstGeom>
+        <a:noFill/>
+        <a:ln>
+          <a:noFill/>
+        </a:ln>
+        <a:effectLst/>
+      </dsp:spPr>
+      <dsp:style>
+        <a:lnRef idx="0">
+          <a:scrgbClr r="0" g="0" b="0"/>
+        </a:lnRef>
+        <a:fillRef idx="0">
+          <a:scrgbClr r="0" g="0" b="0"/>
+        </a:fillRef>
+        <a:effectRef idx="0">
+          <a:scrgbClr r="0" g="0" b="0"/>
+        </a:effectRef>
+        <a:fontRef idx="minor"/>
+      </dsp:style>
+      <dsp:txBody>
+        <a:bodyPr spcFirstLastPara="0" vert="horz" wrap="square" lIns="139319" tIns="139319" rIns="139319" bIns="139319" numCol="1" spcCol="1270" anchor="ctr" anchorCtr="0">
+          <a:noAutofit/>
+        </a:bodyPr>
+        <a:lstStyle/>
+        <a:p>
+          <a:pPr marL="0" lvl="0" indent="0" algn="l" defTabSz="1111250">
+            <a:lnSpc>
+              <a:spcPct val="100000"/>
+            </a:lnSpc>
+            <a:spcBef>
+              <a:spcPct val="0"/>
+            </a:spcBef>
+            <a:spcAft>
+              <a:spcPct val="35000"/>
+            </a:spcAft>
+            <a:buNone/>
+          </a:pPr>
+          <a:r>
+            <a:rPr lang="en-US" sz="2500" b="1" kern="1200" baseline="0"/>
+            <a:t>Expected Outcomes</a:t>
+          </a:r>
+          <a:r>
+            <a:rPr lang="en-US" sz="2500" kern="1200" baseline="0"/>
+            <a:t>:</a:t>
+          </a:r>
+          <a:endParaRPr lang="en-US" sz="2500" kern="1200"/>
+        </a:p>
+      </dsp:txBody>
+      <dsp:txXfrm>
+        <a:off x="1520437" y="3291553"/>
+        <a:ext cx="3871912" cy="1316396"/>
+      </dsp:txXfrm>
+    </dsp:sp>
+    <dsp:sp modelId="{BE7A5282-BA21-4A56-83F5-DD7BFBD1DD16}">
+      <dsp:nvSpPr>
+        <dsp:cNvPr id="0" name=""/>
+        <dsp:cNvSpPr/>
+      </dsp:nvSpPr>
+      <dsp:spPr>
+        <a:xfrm>
+          <a:off x="5392350" y="3291553"/>
+          <a:ext cx="3211900" cy="1316396"/>
+        </a:xfrm>
+        <a:prstGeom prst="rect">
+          <a:avLst/>
+        </a:prstGeom>
+        <a:noFill/>
+        <a:ln>
+          <a:noFill/>
+        </a:ln>
+        <a:effectLst/>
+      </dsp:spPr>
+      <dsp:style>
+        <a:lnRef idx="0">
+          <a:scrgbClr r="0" g="0" b="0"/>
+        </a:lnRef>
+        <a:fillRef idx="0">
+          <a:scrgbClr r="0" g="0" b="0"/>
+        </a:fillRef>
+        <a:effectRef idx="0">
+          <a:scrgbClr r="0" g="0" b="0"/>
+        </a:effectRef>
+        <a:fontRef idx="minor"/>
+      </dsp:style>
+      <dsp:txBody>
+        <a:bodyPr spcFirstLastPara="0" vert="horz" wrap="square" lIns="139319" tIns="139319" rIns="139319" bIns="139319" numCol="1" spcCol="1270" anchor="ctr" anchorCtr="0">
+          <a:noAutofit/>
+        </a:bodyPr>
+        <a:lstStyle/>
+        <a:p>
+          <a:pPr marL="0" lvl="0" indent="0" algn="l" defTabSz="755650">
+            <a:lnSpc>
+              <a:spcPct val="100000"/>
+            </a:lnSpc>
+            <a:spcBef>
+              <a:spcPct val="0"/>
+            </a:spcBef>
+            <a:spcAft>
+              <a:spcPct val="35000"/>
+            </a:spcAft>
+            <a:buNone/>
+          </a:pPr>
+          <a:r>
+            <a:rPr lang="en-US" sz="1700" kern="1200" baseline="0" dirty="0"/>
+            <a:t>Higher categorization agreement among participants</a:t>
+          </a:r>
+          <a:endParaRPr lang="en-US" sz="1700" kern="1200" dirty="0"/>
+        </a:p>
+        <a:p>
+          <a:pPr marL="0" lvl="0" indent="0" algn="l" defTabSz="755650">
+            <a:lnSpc>
+              <a:spcPct val="100000"/>
+            </a:lnSpc>
+            <a:spcBef>
+              <a:spcPct val="0"/>
+            </a:spcBef>
+            <a:spcAft>
+              <a:spcPct val="35000"/>
+            </a:spcAft>
+            <a:buNone/>
+          </a:pPr>
+          <a:r>
+            <a:rPr lang="en-US" sz="1700" kern="1200" dirty="0"/>
+            <a:t>Higher system usability</a:t>
+          </a:r>
+        </a:p>
+      </dsp:txBody>
+      <dsp:txXfrm>
+        <a:off x="5392350" y="3291553"/>
+        <a:ext cx="3211900" cy="1316396"/>
+      </dsp:txXfrm>
+    </dsp:sp>
+  </dsp:spTree>
+</dsp:drawing>
+</file>
+
+<file path=ppt/diagrams/layout1.xml><?xml version="1.0" encoding="utf-8"?>
+<dgm:layoutDef xmlns:dgm="http://schemas.openxmlformats.org/drawingml/2006/diagram" xmlns:a="http://schemas.openxmlformats.org/drawingml/2006/main" uniqueId="urn:microsoft.com/office/officeart/2018/2/layout/IconLabelDescriptionList">
+  <dgm:title val="Icon Label Description List"/>
+  <dgm:desc val="Use to show non-sequential or grouped chunks of information. The placeholder holds an icon or small picture, and corresponding text boxes show Level 1 and Level 2 text respectively. Works well for minimal Level 1 text accompanied by lengthier Level two text."/>
+  <dgm:catLst>
+    <dgm:cat type="icon" pri="500"/>
+  </dgm:catLst>
+  <dgm:sampData useDef="1">
+    <dgm:dataModel>
+      <dgm:ptLst/>
+      <dgm:bg/>
+      <dgm:whole/>
+    </dgm:dataModel>
+  </dgm:sampData>
+  <dgm:styleData useDef="1">
+    <dgm:dataModel>
+      <dgm:ptLst/>
+      <dgm:bg/>
+      <dgm:whole/>
+    </dgm:dataModel>
+  </dgm:styleData>
+  <dgm:clrData useDef="1">
+    <dgm:dataModel>
+      <dgm:ptLst/>
+      <dgm:bg/>
+      <dgm:whole/>
+    </dgm:dataModel>
+  </dgm:clrData>
+  <dgm:layoutNode name="root">
+    <dgm:varLst>
+      <dgm:dir/>
+      <dgm:resizeHandles val="exact"/>
+    </dgm:varLst>
+    <dgm:choose name="Name0">
+      <dgm:if name="Name1" axis="self" func="var" arg="dir" op="equ" val="norm">
+        <dgm:alg type="lin"/>
+      </dgm:if>
+      <dgm:else name="Name2">
+        <dgm:alg type="lin">
+          <dgm:param type="linDir" val="fromR"/>
+        </dgm:alg>
+      </dgm:else>
+    </dgm:choose>
+    <dgm:shape xmlns:r="http://schemas.openxmlformats.org/officeDocument/2006/relationships" r:blip="">
+      <dgm:adjLst/>
+    </dgm:shape>
+    <dgm:presOf/>
+    <dgm:constrLst>
+      <dgm:constr type="h" for="ch" forName="compNode" refType="h" fact="0.45"/>
+      <dgm:constr type="w" for="ch" forName="compNode" val="120"/>
+      <dgm:constr type="w" for="ch" forName="sibTrans" refType="w" refFor="ch" refForName="compNode" fact="0.175"/>
+      <dgm:constr type="primFontSz" for="des" forName="parTx" val="36"/>
+      <dgm:constr type="primFontSz" for="des" forName="desTx" refType="primFontSz" refFor="des" refForName="parTx" op="lte" fact="0.75"/>
+      <dgm:constr type="h" for="des" forName="compNode" op="equ"/>
+      <dgm:constr type="h" for="des" forName="iconRect" op="equ"/>
+      <dgm:constr type="w" for="des" forName="iconRect" op="equ"/>
+      <dgm:constr type="h" for="des" forName="iconSpace" op="equ"/>
+      <dgm:constr type="h" for="des" forName="parTx" op="equ"/>
+      <dgm:constr type="h" for="des" forName="txSpace" op="equ"/>
+      <dgm:constr type="h" for="des" forName="desTx" op="equ"/>
+    </dgm:constrLst>
+    <dgm:ruleLst>
+      <dgm:rule type="w" for="ch" forName="compNode" val="0" fact="NaN" max="NaN"/>
+    </dgm:ruleLst>
+    <dgm:forEach name="Name3" axis="ch" ptType="node">
+      <dgm:layoutNode name="compNode">
+        <dgm:alg type="composite"/>
+        <dgm:shape xmlns:r="http://schemas.openxmlformats.org/officeDocument/2006/relationships" r:blip="">
+          <dgm:adjLst/>
+        </dgm:shape>
+        <dgm:presOf axis="self"/>
+        <dgm:constrLst>
+          <dgm:constr type="w" for="ch" forName="iconRect" refType="w" fact="0.35"/>
+          <dgm:constr type="h" for="ch" forName="iconRect" refType="w" refFor="ch" refForName="iconRect"/>
+          <dgm:constr type="l" for="ch" forName="iconRect"/>
+          <dgm:constr type="t" for="ch" forName="iconRect"/>
+          <dgm:constr type="w" for="ch" forName="iconSpace" refType="w"/>
+          <dgm:constr type="h" for="ch" forName="iconSpace" refType="h" fact="0.043"/>
+          <dgm:constr type="l" for="ch" forName="iconSpace"/>
+          <dgm:constr type="t" for="ch" forName="iconSpace" refType="b" refFor="ch" refForName="iconRect"/>
+          <dgm:constr type="w" for="ch" forName="parTx" refType="w"/>
+          <dgm:constr type="h" for="ch" forName="parTx" refType="w" fact="0.15"/>
+          <dgm:constr type="l" for="ch" forName="parTx"/>
+          <dgm:constr type="t" for="ch" forName="parTx" refType="b" refFor="ch" refForName="iconSpace"/>
+          <dgm:constr type="h" for="ch" forName="txSpace" refType="h" fact="0.02"/>
+          <dgm:constr type="w" for="ch" forName="txSpace" refType="w"/>
+          <dgm:constr type="l" for="ch" forName="txSpace"/>
+          <dgm:constr type="t" for="ch" forName="txSpace" refType="b" refFor="ch" refForName="parTx"/>
+          <dgm:constr type="w" for="ch" forName="desTx" refType="w"/>
+          <dgm:constr type="l" for="ch" forName="desTx"/>
+          <dgm:constr type="t" for="ch" forName="desTx" refType="b" refFor="ch" refForName="txSpace"/>
+        </dgm:constrLst>
+        <dgm:ruleLst>
+          <dgm:rule type="h" val="INF" fact="NaN" max="NaN"/>
+        </dgm:ruleLst>
+        <dgm:layoutNode name="iconRect" styleLbl="node1">
+          <dgm:alg type="sp"/>
+          <dgm:shape xmlns:r="http://schemas.openxmlformats.org/officeDocument/2006/relationships" type="rect" r:blip="" blipPhldr="1">
+            <dgm:adjLst/>
+          </dgm:shape>
+          <dgm:presOf/>
+          <dgm:constrLst/>
+          <dgm:ruleLst/>
+        </dgm:layoutNode>
+        <dgm:layoutNode name="iconSpace">
+          <dgm:alg type="sp"/>
+          <dgm:shape xmlns:r="http://schemas.openxmlformats.org/officeDocument/2006/relationships" r:blip="">
+            <dgm:adjLst/>
+          </dgm:shape>
+          <dgm:presOf/>
+          <dgm:constrLst/>
+          <dgm:ruleLst/>
+        </dgm:layoutNode>
+        <dgm:layoutNode name="parTx" styleLbl="revTx">
+          <dgm:varLst>
+            <dgm:chMax val="0"/>
+            <dgm:chPref val="0"/>
+          </dgm:varLst>
+          <dgm:alg type="tx">
+            <dgm:param type="txAnchorVert" val="t"/>
+            <dgm:param type="parTxLTRAlign" val="l"/>
+            <dgm:param type="shpTxLTRAlignCh" val="l"/>
+            <dgm:param type="parTxRTLAlign" val="r"/>
+            <dgm:param type="shpTxRTLAlignCh" val="r"/>
+          </dgm:alg>
+          <dgm:shape xmlns:r="http://schemas.openxmlformats.org/officeDocument/2006/relationships" type="rect" r:blip="">
+            <dgm:adjLst/>
+          </dgm:shape>
+          <dgm:presOf axis="self" ptType="node"/>
+          <dgm:constrLst>
+            <dgm:constr type="lMarg"/>
+            <dgm:constr type="rMarg"/>
+            <dgm:constr type="tMarg"/>
+            <dgm:constr type="bMarg"/>
+          </dgm:constrLst>
+          <dgm:ruleLst>
+            <dgm:rule type="primFontSz" val="14" fact="NaN" max="NaN"/>
+            <dgm:rule type="h" val="INF" fact="NaN" max="NaN"/>
+          </dgm:ruleLst>
+        </dgm:layoutNode>
+        <dgm:layoutNode name="txSpace">
+          <dgm:alg type="sp"/>
+          <dgm:shape xmlns:r="http://schemas.openxmlformats.org/officeDocument/2006/relationships" r:blip="">
+            <dgm:adjLst/>
+          </dgm:shape>
+          <dgm:presOf/>
+          <dgm:constrLst/>
+          <dgm:ruleLst/>
+        </dgm:layoutNode>
+        <dgm:layoutNode name="desTx" styleLbl="revTx">
+          <dgm:varLst/>
+          <dgm:alg type="tx">
+            <dgm:param type="stBulletLvl" val="0"/>
+            <dgm:param type="txAnchorVert" val="t"/>
+            <dgm:param type="parTxLTRAlign" val="l"/>
+            <dgm:param type="shpTxLTRAlignCh" val="l"/>
+            <dgm:param type="parTxRTLAlign" val="r"/>
+            <dgm:param type="shpTxRTLAlignCh" val="r"/>
+          </dgm:alg>
+          <dgm:shape xmlns:r="http://schemas.openxmlformats.org/officeDocument/2006/relationships" type="rect" r:blip="">
+            <dgm:adjLst/>
+          </dgm:shape>
+          <dgm:presOf axis="des" ptType="node"/>
+          <dgm:constrLst>
+            <dgm:constr type="secFontSz" refType="primFontSz"/>
+            <dgm:constr type="lMarg"/>
+            <dgm:constr type="rMarg"/>
+            <dgm:constr type="tMarg"/>
+            <dgm:constr type="bMarg"/>
+          </dgm:constrLst>
+          <dgm:ruleLst>
+            <dgm:rule type="primFontSz" val="NaN" fact="NaN" max="17"/>
+            <dgm:rule type="h" val="INF" fact="NaN" max="NaN"/>
+          </dgm:ruleLst>
+        </dgm:layoutNode>
+      </dgm:layoutNode>
+      <dgm:forEach name="Name4" axis="followSib" ptType="sibTrans" cnt="1">
+        <dgm:layoutNode name="sibTrans">
+          <dgm:alg type="sp"/>
+          <dgm:shape xmlns:r="http://schemas.openxmlformats.org/officeDocument/2006/relationships" r:blip="">
+            <dgm:adjLst/>
+          </dgm:shape>
+          <dgm:presOf axis="self"/>
+          <dgm:constrLst/>
+          <dgm:ruleLst/>
+        </dgm:layoutNode>
+      </dgm:forEach>
+    </dgm:forEach>
+  </dgm:layoutNode>
+  <dgm:extLst>
+    <a:ext uri="{68A01E43-0DF5-4B5B-8FA6-DAF915123BFB}">
+      <dgm1612:lstStyle xmlns:dgm1612="http://schemas.microsoft.com/office/drawing/2016/12/diagram">
+        <a:lvl1pPr>
+          <a:lnSpc>
+            <a:spcPct val="100000"/>
+          </a:lnSpc>
+          <a:defRPr b="1"/>
+        </a:lvl1pPr>
+        <a:lvl2pPr>
+          <a:lnSpc>
+            <a:spcPct val="100000"/>
+          </a:lnSpc>
+        </a:lvl2pPr>
+      </dgm1612:lstStyle>
+    </a:ext>
+  </dgm:extLst>
+</dgm:layoutDef>
+</file>
+
+<file path=ppt/diagrams/layout2.xml><?xml version="1.0" encoding="utf-8"?>
+<dgm:layoutDef xmlns:dgm="http://schemas.openxmlformats.org/drawingml/2006/diagram" xmlns:a="http://schemas.openxmlformats.org/drawingml/2006/main" uniqueId="urn:microsoft.com/office/officeart/2018/2/layout/IconVerticalSolidList">
+  <dgm:title val="Icon Vertical Solid List"/>
+  <dgm:desc val="Use to show a series of visuals from top to bottom with Level 1 or Level 1 and Level 2 text grouped in a shape. Works best with icons or small pictures with lengthier descriptions."/>
+  <dgm:catLst>
+    <dgm:cat type="icon" pri="500"/>
+  </dgm:catLst>
+  <dgm:sampData useDef="1">
+    <dgm:dataModel>
+      <dgm:ptLst/>
+      <dgm:bg/>
+      <dgm:whole/>
+    </dgm:dataModel>
+  </dgm:sampData>
+  <dgm:styleData useDef="1">
+    <dgm:dataModel>
+      <dgm:ptLst/>
+      <dgm:bg/>
+      <dgm:whole/>
+    </dgm:dataModel>
+  </dgm:styleData>
+  <dgm:clrData useDef="1">
+    <dgm:dataModel>
+      <dgm:ptLst/>
+      <dgm:bg/>
+      <dgm:whole/>
+    </dgm:dataModel>
+  </dgm:clrData>
+  <dgm:layoutNode name="root">
+    <dgm:varLst>
+      <dgm:dir/>
+      <dgm:resizeHandles val="exact"/>
+    </dgm:varLst>
+    <dgm:choose name="Name0">
+      <dgm:if name="Name1" axis="self" func="var" arg="dir" op="equ" val="norm">
+        <dgm:alg type="lin">
+          <dgm:param type="linDir" val="fromT"/>
+          <dgm:param type="nodeHorzAlign" val="l"/>
+        </dgm:alg>
+      </dgm:if>
+      <dgm:else name="Name2">
+        <dgm:alg type="lin">
+          <dgm:param type="linDir" val="fromT"/>
+          <dgm:param type="nodeHorzAlign" val="r"/>
+        </dgm:alg>
+      </dgm:else>
+    </dgm:choose>
+    <dgm:shape xmlns:r="http://schemas.openxmlformats.org/officeDocument/2006/relationships" r:blip="">
+      <dgm:adjLst/>
+    </dgm:shape>
+    <dgm:presOf/>
+    <dgm:choose name="Name3">
+      <dgm:if name="Name4" axis="ch" ptType="node" func="cnt" op="lte" val="3">
+        <dgm:constrLst>
+          <dgm:constr type="h" for="ch" forName="compNode" refType="h" fact="0.3"/>
+          <dgm:constr type="w" for="ch" forName="compNode" refType="w"/>
+          <dgm:constr type="h" for="ch" forName="sibTrans" refType="h" refFor="ch" refForName="compNode" fact="0.25"/>
+          <dgm:constr type="primFontSz" for="des" forName="parTx" val="25"/>
+          <dgm:constr type="primFontSz" for="des" forName="desTx" refType="primFontSz" refFor="des" refForName="parTx" op="lte" fact="0.75"/>
+          <dgm:constr type="h" for="des" forName="compNode" op="equ"/>
+          <dgm:constr type="h" for="des" forName="bgRect" op="equ"/>
+          <dgm:constr type="h" for="des" forName="iconRect" op="equ"/>
+          <dgm:constr type="w" for="des" forName="iconRect" op="equ"/>
+          <dgm:constr type="h" for="des" forName="spaceRect" op="equ"/>
+          <dgm:constr type="h" for="des" forName="parTx" op="equ"/>
+          <dgm:constr type="h" for="des" forName="desTx" op="equ"/>
+        </dgm:constrLst>
+      </dgm:if>
+      <dgm:if name="Name5" axis="ch" ptType="node" func="cnt" op="lte" val="4">
+        <dgm:constrLst>
+          <dgm:constr type="h" for="ch" forName="compNode" refType="h" fact="0.3"/>
+          <dgm:constr type="w" for="ch" forName="compNode" refType="w"/>
+          <dgm:constr type="h" for="ch" forName="sibTrans" refType="h" refFor="ch" refForName="compNode" fact="0.25"/>
+          <dgm:constr type="primFontSz" for="des" forName="parTx" val="22"/>
+          <dgm:constr type="primFontSz" for="des" forName="desTx" refType="primFontSz" refFor="des" refForName="parTx" op="lte" fact="0.75"/>
+          <dgm:constr type="h" for="des" forName="compNode" op="equ"/>
+          <dgm:constr type="h" for="des" forName="bgRect" op="equ"/>
+          <dgm:constr type="h" for="des" forName="iconRect" op="equ"/>
+          <dgm:constr type="w" for="des" forName="iconRect" op="equ"/>
+          <dgm:constr type="h" for="des" forName="spaceRect" op="equ"/>
+          <dgm:constr type="h" for="des" forName="parTx" op="equ"/>
+          <dgm:constr type="h" for="des" forName="desTx" op="equ"/>
+        </dgm:constrLst>
+      </dgm:if>
+      <dgm:if name="Name6" axis="ch" ptType="node" func="cnt" op="lte" val="6">
+        <dgm:constrLst>
+          <dgm:constr type="h" for="ch" forName="compNode" refType="h" fact="0.3"/>
+          <dgm:constr type="w" for="ch" forName="compNode" refType="w"/>
+          <dgm:constr type="h" for="ch" forName="sibTrans" refType="h" refFor="ch" refForName="compNode" fact="0.25"/>
+          <dgm:constr type="primFontSz" for="des" forName="parTx" val="19"/>
+          <dgm:constr type="primFontSz" for="des" forName="desTx" refType="primFontSz" refFor="des" refForName="parTx" op="lte" fact="0.75"/>
+          <dgm:constr type="h" for="des" forName="compNode" op="equ"/>
+          <dgm:constr type="h" for="des" forName="bgRect" op="equ"/>
+          <dgm:constr type="h" for="des" forName="iconRect" op="equ"/>
+          <dgm:constr type="w" for="des" forName="iconRect" op="equ"/>
+          <dgm:constr type="h" for="des" forName="spaceRect" op="equ"/>
+          <dgm:constr type="h" for="des" forName="parTx" op="equ"/>
+          <dgm:constr type="h" for="des" forName="desTx" op="equ"/>
+        </dgm:constrLst>
+      </dgm:if>
+      <dgm:else name="Name7">
+        <dgm:constrLst>
+          <dgm:constr type="h" for="ch" forName="compNode" refType="h" fact="0.3"/>
+          <dgm:constr type="w" for="ch" forName="compNode" refType="w"/>
+          <dgm:constr type="h" for="ch" forName="sibTrans" refType="h" refFor="ch" refForName="compNode" fact="0.25"/>
+          <dgm:constr type="primFontSz" for="des" forName="parTx" val="16"/>
+          <dgm:constr type="primFontSz" for="des" forName="desTx" refType="primFontSz" refFor="des" refForName="parTx" op="lte" fact="0.75"/>
+          <dgm:constr type="h" for="des" forName="compNode" op="equ"/>
+          <dgm:constr type="h" for="des" forName="bgRect" op="equ"/>
+          <dgm:constr type="h" for="des" forName="iconRect" op="equ"/>
+          <dgm:constr type="w" for="des" forName="iconRect" op="equ"/>
+          <dgm:constr type="h" for="des" forName="spaceRect" op="equ"/>
+          <dgm:constr type="h" for="des" forName="parTx" op="equ"/>
+          <dgm:constr type="h" for="des" forName="desTx" op="equ"/>
+        </dgm:constrLst>
+      </dgm:else>
+    </dgm:choose>
+    <dgm:ruleLst>
+      <dgm:rule type="h" for="ch" forName="compNode" val="0" fact="NaN" max="NaN"/>
+    </dgm:ruleLst>
+    <dgm:forEach name="Name8" axis="ch" ptType="node">
+      <dgm:layoutNode name="compNode">
+        <dgm:alg type="composite"/>
+        <dgm:shape xmlns:r="http://schemas.openxmlformats.org/officeDocument/2006/relationships" r:blip="">
+          <dgm:adjLst/>
+        </dgm:shape>
+        <dgm:presOf axis="self"/>
+        <dgm:choose name="Name9">
+          <dgm:if name="Name10" axis="ch" ptType="node" func="cnt" op="gte" val="1">
+            <dgm:constrLst>
+              <dgm:constr type="w" for="ch" forName="bgRect" refType="w"/>
+              <dgm:constr type="h" for="ch" forName="bgRect" refType="h"/>
+              <dgm:constr type="l" for="ch" forName="bgRect"/>
+              <dgm:constr type="t" for="ch" forName="bgRect"/>
+              <dgm:constr type="h" for="ch" forName="iconRect" refType="h" fact="0.55"/>
+              <dgm:constr type="w" for="ch" forName="iconRect" refType="h" refFor="ch" refForName="iconRect"/>
+              <dgm:constr type="l" for="ch" forName="iconRect" refType="h" refFor="ch" refForName="iconRect" fact="0.55"/>
+              <dgm:constr type="ctrY" for="ch" forName="iconRect" refType="ctrY" refFor="ch" refForName="bgRect"/>
+              <dgm:constr type="w" for="ch" forName="spaceRect" refType="l" refFor="ch" refForName="iconRect"/>
+              <dgm:constr type="h" for="ch" forName="spaceRect" refType="h"/>
+              <dgm:constr type="l" for="ch" forName="spaceRect" refType="r" refFor="ch" refForName="iconRect"/>
+              <dgm:constr type="t" for="ch" forName="spaceRect"/>
+              <dgm:constr type="w" for="ch" forName="parTx" refType="w" fact="0.45"/>
+              <dgm:constr type="h" for="ch" forName="parTx" refType="h"/>
+              <dgm:constr type="l" for="ch" forName="parTx" refType="r" refFor="ch" refForName="spaceRect"/>
+              <dgm:constr type="t" for="ch" forName="parTx"/>
+              <dgm:constr type="h" for="ch" forName="desTx" refType="h"/>
+              <dgm:constr type="l" for="ch" forName="desTx" refType="r" refFor="ch" refForName="parTx"/>
+              <dgm:constr type="t" for="ch" forName="desTx"/>
+            </dgm:constrLst>
+          </dgm:if>
+          <dgm:else name="Name11">
+            <dgm:constrLst>
+              <dgm:constr type="w" for="ch" forName="bgRect" refType="w"/>
+              <dgm:constr type="h" for="ch" forName="bgRect" refType="h"/>
+              <dgm:constr type="l" for="ch" forName="bgRect"/>
+              <dgm:constr type="t" for="ch" forName="bgRect"/>
+              <dgm:constr type="h" for="ch" forName="iconRect" refType="h" fact="0.55"/>
+              <dgm:constr type="w" for="ch" forName="iconRect" refType="h" refFor="ch" refForName="iconRect"/>
+              <dgm:constr type="l" for="ch" forName="iconRect" refType="h" refFor="ch" refForName="iconRect" fact="0.55"/>
+              <dgm:constr type="ctrY" for="ch" forName="iconRect" refType="ctrY" refFor="ch" refForName="bgRect"/>
+              <dgm:constr type="w" for="ch" forName="spaceRect" refType="l" refFor="ch" refForName="iconRect"/>
+              <dgm:constr type="h" for="ch" forName="spaceRect" refType="h"/>
+              <dgm:constr type="l" for="ch" forName="spaceRect" refType="r" refFor="ch" refForName="iconRect"/>
+              <dgm:constr type="t" for="ch" forName="spaceRect"/>
+              <dgm:constr type="h" for="ch" forName="parTx" refType="h"/>
+              <dgm:constr type="l" for="ch" forName="parTx" refType="r" refFor="ch" refForName="spaceRect"/>
+              <dgm:constr type="t" for="ch" forName="parTx"/>
+            </dgm:constrLst>
+          </dgm:else>
+        </dgm:choose>
+        <dgm:ruleLst>
+          <dgm:rule type="h" val="INF" fact="NaN" max="NaN"/>
+        </dgm:ruleLst>
+        <dgm:layoutNode name="bgRect" styleLbl="bgShp">
+          <dgm:alg type="sp"/>
+          <dgm:shape xmlns:r="http://schemas.openxmlformats.org/officeDocument/2006/relationships" type="roundRect" r:blip="">
+            <dgm:adjLst>
+              <dgm:adj idx="1" val="0.1"/>
+            </dgm:adjLst>
+          </dgm:shape>
+          <dgm:presOf/>
+          <dgm:constrLst/>
+          <dgm:ruleLst/>
+        </dgm:layoutNode>
+        <dgm:layoutNode name="iconRect" styleLbl="node1">
+          <dgm:alg type="sp"/>
+          <dgm:shape xmlns:r="http://schemas.openxmlformats.org/officeDocument/2006/relationships" type="rect" r:blip="" blipPhldr="1">
+            <dgm:adjLst/>
+          </dgm:shape>
+          <dgm:presOf/>
+          <dgm:constrLst/>
+          <dgm:ruleLst/>
+        </dgm:layoutNode>
+        <dgm:layoutNode name="spaceRect">
+          <dgm:alg type="sp"/>
+          <dgm:shape xmlns:r="http://schemas.openxmlformats.org/officeDocument/2006/relationships" r:blip="">
+            <dgm:adjLst/>
+          </dgm:shape>
+          <dgm:presOf/>
+          <dgm:constrLst/>
+          <dgm:ruleLst/>
+        </dgm:layoutNode>
+        <dgm:layoutNode name="parTx" styleLbl="revTx">
+          <dgm:varLst>
+            <dgm:chMax val="0"/>
+            <dgm:chPref val="0"/>
+          </dgm:varLst>
+          <dgm:alg type="tx">
+            <dgm:param type="txAnchorVert" val="mid"/>
+            <dgm:param type="parTxLTRAlign" val="l"/>
+            <dgm:param type="shpTxLTRAlignCh" val="l"/>
+            <dgm:param type="parTxRTLAlign" val="r"/>
+            <dgm:param type="shpTxRTLAlignCh" val="r"/>
+          </dgm:alg>
+          <dgm:shape xmlns:r="http://schemas.openxmlformats.org/officeDocument/2006/relationships" type="rect" r:blip="">
+            <dgm:adjLst/>
+          </dgm:shape>
+          <dgm:presOf axis="self" ptType="node"/>
+          <dgm:constrLst>
+            <dgm:constr type="lMarg" refType="h" fact="0.3"/>
+            <dgm:constr type="rMarg" refType="h" fact="0.3"/>
+            <dgm:constr type="tMarg" refType="h" fact="0.3"/>
+            <dgm:constr type="bMarg" refType="h" fact="0.3"/>
+          </dgm:constrLst>
+          <dgm:ruleLst>
+            <dgm:rule type="primFontSz" val="14" fact="NaN" max="NaN"/>
+            <dgm:rule type="h" val="INF" fact="NaN" max="NaN"/>
+          </dgm:ruleLst>
+        </dgm:layoutNode>
+        <dgm:choose name="Name12">
+          <dgm:if name="Name13" axis="ch" ptType="node" func="cnt" op="gte" val="1">
+            <dgm:layoutNode name="desTx" styleLbl="revTx">
+              <dgm:varLst/>
+              <dgm:alg type="tx">
+                <dgm:param type="txAnchorVertCh" val="mid"/>
+                <dgm:param type="parTxLTRAlign" val="l"/>
+                <dgm:param type="shpTxLTRAlignCh" val="l"/>
+                <dgm:param type="parTxRTLAlign" val="r"/>
+                <dgm:param type="shpTxRTLAlignCh" val="r"/>
+                <dgm:param type="stBulletLvl" val="0"/>
+              </dgm:alg>
+              <dgm:shape xmlns:r="http://schemas.openxmlformats.org/officeDocument/2006/relationships" type="rect" r:blip="">
+                <dgm:adjLst/>
+              </dgm:shape>
+              <dgm:presOf axis="des" ptType="node"/>
+              <dgm:constrLst>
+                <dgm:constr type="primFontSz" val="18"/>
+                <dgm:constr type="secFontSz" refType="primFontSz"/>
+                <dgm:constr type="lMarg" refType="h" fact="0.3"/>
+                <dgm:constr type="rMarg" refType="h" fact="0.3"/>
+                <dgm:constr type="tMarg" refType="h" fact="0.3"/>
+                <dgm:constr type="bMarg" refType="h" fact="0.3"/>
+              </dgm:constrLst>
+              <dgm:ruleLst>
+                <dgm:rule type="primFontSz" val="11" fact="NaN" max="NaN"/>
+              </dgm:ruleLst>
+            </dgm:layoutNode>
+          </dgm:if>
+          <dgm:else name="Name14"/>
+        </dgm:choose>
+      </dgm:layoutNode>
+      <dgm:forEach name="Name15" axis="followSib" ptType="sibTrans" cnt="1">
+        <dgm:layoutNode name="sibTrans">
+          <dgm:alg type="sp"/>
+          <dgm:shape xmlns:r="http://schemas.openxmlformats.org/officeDocument/2006/relationships" r:blip="">
+            <dgm:adjLst/>
+          </dgm:shape>
+          <dgm:presOf axis="self"/>
+          <dgm:constrLst/>
+          <dgm:ruleLst/>
+        </dgm:layoutNode>
+      </dgm:forEach>
+    </dgm:forEach>
+  </dgm:layoutNode>
+  <dgm:extLst>
+    <a:ext uri="{68A01E43-0DF5-4B5B-8FA6-DAF915123BFB}">
+      <dgm1612:lstStyle xmlns:dgm1612="http://schemas.microsoft.com/office/drawing/2016/12/diagram">
+        <a:lvl1pPr>
+          <a:lnSpc>
+            <a:spcPct val="100000"/>
+          </a:lnSpc>
+        </a:lvl1pPr>
+        <a:lvl2pPr>
+          <a:lnSpc>
+            <a:spcPct val="100000"/>
+          </a:lnSpc>
+        </a:lvl2pPr>
+      </dgm1612:lstStyle>
+    </a:ext>
+  </dgm:extLst>
+</dgm:layoutDef>
+</file>
+
+<file path=ppt/diagrams/quickStyle1.xml><?xml version="1.0" encoding="utf-8"?>
+<dgm:styleDef xmlns:dgm="http://schemas.openxmlformats.org/drawingml/2006/diagram" xmlns:a="http://schemas.openxmlformats.org/drawingml/2006/main" uniqueId="urn:microsoft.com/office/officeart/2005/8/quickstyle/simple1">
+  <dgm:title val=""/>
+  <dgm:desc val=""/>
+  <dgm:catLst>
+    <dgm:cat type="simple" pri="10100"/>
+  </dgm:catLst>
+  <dgm:scene3d>
+    <a:camera prst="orthographicFront"/>
+    <a:lightRig rig="threePt" dir="t"/>
+  </dgm:scene3d>
+  <dgm:styleLbl name="node0">
+    <dgm:scene3d>
+      <a:camera prst="orthographicFront"/>
+      <a:lightRig rig="threePt" dir="t"/>
+    </dgm:scene3d>
+    <dgm:sp3d/>
+    <dgm:txPr/>
+    <dgm:style>
+      <a:lnRef idx="2">
+        <a:scrgbClr r="0" g="0" b="0"/>
+      </a:lnRef>
+      <a:fillRef idx="1">
+        <a:scrgbClr r="0" g="0" b="0"/>
+      </a:fillRef>
+      <a:effectRef idx="0">
+        <a:scrgbClr r="0" g="0" b="0"/>
+      </a:effectRef>
+      <a:fontRef idx="minor">
+        <a:schemeClr val="lt1"/>
+      </a:fontRef>
+    </dgm:style>
+  </dgm:styleLbl>
+  <dgm:styleLbl name="lnNode1">
+    <dgm:scene3d>
+      <a:camera prst="orthographicFront"/>
+      <a:lightRig rig="threePt" dir="t"/>
+    </dgm:scene3d>
+    <dgm:sp3d/>
+    <dgm:txPr/>
+    <dgm:style>
+      <a:lnRef idx="2">
+        <a:scrgbClr r="0" g="0" b="0"/>
+      </a:lnRef>
+      <a:fillRef idx="1">
+        <a:scrgbClr r="0" g="0" b="0"/>
+      </a:fillRef>
+      <a:effectRef idx="0">
+        <a:scrgbClr r="0" g="0" b="0"/>
+      </a:effectRef>
+      <a:fontRef idx="minor">
+        <a:schemeClr val="lt1"/>
+      </a:fontRef>
+    </dgm:style>
+  </dgm:styleLbl>
+  <dgm:styleLbl name="vennNode1">
+    <dgm:scene3d>
+      <a:camera prst="orthographicFront"/>
+      <a:lightRig rig="threePt" dir="t"/>
+    </dgm:scene3d>
+    <dgm:sp3d/>
+    <dgm:txPr/>
+    <dgm:style>
+      <a:lnRef idx="2">
+        <a:scrgbClr r="0" g="0" b="0"/>
+      </a:lnRef>
+      <a:fillRef idx="1">
+        <a:scrgbClr r="0" g="0" b="0"/>
+      </a:fillRef>
+      <a:effectRef idx="0">
+        <a:scrgbClr r="0" g="0" b="0"/>
+      </a:effectRef>
+      <a:fontRef idx="minor">
+        <a:schemeClr val="tx1"/>
+      </a:fontRef>
+    </dgm:style>
+  </dgm:styleLbl>
+  <dgm:styleLbl name="alignNode1">
+    <dgm:scene3d>
+      <a:camera prst="orthographicFront"/>
+      <a:lightRig rig="threePt" dir="t"/>
+    </dgm:scene3d>
+    <dgm:sp3d/>
+    <dgm:txPr/>
+    <dgm:style>
+      <a:lnRef idx="2">
+        <a:scrgbClr r="0" g="0" b="0"/>
+      </a:lnRef>
+      <a:fillRef idx="1">
+        <a:scrgbClr r="0" g="0" b="0"/>
+      </a:fillRef>
+      <a:effectRef idx="0">
+        <a:scrgbClr r="0" g="0" b="0"/>
+      </a:effectRef>
+      <a:fontRef idx="minor">
+        <a:schemeClr val="lt1"/>
+      </a:fontRef>
+    </dgm:style>
+  </dgm:styleLbl>
+  <dgm:styleLbl name="node1">
+    <dgm:scene3d>
+      <a:camera prst="orthographicFront"/>
+      <a:lightRig rig="threePt" dir="t"/>
+    </dgm:scene3d>
+    <dgm:sp3d/>
+    <dgm:txPr/>
+    <dgm:style>
+      <a:lnRef idx="2">
+        <a:scrgbClr r="0" g="0" b="0"/>
+      </a:lnRef>
+      <a:fillRef idx="1">
+        <a:scrgbClr r="0" g="0" b="0"/>
+      </a:fillRef>
+      <a:effectRef idx="0">
+        <a:scrgbClr r="0" g="0" b="0"/>
+      </a:effectRef>
+      <a:fontRef idx="minor">
+        <a:schemeClr val="lt1"/>
+      </a:fontRef>
+    </dgm:style>
+  </dgm:styleLbl>
+  <dgm:styleLbl name="node2">
+    <dgm:scene3d>
+      <a:camera prst="orthographicFront"/>
+      <a:lightRig rig="threePt" dir="t"/>
+    </dgm:scene3d>
+    <dgm:sp3d/>
+    <dgm:txPr/>
+    <dgm:style>
+      <a:lnRef idx="2">
+        <a:scrgbClr r="0" g="0" b="0"/>
+      </a:lnRef>
+      <a:fillRef idx="1">
+        <a:scrgbClr r="0" g="0" b="0"/>
+      </a:fillRef>
+      <a:effectRef idx="0">
+        <a:scrgbClr r="0" g="0" b="0"/>
+      </a:effectRef>
+      <a:fontRef idx="minor">
+        <a:schemeClr val="lt1"/>
+      </a:fontRef>
+    </dgm:style>
+  </dgm:styleLbl>
+  <dgm:styleLbl name="node3">
+    <dgm:scene3d>
+      <a:camera prst="orthographicFront"/>
+      <a:lightRig rig="threePt" dir="t"/>
+    </dgm:scene3d>
+    <dgm:sp3d/>
+    <dgm:txPr/>
+    <dgm:style>
+      <a:lnRef idx="2">
+        <a:scrgbClr r="0" g="0" b="0"/>
+      </a:lnRef>
+      <a:fillRef idx="1">
+        <a:scrgbClr r="0" g="0" b="0"/>
+      </a:fillRef>
+      <a:effectRef idx="0">
+        <a:scrgbClr r="0" g="0" b="0"/>
+      </a:effectRef>
+      <a:fontRef idx="minor">
+        <a:schemeClr val="lt1"/>
+      </a:fontRef>
+    </dgm:style>
+  </dgm:styleLbl>
+  <dgm:styleLbl name="node4">
+    <dgm:scene3d>
+      <a:camera prst="orthographicFront"/>
+      <a:lightRig rig="threePt" dir="t"/>
+    </dgm:scene3d>
+    <dgm:sp3d/>
+    <dgm:txPr/>
+    <dgm:style>
+      <a:lnRef idx="2">
+        <a:scrgbClr r="0" g="0" b="0"/>
+      </a:lnRef>
+      <a:fillRef idx="1">
+        <a:scrgbClr r="0" g="0" b="0"/>
+      </a:fillRef>
+      <a:effectRef idx="0">
+        <a:scrgbClr r="0" g="0" b="0"/>
+      </a:effectRef>
+      <a:fontRef idx="minor">
+        <a:schemeClr val="lt1"/>
+      </a:fontRef>
+    </dgm:style>
+  </dgm:styleLbl>
+  <dgm:styleLbl name="fgImgPlace1">
+    <dgm:scene3d>
+      <a:camera prst="orthographicFront"/>
+      <a:lightRig rig="threePt" dir="t"/>
+    </dgm:scene3d>
+    <dgm:sp3d/>
+    <dgm:txPr/>
+    <dgm:style>
+      <a:lnRef idx="2">
+        <a:scrgbClr r="0" g="0" b="0"/>
+      </a:lnRef>
+      <a:fillRef idx="1">
+        <a:scrgbClr r="0" g="0" b="0"/>
+      </a:fillRef>
+      <a:effectRef idx="0">
+        <a:scrgbClr r="0" g="0" b="0"/>
+      </a:effectRef>
+      <a:fontRef idx="minor"/>
+    </dgm:style>
+  </dgm:styleLbl>
+  <dgm:styleLbl name="alignImgPlace1">
+    <dgm:scene3d>
+      <a:camera prst="orthographicFront"/>
+      <a:lightRig rig="threePt" dir="t"/>
+    </dgm:scene3d>
+    <dgm:sp3d/>
+    <dgm:txPr/>
+    <dgm:style>
+      <a:lnRef idx="2">
+        <a:scrgbClr r="0" g="0" b="0"/>
+      </a:lnRef>
+      <a:fillRef idx="1">
+        <a:scrgbClr r="0" g="0" b="0"/>
+      </a:fillRef>
+      <a:effectRef idx="0">
+        <a:scrgbClr r="0" g="0" b="0"/>
+      </a:effectRef>
+      <a:fontRef idx="minor"/>
+    </dgm:style>
+  </dgm:styleLbl>
+  <dgm:styleLbl name="bgImgPlace1">
+    <dgm:scene3d>
+      <a:camera prst="orthographicFront"/>
+      <a:lightRig rig="threePt" dir="t"/>
+    </dgm:scene3d>
+    <dgm:sp3d/>
+    <dgm:txPr/>
+    <dgm:style>
+      <a:lnRef idx="2">
+        <a:scrgbClr r="0" g="0" b="0"/>
+      </a:lnRef>
+      <a:fillRef idx="1">
+        <a:scrgbClr r="0" g="0" b="0"/>
+      </a:fillRef>
+      <a:effectRef idx="0">
+        <a:scrgbClr r="0" g="0" b="0"/>
+      </a:effectRef>
+      <a:fontRef idx="minor"/>
+    </dgm:style>
+  </dgm:styleLbl>
+  <dgm:styleLbl name="sibTrans2D1">
+    <dgm:scene3d>
+      <a:camera prst="orthographicFront"/>
+      <a:lightRig rig="threePt" dir="t"/>
+    </dgm:scene3d>
+    <dgm:sp3d/>
+    <dgm:txPr/>
+    <dgm:style>
+      <a:lnRef idx="0">
+        <a:scrgbClr r="0" g="0" b="0"/>
+      </a:lnRef>
+      <a:fillRef idx="1">
+        <a:scrgbClr r="0" g="0" b="0"/>
+      </a:fillRef>
+      <a:effectRef idx="0">
+        <a:scrgbClr r="0" g="0" b="0"/>
+      </a:effectRef>
+      <a:fontRef idx="minor">
+        <a:schemeClr val="lt1"/>
+      </a:fontRef>
+    </dgm:style>
+  </dgm:styleLbl>
+  <dgm:styleLbl name="fgSibTrans2D1">
+    <dgm:scene3d>
+      <a:camera prst="orthographicFront"/>
+      <a:lightRig rig="threePt" dir="t"/>
+    </dgm:scene3d>
+    <dgm:sp3d/>
+    <dgm:txPr/>
+    <dgm:style>
+      <a:lnRef idx="0">
+        <a:scrgbClr r="0" g="0" b="0"/>
+      </a:lnRef>
+      <a:fillRef idx="1">
+        <a:scrgbClr r="0" g="0" b="0"/>
+      </a:fillRef>
+      <a:effectRef idx="0">
+        <a:scrgbClr r="0" g="0" b="0"/>
+      </a:effectRef>
+      <a:fontRef idx="minor">
+        <a:schemeClr val="lt1"/>
+      </a:fontRef>
+    </dgm:style>
+  </dgm:styleLbl>
+  <dgm:styleLbl name="bgSibTrans2D1">
+    <dgm:scene3d>
+      <a:camera prst="orthographicFront"/>
+      <a:lightRig rig="threePt" dir="t"/>
+    </dgm:scene3d>
+    <dgm:sp3d/>
+    <dgm:txPr/>
+    <dgm:style>
+      <a:lnRef idx="0">
+        <a:scrgbClr r="0" g="0" b="0"/>
+      </a:lnRef>
+      <a:fillRef idx="1">
+        <a:scrgbClr r="0" g="0" b="0"/>
+      </a:fillRef>
+      <a:effectRef idx="0">
+        <a:scrgbClr r="0" g="0" b="0"/>
+      </a:effectRef>
+      <a:fontRef idx="minor">
+        <a:schemeClr val="lt1"/>
+      </a:fontRef>
+    </dgm:style>
+  </dgm:styleLbl>
+  <dgm:styleLbl name="sibTrans1D1">
+    <dgm:scene3d>
+      <a:camera prst="orthographicFront"/>
+      <a:lightRig rig="threePt" dir="t"/>
+    </dgm:scene3d>
+    <dgm:sp3d/>
+    <dgm:txPr/>
+    <dgm:style>
+      <a:lnRef idx="1">
+        <a:scrgbClr r="0" g="0" b="0"/>
+      </a:lnRef>
+      <a:fillRef idx="0">
+        <a:scrgbClr r="0" g="0" b="0"/>
+      </a:fillRef>
+      <a:effectRef idx="0">
+        <a:scrgbClr r="0" g="0" b="0"/>
+      </a:effectRef>
+      <a:fontRef idx="minor"/>
+    </dgm:style>
+  </dgm:styleLbl>
+  <dgm:styleLbl name="callout">
+    <dgm:scene3d>
+      <a:camera prst="orthographicFront"/>
+      <a:lightRig rig="threePt" dir="t"/>
+    </dgm:scene3d>
+    <dgm:sp3d/>
+    <dgm:txPr/>
+    <dgm:style>
+      <a:lnRef idx="2">
+        <a:scrgbClr r="0" g="0" b="0"/>
+      </a:lnRef>
+      <a:fillRef idx="1">
+        <a:scrgbClr r="0" g="0" b="0"/>
+      </a:fillRef>
+      <a:effectRef idx="0">
+        <a:scrgbClr r="0" g="0" b="0"/>
+      </a:effectRef>
+      <a:fontRef idx="minor"/>
+    </dgm:style>
+  </dgm:styleLbl>
+  <dgm:styleLbl name="asst0">
+    <dgm:scene3d>
+      <a:camera prst="orthographicFront"/>
+      <a:lightRig rig="threePt" dir="t"/>
+    </dgm:scene3d>
+    <dgm:sp3d/>
+    <dgm:txPr/>
+    <dgm:style>
+      <a:lnRef idx="2">
+        <a:scrgbClr r="0" g="0" b="0"/>
+      </a:lnRef>
+      <a:fillRef idx="1">
+        <a:scrgbClr r="0" g="0" b="0"/>
+      </a:fillRef>
+      <a:effectRef idx="0">
+        <a:scrgbClr r="0" g="0" b="0"/>
+      </a:effectRef>
+      <a:fontRef idx="minor">
+        <a:schemeClr val="lt1"/>
+      </a:fontRef>
+    </dgm:style>
+  </dgm:styleLbl>
+  <dgm:styleLbl name="asst1">
+    <dgm:scene3d>
+      <a:camera prst="orthographicFront"/>
+      <a:lightRig rig="threePt" dir="t"/>
+    </dgm:scene3d>
+    <dgm:sp3d/>
+    <dgm:txPr/>
+    <dgm:style>
+      <a:lnRef idx="2">
+        <a:scrgbClr r="0" g="0" b="0"/>
+      </a:lnRef>
+      <a:fillRef idx="1">
+        <a:scrgbClr r="0" g="0" b="0"/>
+      </a:fillRef>
+      <a:effectRef idx="0">
+        <a:scrgbClr r="0" g="0" b="0"/>
+      </a:effectRef>
+      <a:fontRef idx="minor">
+        <a:schemeClr val="lt1"/>
+      </a:fontRef>
+    </dgm:style>
+  </dgm:styleLbl>
+  <dgm:styleLbl name="asst2">
+    <dgm:scene3d>
+      <a:camera prst="orthographicFront"/>
+      <a:lightRig rig="threePt" dir="t"/>
+    </dgm:scene3d>
+    <dgm:sp3d/>
+    <dgm:txPr/>
+    <dgm:style>
+      <a:lnRef idx="2">
+        <a:scrgbClr r="0" g="0" b="0"/>
+      </a:lnRef>
+      <a:fillRef idx="1">
+        <a:scrgbClr r="0" g="0" b="0"/>
+      </a:fillRef>
+      <a:effectRef idx="0">
+        <a:scrgbClr r="0" g="0" b="0"/>
+      </a:effectRef>
+      <a:fontRef idx="minor">
+        <a:schemeClr val="lt1"/>
+      </a:fontRef>
+    </dgm:style>
+  </dgm:styleLbl>
+  <dgm:styleLbl name="asst3">
+    <dgm:scene3d>
+      <a:camera prst="orthographicFront"/>
+      <a:lightRig rig="threePt" dir="t"/>
+    </dgm:scene3d>
+    <dgm:sp3d/>
+    <dgm:txPr/>
+    <dgm:style>
+      <a:lnRef idx="2">
+        <a:scrgbClr r="0" g="0" b="0"/>
+      </a:lnRef>
+      <a:fillRef idx="1">
+        <a:scrgbClr r="0" g="0" b="0"/>
+      </a:fillRef>
+      <a:effectRef idx="0">
+        <a:scrgbClr r="0" g="0" b="0"/>
+      </a:effectRef>
+      <a:fontRef idx="minor">
+        <a:schemeClr val="lt1"/>
+      </a:fontRef>
+    </dgm:style>
+  </dgm:styleLbl>
+  <dgm:styleLbl name="asst4">
+    <dgm:scene3d>
+      <a:camera prst="orthographicFront"/>
+      <a:lightRig rig="threePt" dir="t"/>
+    </dgm:scene3d>
+    <dgm:sp3d/>
+    <dgm:txPr/>
+    <dgm:style>
+      <a:lnRef idx="2">
+        <a:scrgbClr r="0" g="0" b="0"/>
+      </a:lnRef>
+      <a:fillRef idx="1">
+        <a:scrgbClr r="0" g="0" b="0"/>
+      </a:fillRef>
+      <a:effectRef idx="0">
+        <a:scrgbClr r="0" g="0" b="0"/>
+      </a:effectRef>
+      <a:fontRef idx="minor">
+        <a:schemeClr val="lt1"/>
+      </a:fontRef>
+    </dgm:style>
+  </dgm:styleLbl>
+  <dgm:styleLbl name="parChTrans2D1">
+    <dgm:scene3d>
+      <a:camera prst="orthographicFront"/>
+      <a:lightRig rig="threePt" dir="t"/>
+    </dgm:scene3d>
+    <dgm:sp3d/>
+    <dgm:txPr/>
+    <dgm:style>
+      <a:lnRef idx="2">
+        <a:scrgbClr r="0" g="0" b="0"/>
+      </a:lnRef>
+      <a:fillRef idx="1">
+        <a:scrgbClr r="0" g="0" b="0"/>
+      </a:fillRef>
+      <a:effectRef idx="0">
+        <a:scrgbClr r="0" g="0" b="0"/>
+      </a:effectRef>
+      <a:fontRef idx="minor">
+        <a:schemeClr val="lt1"/>
+      </a:fontRef>
+    </dgm:style>
+  </dgm:styleLbl>
+  <dgm:styleLbl name="parChTrans2D2">
+    <dgm:scene3d>
+      <a:camera prst="orthographicFront"/>
+      <a:lightRig rig="threePt" dir="t"/>
+    </dgm:scene3d>
+    <dgm:sp3d/>
+    <dgm:txPr/>
+    <dgm:style>
+      <a:lnRef idx="2">
+        <a:scrgbClr r="0" g="0" b="0"/>
+      </a:lnRef>
+      <a:fillRef idx="1">
+        <a:scrgbClr r="0" g="0" b="0"/>
+      </a:fillRef>
+      <a:effectRef idx="0">
+        <a:scrgbClr r="0" g="0" b="0"/>
+      </a:effectRef>
+      <a:fontRef idx="minor">
+        <a:schemeClr val="lt1"/>
+      </a:fontRef>
+    </dgm:style>
+  </dgm:styleLbl>
+  <dgm:styleLbl name="parChTrans2D3">
+    <dgm:scene3d>
+      <a:camera prst="orthographicFront"/>
+      <a:lightRig rig="threePt" dir="t"/>
+    </dgm:scene3d>
+    <dgm:sp3d/>
+    <dgm:txPr/>
+    <dgm:style>
+      <a:lnRef idx="2">
+        <a:scrgbClr r="0" g="0" b="0"/>
+      </a:lnRef>
+      <a:fillRef idx="1">
+        <a:scrgbClr r="0" g="0" b="0"/>
+      </a:fillRef>
+      <a:effectRef idx="0">
+        <a:scrgbClr r="0" g="0" b="0"/>
+      </a:effectRef>
+      <a:fontRef idx="minor">
+        <a:schemeClr val="lt1"/>
+      </a:fontRef>
+    </dgm:style>
+  </dgm:styleLbl>
+  <dgm:styleLbl name="parChTrans2D4">
+    <dgm:scene3d>
+      <a:camera prst="orthographicFront"/>
+      <a:lightRig rig="threePt" dir="t"/>
+    </dgm:scene3d>
+    <dgm:sp3d/>
+    <dgm:txPr/>
+    <dgm:style>
+      <a:lnRef idx="2">
+        <a:scrgbClr r="0" g="0" b="0"/>
+      </a:lnRef>
+      <a:fillRef idx="1">
+        <a:scrgbClr r="0" g="0" b="0"/>
+      </a:fillRef>
+      <a:effectRef idx="0">
+        <a:scrgbClr r="0" g="0" b="0"/>
+      </a:effectRef>
+      <a:fontRef idx="minor">
+        <a:schemeClr val="lt1"/>
+      </a:fontRef>
+    </dgm:style>
+  </dgm:styleLbl>
+  <dgm:styleLbl name="parChTrans1D1">
+    <dgm:scene3d>
+      <a:camera prst="orthographicFront"/>
+      <a:lightRig rig="threePt" dir="t"/>
+    </dgm:scene3d>
+    <dgm:sp3d/>
+    <dgm:txPr/>
+    <dgm:style>
+      <a:lnRef idx="2">
+        <a:scrgbClr r="0" g="0" b="0"/>
+      </a:lnRef>
+      <a:fillRef idx="0">
+        <a:scrgbClr r="0" g="0" b="0"/>
+      </a:fillRef>
+      <a:effectRef idx="0">
+        <a:scrgbClr r="0" g="0" b="0"/>
+      </a:effectRef>
+      <a:fontRef idx="minor"/>
+    </dgm:style>
+  </dgm:styleLbl>
+  <dgm:styleLbl name="parChTrans1D2">
+    <dgm:scene3d>
+      <a:camera prst="orthographicFront"/>
+      <a:lightRig rig="threePt" dir="t"/>
+    </dgm:scene3d>
+    <dgm:sp3d/>
+    <dgm:txPr/>
+    <dgm:style>
+      <a:lnRef idx="2">
+        <a:scrgbClr r="0" g="0" b="0"/>
+      </a:lnRef>
+      <a:fillRef idx="0">
+        <a:scrgbClr r="0" g="0" b="0"/>
+      </a:fillRef>
+      <a:effectRef idx="0">
+        <a:scrgbClr r="0" g="0" b="0"/>
+      </a:effectRef>
+      <a:fontRef idx="minor"/>
+    </dgm:style>
+  </dgm:styleLbl>
+  <dgm:styleLbl name="parChTrans1D3">
+    <dgm:scene3d>
+      <a:camera prst="orthographicFront"/>
+      <a:lightRig rig="threePt" dir="t"/>
+    </dgm:scene3d>
+    <dgm:sp3d/>
+    <dgm:txPr/>
+    <dgm:style>
+      <a:lnRef idx="2">
+        <a:scrgbClr r="0" g="0" b="0"/>
+      </a:lnRef>
+      <a:fillRef idx="0">
+        <a:scrgbClr r="0" g="0" b="0"/>
+      </a:fillRef>
+      <a:effectRef idx="0">
+        <a:scrgbClr r="0" g="0" b="0"/>
+      </a:effectRef>
+      <a:fontRef idx="minor"/>
+    </dgm:style>
+  </dgm:styleLbl>
+  <dgm:styleLbl name="parChTrans1D4">
+    <dgm:scene3d>
+      <a:camera prst="orthographicFront"/>
+      <a:lightRig rig="threePt" dir="t"/>
+    </dgm:scene3d>
+    <dgm:sp3d/>
+    <dgm:txPr/>
+    <dgm:style>
+      <a:lnRef idx="2">
+        <a:scrgbClr r="0" g="0" b="0"/>
+      </a:lnRef>
+      <a:fillRef idx="0">
+        <a:scrgbClr r="0" g="0" b="0"/>
+      </a:fillRef>
+      <a:effectRef idx="0">
+        <a:scrgbClr r="0" g="0" b="0"/>
+      </a:effectRef>
+      <a:fontRef idx="minor"/>
+    </dgm:style>
+  </dgm:styleLbl>
+  <dgm:styleLbl name="fgAcc1">
+    <dgm:scene3d>
+      <a:camera prst="orthographicFront"/>
+      <a:lightRig rig="threePt" dir="t"/>
+    </dgm:scene3d>
+    <dgm:sp3d/>
+    <dgm:txPr/>
+    <dgm:style>
+      <a:lnRef idx="2">
+        <a:scrgbClr r="0" g="0" b="0"/>
+      </a:lnRef>
+      <a:fillRef idx="1">
+        <a:scrgbClr r="0" g="0" b="0"/>
+      </a:fillRef>
+      <a:effectRef idx="0">
+        <a:scrgbClr r="0" g="0" b="0"/>
+      </a:effectRef>
+      <a:fontRef idx="minor"/>
+    </dgm:style>
+  </dgm:styleLbl>
+  <dgm:styleLbl name="conFgAcc1">
+    <dgm:scene3d>
+      <a:camera prst="orthographicFront"/>
+      <a:lightRig rig="threePt" dir="t"/>
+    </dgm:scene3d>
+    <dgm:sp3d/>
+    <dgm:txPr/>
+    <dgm:style>
+      <a:lnRef idx="2">
+        <a:scrgbClr r="0" g="0" b="0"/>
+      </a:lnRef>
+      <a:fillRef idx="1">
+        <a:scrgbClr r="0" g="0" b="0"/>
+      </a:fillRef>
+      <a:effectRef idx="0">
+        <a:scrgbClr r="0" g="0" b="0"/>
+      </a:effectRef>
+      <a:fontRef idx="minor"/>
+    </dgm:style>
+  </dgm:styleLbl>
+  <dgm:styleLbl name="alignAcc1">
+    <dgm:scene3d>
+      <a:camera prst="orthographicFront"/>
+      <a:lightRig rig="threePt" dir="t"/>
+    </dgm:scene3d>
+    <dgm:sp3d/>
+    <dgm:txPr/>
+    <dgm:style>
+      <a:lnRef idx="2">
+        <a:scrgbClr r="0" g="0" b="0"/>
+      </a:lnRef>
+      <a:fillRef idx="1">
+        <a:scrgbClr r="0" g="0" b="0"/>
+      </a:fillRef>
+      <a:effectRef idx="0">
+        <a:scrgbClr r="0" g="0" b="0"/>
+      </a:effectRef>
+      <a:fontRef idx="minor"/>
+    </dgm:style>
+  </dgm:styleLbl>
+  <dgm:styleLbl name="trAlignAcc1">
+    <dgm:scene3d>
+      <a:camera prst="orthographicFront"/>
+      <a:lightRig rig="threePt" dir="t"/>
+    </dgm:scene3d>
+    <dgm:sp3d/>
+    <dgm:txPr/>
+    <dgm:style>
+      <a:lnRef idx="1">
+        <a:scrgbClr r="0" g="0" b="0"/>
+      </a:lnRef>
+      <a:fillRef idx="1">
+        <a:scrgbClr r="0" g="0" b="0"/>
+      </a:fillRef>
+      <a:effectRef idx="0">
+        <a:scrgbClr r="0" g="0" b="0"/>
+      </a:effectRef>
+      <a:fontRef idx="minor"/>
+    </dgm:style>
+  </dgm:styleLbl>
+  <dgm:styleLbl name="bgAcc1">
+    <dgm:scene3d>
+      <a:camera prst="orthographicFront"/>
+      <a:lightRig rig="threePt" dir="t"/>
+    </dgm:scene3d>
+    <dgm:sp3d/>
+    <dgm:txPr/>
+    <dgm:style>
+      <a:lnRef idx="2">
+        <a:scrgbClr r="0" g="0" b="0"/>
+      </a:lnRef>
+      <a:fillRef idx="1">
+        <a:scrgbClr r="0" g="0" b="0"/>
+      </a:fillRef>
+      <a:effectRef idx="0">
+        <a:scrgbClr r="0" g="0" b="0"/>
+      </a:effectRef>
+      <a:fontRef idx="minor"/>
+    </dgm:style>
+  </dgm:styleLbl>
+  <dgm:styleLbl name="solidFgAcc1">
+    <dgm:scene3d>
+      <a:camera prst="orthographicFront"/>
+      <a:lightRig rig="threePt" dir="t"/>
+    </dgm:scene3d>
+    <dgm:sp3d/>
+    <dgm:txPr/>
+    <dgm:style>
+      <a:lnRef idx="2">
+        <a:scrgbClr r="0" g="0" b="0"/>
+      </a:lnRef>
+      <a:fillRef idx="1">
+        <a:scrgbClr r="0" g="0" b="0"/>
+      </a:fillRef>
+      <a:effectRef idx="0">
+        <a:scrgbClr r="0" g="0" b="0"/>
+      </a:effectRef>
+      <a:fontRef idx="minor"/>
+    </dgm:style>
+  </dgm:styleLbl>
+  <dgm:styleLbl name="solidAlignAcc1">
+    <dgm:scene3d>
+      <a:camera prst="orthographicFront"/>
+      <a:lightRig rig="threePt" dir="t"/>
+    </dgm:scene3d>
+    <dgm:sp3d/>
+    <dgm:txPr/>
+    <dgm:style>
+      <a:lnRef idx="2">
+        <a:scrgbClr r="0" g="0" b="0"/>
+      </a:lnRef>
+      <a:fillRef idx="1">
+        <a:scrgbClr r="0" g="0" b="0"/>
+      </a:fillRef>
+      <a:effectRef idx="0">
+        <a:scrgbClr r="0" g="0" b="0"/>
+      </a:effectRef>
+      <a:fontRef idx="minor"/>
+    </dgm:style>
+  </dgm:styleLbl>
+  <dgm:styleLbl name="solidBgAcc1">
+    <dgm:scene3d>
+      <a:camera prst="orthographicFront"/>
+      <a:lightRig rig="threePt" dir="t"/>
+    </dgm:scene3d>
+    <dgm:sp3d/>
+    <dgm:txPr/>
+    <dgm:style>
+      <a:lnRef idx="2">
+        <a:scrgbClr r="0" g="0" b="0"/>
+      </a:lnRef>
+      <a:fillRef idx="1">
+        <a:scrgbClr r="0" g="0" b="0"/>
+      </a:fillRef>
+      <a:effectRef idx="0">
+        <a:scrgbClr r="0" g="0" b="0"/>
+      </a:effectRef>
+      <a:fontRef idx="minor"/>
+    </dgm:style>
+  </dgm:styleLbl>
+  <dgm:styleLbl name="fgAccFollowNode1">
+    <dgm:scene3d>
+      <a:camera prst="orthographicFront"/>
+      <a:lightRig rig="threePt" dir="t"/>
+    </dgm:scene3d>
+    <dgm:sp3d/>
+    <dgm:txPr/>
+    <dgm:style>
+      <a:lnRef idx="2">
+        <a:scrgbClr r="0" g="0" b="0"/>
+      </a:lnRef>
+      <a:fillRef idx="1">
+        <a:scrgbClr r="0" g="0" b="0"/>
+      </a:fillRef>
+      <a:effectRef idx="0">
+        <a:scrgbClr r="0" g="0" b="0"/>
+      </a:effectRef>
+      <a:fontRef idx="minor"/>
+    </dgm:style>
+  </dgm:styleLbl>
+  <dgm:styleLbl name="alignAccFollowNode1">
+    <dgm:scene3d>
+      <a:camera prst="orthographicFront"/>
+      <a:lightRig rig="threePt" dir="t"/>
+    </dgm:scene3d>
+    <dgm:sp3d/>
+    <dgm:txPr/>
+    <dgm:style>
+      <a:lnRef idx="2">
+        <a:scrgbClr r="0" g="0" b="0"/>
+      </a:lnRef>
+      <a:fillRef idx="1">
+        <a:scrgbClr r="0" g="0" b="0"/>
+      </a:fillRef>
+      <a:effectRef idx="0">
+        <a:scrgbClr r="0" g="0" b="0"/>
+      </a:effectRef>
+      <a:fontRef idx="minor"/>
+    </dgm:style>
+  </dgm:styleLbl>
+  <dgm:styleLbl name="bgAccFollowNode1">
+    <dgm:scene3d>
+      <a:camera prst="orthographicFront"/>
+      <a:lightRig rig="threePt" dir="t"/>
+    </dgm:scene3d>
+    <dgm:sp3d/>
+    <dgm:txPr/>
+    <dgm:style>
+      <a:lnRef idx="2">
+        <a:scrgbClr r="0" g="0" b="0"/>
+      </a:lnRef>
+      <a:fillRef idx="1">
+        <a:scrgbClr r="0" g="0" b="0"/>
+      </a:fillRef>
+      <a:effectRef idx="0">
+        <a:scrgbClr r="0" g="0" b="0"/>
+      </a:effectRef>
+      <a:fontRef idx="minor"/>
+    </dgm:style>
+  </dgm:styleLbl>
+  <dgm:styleLbl name="fgAcc0">
+    <dgm:scene3d>
+      <a:camera prst="orthographicFront"/>
+      <a:lightRig rig="threePt" dir="t"/>
+    </dgm:scene3d>
+    <dgm:sp3d/>
+    <dgm:txPr/>
+    <dgm:style>
+      <a:lnRef idx="2">
+        <a:scrgbClr r="0" g="0" b="0"/>
+      </a:lnRef>
+      <a:fillRef idx="1">
+        <a:scrgbClr r="0" g="0" b="0"/>
+      </a:fillRef>
+      <a:effectRef idx="0">
+        <a:scrgbClr r="0" g="0" b="0"/>
+      </a:effectRef>
+      <a:fontRef idx="minor"/>
+    </dgm:style>
+  </dgm:styleLbl>
+  <dgm:styleLbl name="fgAcc2">
+    <dgm:scene3d>
+      <a:camera prst="orthographicFront"/>
+      <a:lightRig rig="threePt" dir="t"/>
+    </dgm:scene3d>
+    <dgm:sp3d/>
+    <dgm:txPr/>
+    <dgm:style>
+      <a:lnRef idx="2">
+        <a:scrgbClr r="0" g="0" b="0"/>
+      </a:lnRef>
+      <a:fillRef idx="1">
+        <a:scrgbClr r="0" g="0" b="0"/>
+      </a:fillRef>
+      <a:effectRef idx="0">
+        <a:scrgbClr r="0" g="0" b="0"/>
+      </a:effectRef>
+      <a:fontRef idx="minor"/>
+    </dgm:style>
+  </dgm:styleLbl>
+  <dgm:styleLbl name="fgAcc3">
+    <dgm:scene3d>
+      <a:camera prst="orthographicFront"/>
+      <a:lightRig rig="threePt" dir="t"/>
+    </dgm:scene3d>
+    <dgm:sp3d/>
+    <dgm:txPr/>
+    <dgm:style>
+      <a:lnRef idx="2">
+        <a:scrgbClr r="0" g="0" b="0"/>
+      </a:lnRef>
+      <a:fillRef idx="1">
+        <a:scrgbClr r="0" g="0" b="0"/>
+      </a:fillRef>
+      <a:effectRef idx="0">
+        <a:scrgbClr r="0" g="0" b="0"/>
+      </a:effectRef>
+      <a:fontRef idx="minor"/>
+    </dgm:style>
+  </dgm:styleLbl>
+  <dgm:styleLbl name="fgAcc4">
+    <dgm:scene3d>
+      <a:camera prst="orthographicFront"/>
+      <a:lightRig rig="threePt" dir="t"/>
+    </dgm:scene3d>
+    <dgm:sp3d/>
+    <dgm:txPr/>
+    <dgm:style>
+      <a:lnRef idx="2">
+        <a:scrgbClr r="0" g="0" b="0"/>
+      </a:lnRef>
+      <a:fillRef idx="1">
+        <a:scrgbClr r="0" g="0" b="0"/>
+      </a:fillRef>
+      <a:effectRef idx="0">
+        <a:scrgbClr r="0" g="0" b="0"/>
+      </a:effectRef>
+      <a:fontRef idx="minor"/>
+    </dgm:style>
+  </dgm:styleLbl>
+  <dgm:styleLbl name="bgShp">
+    <dgm:scene3d>
+      <a:camera prst="orthographicFront"/>
+      <a:lightRig rig="threePt" dir="t"/>
+    </dgm:scene3d>
+    <dgm:sp3d/>
+    <dgm:txPr/>
+    <dgm:style>
+      <a:lnRef idx="0">
+        <a:scrgbClr r="0" g="0" b="0"/>
+      </a:lnRef>
+      <a:fillRef idx="1">
+        <a:scrgbClr r="0" g="0" b="0"/>
+      </a:fillRef>
+      <a:effectRef idx="0">
+        <a:scrgbClr r="0" g="0" b="0"/>
+      </a:effectRef>
+      <a:fontRef idx="minor"/>
+    </dgm:style>
+  </dgm:styleLbl>
+  <dgm:styleLbl name="dkBgShp">
+    <dgm:scene3d>
+      <a:camera prst="orthographicFront"/>
+      <a:lightRig rig="threePt" dir="t"/>
+    </dgm:scene3d>
+    <dgm:sp3d/>
+    <dgm:txPr/>
+    <dgm:style>
+      <a:lnRef idx="0">
+        <a:scrgbClr r="0" g="0" b="0"/>
+      </a:lnRef>
+      <a:fillRef idx="1">
+        <a:scrgbClr r="0" g="0" b="0"/>
+      </a:fillRef>
+      <a:effectRef idx="0">
+        <a:scrgbClr r="0" g="0" b="0"/>
+      </a:effectRef>
+      <a:fontRef idx="minor"/>
+    </dgm:style>
+  </dgm:styleLbl>
+  <dgm:styleLbl name="trBgShp">
+    <dgm:scene3d>
+      <a:camera prst="orthographicFront"/>
+      <a:lightRig rig="threePt" dir="t"/>
+    </dgm:scene3d>
+    <dgm:sp3d/>
+    <dgm:txPr/>
+    <dgm:style>
+      <a:lnRef idx="0">
+        <a:scrgbClr r="0" g="0" b="0"/>
+      </a:lnRef>
+      <a:fillRef idx="1">
+        <a:scrgbClr r="0" g="0" b="0"/>
+      </a:fillRef>
+      <a:effectRef idx="0">
+        <a:scrgbClr r="0" g="0" b="0"/>
+      </a:effectRef>
+      <a:fontRef idx="minor"/>
+    </dgm:style>
+  </dgm:styleLbl>
+  <dgm:styleLbl name="fgShp">
+    <dgm:scene3d>
+      <a:camera prst="orthographicFront"/>
+      <a:lightRig rig="threePt" dir="t"/>
+    </dgm:scene3d>
+    <dgm:sp3d/>
+    <dgm:txPr/>
+    <dgm:style>
+      <a:lnRef idx="2">
+        <a:scrgbClr r="0" g="0" b="0"/>
+      </a:lnRef>
+      <a:fillRef idx="1">
+        <a:scrgbClr r="0" g="0" b="0"/>
+      </a:fillRef>
+      <a:effectRef idx="0">
+        <a:scrgbClr r="0" g="0" b="0"/>
+      </a:effectRef>
+      <a:fontRef idx="minor"/>
+    </dgm:style>
+  </dgm:styleLbl>
+  <dgm:styleLbl name="revTx">
+    <dgm:scene3d>
+      <a:camera prst="orthographicFront"/>
+      <a:lightRig rig="threePt" dir="t"/>
+    </dgm:scene3d>
+    <dgm:sp3d/>
+    <dgm:txPr/>
+    <dgm:style>
+      <a:lnRef idx="0">
+        <a:scrgbClr r="0" g="0" b="0"/>
+      </a:lnRef>
+      <a:fillRef idx="0">
+        <a:scrgbClr r="0" g="0" b="0"/>
+      </a:fillRef>
+      <a:effectRef idx="0">
+        <a:scrgbClr r="0" g="0" b="0"/>
+      </a:effectRef>
+      <a:fontRef idx="minor"/>
+    </dgm:style>
+  </dgm:styleLbl>
+</dgm:styleDef>
+</file>
+
+<file path=ppt/diagrams/quickStyle2.xml><?xml version="1.0" encoding="utf-8"?>
+<dgm:styleDef xmlns:dgm="http://schemas.openxmlformats.org/drawingml/2006/diagram" xmlns:a="http://schemas.openxmlformats.org/drawingml/2006/main" uniqueId="urn:microsoft.com/office/officeart/2005/8/quickstyle/simple1">
+  <dgm:title val=""/>
+  <dgm:desc val=""/>
+  <dgm:catLst>
+    <dgm:cat type="simple" pri="10100"/>
+  </dgm:catLst>
+  <dgm:scene3d>
+    <a:camera prst="orthographicFront"/>
+    <a:lightRig rig="threePt" dir="t"/>
+  </dgm:scene3d>
+  <dgm:styleLbl name="node0">
+    <dgm:scene3d>
+      <a:camera prst="orthographicFront"/>
+      <a:lightRig rig="threePt" dir="t"/>
+    </dgm:scene3d>
+    <dgm:sp3d/>
+    <dgm:txPr/>
+    <dgm:style>
+      <a:lnRef idx="2">
+        <a:scrgbClr r="0" g="0" b="0"/>
+      </a:lnRef>
+      <a:fillRef idx="1">
+        <a:scrgbClr r="0" g="0" b="0"/>
+      </a:fillRef>
+      <a:effectRef idx="0">
+        <a:scrgbClr r="0" g="0" b="0"/>
+      </a:effectRef>
+      <a:fontRef idx="minor">
+        <a:schemeClr val="lt1"/>
+      </a:fontRef>
+    </dgm:style>
+  </dgm:styleLbl>
+  <dgm:styleLbl name="lnNode1">
+    <dgm:scene3d>
+      <a:camera prst="orthographicFront"/>
+      <a:lightRig rig="threePt" dir="t"/>
+    </dgm:scene3d>
+    <dgm:sp3d/>
+    <dgm:txPr/>
+    <dgm:style>
+      <a:lnRef idx="2">
+        <a:scrgbClr r="0" g="0" b="0"/>
+      </a:lnRef>
+      <a:fillRef idx="1">
+        <a:scrgbClr r="0" g="0" b="0"/>
+      </a:fillRef>
+      <a:effectRef idx="0">
+        <a:scrgbClr r="0" g="0" b="0"/>
+      </a:effectRef>
+      <a:fontRef idx="minor">
+        <a:schemeClr val="lt1"/>
+      </a:fontRef>
+    </dgm:style>
+  </dgm:styleLbl>
+  <dgm:styleLbl name="vennNode1">
+    <dgm:scene3d>
+      <a:camera prst="orthographicFront"/>
+      <a:lightRig rig="threePt" dir="t"/>
+    </dgm:scene3d>
+    <dgm:sp3d/>
+    <dgm:txPr/>
+    <dgm:style>
+      <a:lnRef idx="2">
+        <a:scrgbClr r="0" g="0" b="0"/>
+      </a:lnRef>
+      <a:fillRef idx="1">
+        <a:scrgbClr r="0" g="0" b="0"/>
+      </a:fillRef>
+      <a:effectRef idx="0">
+        <a:scrgbClr r="0" g="0" b="0"/>
+      </a:effectRef>
+      <a:fontRef idx="minor">
+        <a:schemeClr val="tx1"/>
+      </a:fontRef>
+    </dgm:style>
+  </dgm:styleLbl>
+  <dgm:styleLbl name="alignNode1">
+    <dgm:scene3d>
+      <a:camera prst="orthographicFront"/>
+      <a:lightRig rig="threePt" dir="t"/>
+    </dgm:scene3d>
+    <dgm:sp3d/>
+    <dgm:txPr/>
+    <dgm:style>
+      <a:lnRef idx="2">
+        <a:scrgbClr r="0" g="0" b="0"/>
+      </a:lnRef>
+      <a:fillRef idx="1">
+        <a:scrgbClr r="0" g="0" b="0"/>
+      </a:fillRef>
+      <a:effectRef idx="0">
+        <a:scrgbClr r="0" g="0" b="0"/>
+      </a:effectRef>
+      <a:fontRef idx="minor">
+        <a:schemeClr val="lt1"/>
+      </a:fontRef>
+    </dgm:style>
+  </dgm:styleLbl>
+  <dgm:styleLbl name="node1">
+    <dgm:scene3d>
+      <a:camera prst="orthographicFront"/>
+      <a:lightRig rig="threePt" dir="t"/>
+    </dgm:scene3d>
+    <dgm:sp3d/>
+    <dgm:txPr/>
+    <dgm:style>
+      <a:lnRef idx="2">
+        <a:scrgbClr r="0" g="0" b="0"/>
+      </a:lnRef>
+      <a:fillRef idx="1">
+        <a:scrgbClr r="0" g="0" b="0"/>
+      </a:fillRef>
+      <a:effectRef idx="0">
+        <a:scrgbClr r="0" g="0" b="0"/>
+      </a:effectRef>
+      <a:fontRef idx="minor">
+        <a:schemeClr val="lt1"/>
+      </a:fontRef>
+    </dgm:style>
+  </dgm:styleLbl>
+  <dgm:styleLbl name="node2">
+    <dgm:scene3d>
+      <a:camera prst="orthographicFront"/>
+      <a:lightRig rig="threePt" dir="t"/>
+    </dgm:scene3d>
+    <dgm:sp3d/>
+    <dgm:txPr/>
+    <dgm:style>
+      <a:lnRef idx="2">
+        <a:scrgbClr r="0" g="0" b="0"/>
+      </a:lnRef>
+      <a:fillRef idx="1">
+        <a:scrgbClr r="0" g="0" b="0"/>
+      </a:fillRef>
+      <a:effectRef idx="0">
+        <a:scrgbClr r="0" g="0" b="0"/>
+      </a:effectRef>
+      <a:fontRef idx="minor">
+        <a:schemeClr val="lt1"/>
+      </a:fontRef>
+    </dgm:style>
+  </dgm:styleLbl>
+  <dgm:styleLbl name="node3">
+    <dgm:scene3d>
+      <a:camera prst="orthographicFront"/>
+      <a:lightRig rig="threePt" dir="t"/>
+    </dgm:scene3d>
+    <dgm:sp3d/>
+    <dgm:txPr/>
+    <dgm:style>
+      <a:lnRef idx="2">
+        <a:scrgbClr r="0" g="0" b="0"/>
+      </a:lnRef>
+      <a:fillRef idx="1">
+        <a:scrgbClr r="0" g="0" b="0"/>
+      </a:fillRef>
+      <a:effectRef idx="0">
+        <a:scrgbClr r="0" g="0" b="0"/>
+      </a:effectRef>
+      <a:fontRef idx="minor">
+        <a:schemeClr val="lt1"/>
+      </a:fontRef>
+    </dgm:style>
+  </dgm:styleLbl>
+  <dgm:styleLbl name="node4">
+    <dgm:scene3d>
+      <a:camera prst="orthographicFront"/>
+      <a:lightRig rig="threePt" dir="t"/>
+    </dgm:scene3d>
+    <dgm:sp3d/>
+    <dgm:txPr/>
+    <dgm:style>
+      <a:lnRef idx="2">
+        <a:scrgbClr r="0" g="0" b="0"/>
+      </a:lnRef>
+      <a:fillRef idx="1">
+        <a:scrgbClr r="0" g="0" b="0"/>
+      </a:fillRef>
+      <a:effectRef idx="0">
+        <a:scrgbClr r="0" g="0" b="0"/>
+      </a:effectRef>
+      <a:fontRef idx="minor">
+        <a:schemeClr val="lt1"/>
+      </a:fontRef>
+    </dgm:style>
+  </dgm:styleLbl>
+  <dgm:styleLbl name="fgImgPlace1">
+    <dgm:scene3d>
+      <a:camera prst="orthographicFront"/>
+      <a:lightRig rig="threePt" dir="t"/>
+    </dgm:scene3d>
+    <dgm:sp3d/>
+    <dgm:txPr/>
+    <dgm:style>
+      <a:lnRef idx="2">
+        <a:scrgbClr r="0" g="0" b="0"/>
+      </a:lnRef>
+      <a:fillRef idx="1">
+        <a:scrgbClr r="0" g="0" b="0"/>
+      </a:fillRef>
+      <a:effectRef idx="0">
+        <a:scrgbClr r="0" g="0" b="0"/>
+      </a:effectRef>
+      <a:fontRef idx="minor"/>
+    </dgm:style>
+  </dgm:styleLbl>
+  <dgm:styleLbl name="alignImgPlace1">
+    <dgm:scene3d>
+      <a:camera prst="orthographicFront"/>
+      <a:lightRig rig="threePt" dir="t"/>
+    </dgm:scene3d>
+    <dgm:sp3d/>
+    <dgm:txPr/>
+    <dgm:style>
+      <a:lnRef idx="2">
+        <a:scrgbClr r="0" g="0" b="0"/>
+      </a:lnRef>
+      <a:fillRef idx="1">
+        <a:scrgbClr r="0" g="0" b="0"/>
+      </a:fillRef>
+      <a:effectRef idx="0">
+        <a:scrgbClr r="0" g="0" b="0"/>
+      </a:effectRef>
+      <a:fontRef idx="minor"/>
+    </dgm:style>
+  </dgm:styleLbl>
+  <dgm:styleLbl name="bgImgPlace1">
+    <dgm:scene3d>
+      <a:camera prst="orthographicFront"/>
+      <a:lightRig rig="threePt" dir="t"/>
+    </dgm:scene3d>
+    <dgm:sp3d/>
+    <dgm:txPr/>
+    <dgm:style>
+      <a:lnRef idx="2">
+        <a:scrgbClr r="0" g="0" b="0"/>
+      </a:lnRef>
+      <a:fillRef idx="1">
+        <a:scrgbClr r="0" g="0" b="0"/>
+      </a:fillRef>
+      <a:effectRef idx="0">
+        <a:scrgbClr r="0" g="0" b="0"/>
+      </a:effectRef>
+      <a:fontRef idx="minor"/>
+    </dgm:style>
+  </dgm:styleLbl>
+  <dgm:styleLbl name="sibTrans2D1">
+    <dgm:scene3d>
+      <a:camera prst="orthographicFront"/>
+      <a:lightRig rig="threePt" dir="t"/>
+    </dgm:scene3d>
+    <dgm:sp3d/>
+    <dgm:txPr/>
+    <dgm:style>
+      <a:lnRef idx="0">
+        <a:scrgbClr r="0" g="0" b="0"/>
+      </a:lnRef>
+      <a:fillRef idx="1">
+        <a:scrgbClr r="0" g="0" b="0"/>
+      </a:fillRef>
+      <a:effectRef idx="0">
+        <a:scrgbClr r="0" g="0" b="0"/>
+      </a:effectRef>
+      <a:fontRef idx="minor">
+        <a:schemeClr val="lt1"/>
+      </a:fontRef>
+    </dgm:style>
+  </dgm:styleLbl>
+  <dgm:styleLbl name="fgSibTrans2D1">
+    <dgm:scene3d>
+      <a:camera prst="orthographicFront"/>
+      <a:lightRig rig="threePt" dir="t"/>
+    </dgm:scene3d>
+    <dgm:sp3d/>
+    <dgm:txPr/>
+    <dgm:style>
+      <a:lnRef idx="0">
+        <a:scrgbClr r="0" g="0" b="0"/>
+      </a:lnRef>
+      <a:fillRef idx="1">
+        <a:scrgbClr r="0" g="0" b="0"/>
+      </a:fillRef>
+      <a:effectRef idx="0">
+        <a:scrgbClr r="0" g="0" b="0"/>
+      </a:effectRef>
+      <a:fontRef idx="minor">
+        <a:schemeClr val="lt1"/>
+      </a:fontRef>
+    </dgm:style>
+  </dgm:styleLbl>
+  <dgm:styleLbl name="bgSibTrans2D1">
+    <dgm:scene3d>
+      <a:camera prst="orthographicFront"/>
+      <a:lightRig rig="threePt" dir="t"/>
+    </dgm:scene3d>
+    <dgm:sp3d/>
+    <dgm:txPr/>
+    <dgm:style>
+      <a:lnRef idx="0">
+        <a:scrgbClr r="0" g="0" b="0"/>
+      </a:lnRef>
+      <a:fillRef idx="1">
+        <a:scrgbClr r="0" g="0" b="0"/>
+      </a:fillRef>
+      <a:effectRef idx="0">
+        <a:scrgbClr r="0" g="0" b="0"/>
+      </a:effectRef>
+      <a:fontRef idx="minor">
+        <a:schemeClr val="lt1"/>
+      </a:fontRef>
+    </dgm:style>
+  </dgm:styleLbl>
+  <dgm:styleLbl name="sibTrans1D1">
+    <dgm:scene3d>
+      <a:camera prst="orthographicFront"/>
+      <a:lightRig rig="threePt" dir="t"/>
+    </dgm:scene3d>
+    <dgm:sp3d/>
+    <dgm:txPr/>
+    <dgm:style>
+      <a:lnRef idx="1">
+        <a:scrgbClr r="0" g="0" b="0"/>
+      </a:lnRef>
+      <a:fillRef idx="0">
+        <a:scrgbClr r="0" g="0" b="0"/>
+      </a:fillRef>
+      <a:effectRef idx="0">
+        <a:scrgbClr r="0" g="0" b="0"/>
+      </a:effectRef>
+      <a:fontRef idx="minor"/>
+    </dgm:style>
+  </dgm:styleLbl>
+  <dgm:styleLbl name="callout">
+    <dgm:scene3d>
+      <a:camera prst="orthographicFront"/>
+      <a:lightRig rig="threePt" dir="t"/>
+    </dgm:scene3d>
+    <dgm:sp3d/>
+    <dgm:txPr/>
+    <dgm:style>
+      <a:lnRef idx="2">
+        <a:scrgbClr r="0" g="0" b="0"/>
+      </a:lnRef>
+      <a:fillRef idx="1">
+        <a:scrgbClr r="0" g="0" b="0"/>
+      </a:fillRef>
+      <a:effectRef idx="0">
+        <a:scrgbClr r="0" g="0" b="0"/>
+      </a:effectRef>
+      <a:fontRef idx="minor"/>
+    </dgm:style>
+  </dgm:styleLbl>
+  <dgm:styleLbl name="asst0">
+    <dgm:scene3d>
+      <a:camera prst="orthographicFront"/>
+      <a:lightRig rig="threePt" dir="t"/>
+    </dgm:scene3d>
+    <dgm:sp3d/>
+    <dgm:txPr/>
+    <dgm:style>
+      <a:lnRef idx="2">
+        <a:scrgbClr r="0" g="0" b="0"/>
+      </a:lnRef>
+      <a:fillRef idx="1">
+        <a:scrgbClr r="0" g="0" b="0"/>
+      </a:fillRef>
+      <a:effectRef idx="0">
+        <a:scrgbClr r="0" g="0" b="0"/>
+      </a:effectRef>
+      <a:fontRef idx="minor">
+        <a:schemeClr val="lt1"/>
+      </a:fontRef>
+    </dgm:style>
+  </dgm:styleLbl>
+  <dgm:styleLbl name="asst1">
+    <dgm:scene3d>
+      <a:camera prst="orthographicFront"/>
+      <a:lightRig rig="threePt" dir="t"/>
+    </dgm:scene3d>
+    <dgm:sp3d/>
+    <dgm:txPr/>
+    <dgm:style>
+      <a:lnRef idx="2">
+        <a:scrgbClr r="0" g="0" b="0"/>
+      </a:lnRef>
+      <a:fillRef idx="1">
+        <a:scrgbClr r="0" g="0" b="0"/>
+      </a:fillRef>
+      <a:effectRef idx="0">
+        <a:scrgbClr r="0" g="0" b="0"/>
+      </a:effectRef>
+      <a:fontRef idx="minor">
+        <a:schemeClr val="lt1"/>
+      </a:fontRef>
+    </dgm:style>
+  </dgm:styleLbl>
+  <dgm:styleLbl name="asst2">
+    <dgm:scene3d>
+      <a:camera prst="orthographicFront"/>
+      <a:lightRig rig="threePt" dir="t"/>
+    </dgm:scene3d>
+    <dgm:sp3d/>
+    <dgm:txPr/>
+    <dgm:style>
+      <a:lnRef idx="2">
+        <a:scrgbClr r="0" g="0" b="0"/>
+      </a:lnRef>
+      <a:fillRef idx="1">
+        <a:scrgbClr r="0" g="0" b="0"/>
+      </a:fillRef>
+      <a:effectRef idx="0">
+        <a:scrgbClr r="0" g="0" b="0"/>
+      </a:effectRef>
+      <a:fontRef idx="minor">
+        <a:schemeClr val="lt1"/>
+      </a:fontRef>
+    </dgm:style>
+  </dgm:styleLbl>
+  <dgm:styleLbl name="asst3">
+    <dgm:scene3d>
+      <a:camera prst="orthographicFront"/>
+      <a:lightRig rig="threePt" dir="t"/>
+    </dgm:scene3d>
+    <dgm:sp3d/>
+    <dgm:txPr/>
+    <dgm:style>
+      <a:lnRef idx="2">
+        <a:scrgbClr r="0" g="0" b="0"/>
+      </a:lnRef>
+      <a:fillRef idx="1">
+        <a:scrgbClr r="0" g="0" b="0"/>
+      </a:fillRef>
+      <a:effectRef idx="0">
+        <a:scrgbClr r="0" g="0" b="0"/>
+      </a:effectRef>
+      <a:fontRef idx="minor">
+        <a:schemeClr val="lt1"/>
+      </a:fontRef>
+    </dgm:style>
+  </dgm:styleLbl>
+  <dgm:styleLbl name="asst4">
+    <dgm:scene3d>
+      <a:camera prst="orthographicFront"/>
+      <a:lightRig rig="threePt" dir="t"/>
+    </dgm:scene3d>
+    <dgm:sp3d/>
+    <dgm:txPr/>
+    <dgm:style>
+      <a:lnRef idx="2">
+        <a:scrgbClr r="0" g="0" b="0"/>
+      </a:lnRef>
+      <a:fillRef idx="1">
+        <a:scrgbClr r="0" g="0" b="0"/>
+      </a:fillRef>
+      <a:effectRef idx="0">
+        <a:scrgbClr r="0" g="0" b="0"/>
+      </a:effectRef>
+      <a:fontRef idx="minor">
+        <a:schemeClr val="lt1"/>
+      </a:fontRef>
+    </dgm:style>
+  </dgm:styleLbl>
+  <dgm:styleLbl name="parChTrans2D1">
+    <dgm:scene3d>
+      <a:camera prst="orthographicFront"/>
+      <a:lightRig rig="threePt" dir="t"/>
+    </dgm:scene3d>
+    <dgm:sp3d/>
+    <dgm:txPr/>
+    <dgm:style>
+      <a:lnRef idx="2">
+        <a:scrgbClr r="0" g="0" b="0"/>
+      </a:lnRef>
+      <a:fillRef idx="1">
+        <a:scrgbClr r="0" g="0" b="0"/>
+      </a:fillRef>
+      <a:effectRef idx="0">
+        <a:scrgbClr r="0" g="0" b="0"/>
+      </a:effectRef>
+      <a:fontRef idx="minor">
+        <a:schemeClr val="lt1"/>
+      </a:fontRef>
+    </dgm:style>
+  </dgm:styleLbl>
+  <dgm:styleLbl name="parChTrans2D2">
+    <dgm:scene3d>
+      <a:camera prst="orthographicFront"/>
+      <a:lightRig rig="threePt" dir="t"/>
+    </dgm:scene3d>
+    <dgm:sp3d/>
+    <dgm:txPr/>
+    <dgm:style>
+      <a:lnRef idx="2">
+        <a:scrgbClr r="0" g="0" b="0"/>
+      </a:lnRef>
+      <a:fillRef idx="1">
+        <a:scrgbClr r="0" g="0" b="0"/>
+      </a:fillRef>
+      <a:effectRef idx="0">
+        <a:scrgbClr r="0" g="0" b="0"/>
+      </a:effectRef>
+      <a:fontRef idx="minor">
+        <a:schemeClr val="lt1"/>
+      </a:fontRef>
+    </dgm:style>
+  </dgm:styleLbl>
+  <dgm:styleLbl name="parChTrans2D3">
+    <dgm:scene3d>
+      <a:camera prst="orthographicFront"/>
+      <a:lightRig rig="threePt" dir="t"/>
+    </dgm:scene3d>
+    <dgm:sp3d/>
+    <dgm:txPr/>
+    <dgm:style>
+      <a:lnRef idx="2">
+        <a:scrgbClr r="0" g="0" b="0"/>
+      </a:lnRef>
+      <a:fillRef idx="1">
+        <a:scrgbClr r="0" g="0" b="0"/>
+      </a:fillRef>
+      <a:effectRef idx="0">
+        <a:scrgbClr r="0" g="0" b="0"/>
+      </a:effectRef>
+      <a:fontRef idx="minor">
+        <a:schemeClr val="lt1"/>
+      </a:fontRef>
+    </dgm:style>
+  </dgm:styleLbl>
+  <dgm:styleLbl name="parChTrans2D4">
+    <dgm:scene3d>
+      <a:camera prst="orthographicFront"/>
+      <a:lightRig rig="threePt" dir="t"/>
+    </dgm:scene3d>
+    <dgm:sp3d/>
+    <dgm:txPr/>
+    <dgm:style>
+      <a:lnRef idx="2">
+        <a:scrgbClr r="0" g="0" b="0"/>
+      </a:lnRef>
+      <a:fillRef idx="1">
+        <a:scrgbClr r="0" g="0" b="0"/>
+      </a:fillRef>
+      <a:effectRef idx="0">
+        <a:scrgbClr r="0" g="0" b="0"/>
+      </a:effectRef>
+      <a:fontRef idx="minor">
+        <a:schemeClr val="lt1"/>
+      </a:fontRef>
+    </dgm:style>
+  </dgm:styleLbl>
+  <dgm:styleLbl name="parChTrans1D1">
+    <dgm:scene3d>
+      <a:camera prst="orthographicFront"/>
+      <a:lightRig rig="threePt" dir="t"/>
+    </dgm:scene3d>
+    <dgm:sp3d/>
+    <dgm:txPr/>
+    <dgm:style>
+      <a:lnRef idx="2">
+        <a:scrgbClr r="0" g="0" b="0"/>
+      </a:lnRef>
+      <a:fillRef idx="0">
+        <a:scrgbClr r="0" g="0" b="0"/>
+      </a:fillRef>
+      <a:effectRef idx="0">
+        <a:scrgbClr r="0" g="0" b="0"/>
+      </a:effectRef>
+      <a:fontRef idx="minor"/>
+    </dgm:style>
+  </dgm:styleLbl>
+  <dgm:styleLbl name="parChTrans1D2">
+    <dgm:scene3d>
+      <a:camera prst="orthographicFront"/>
+      <a:lightRig rig="threePt" dir="t"/>
+    </dgm:scene3d>
+    <dgm:sp3d/>
+    <dgm:txPr/>
+    <dgm:style>
+      <a:lnRef idx="2">
+        <a:scrgbClr r="0" g="0" b="0"/>
+      </a:lnRef>
+      <a:fillRef idx="0">
+        <a:scrgbClr r="0" g="0" b="0"/>
+      </a:fillRef>
+      <a:effectRef idx="0">
+        <a:scrgbClr r="0" g="0" b="0"/>
+      </a:effectRef>
+      <a:fontRef idx="minor"/>
+    </dgm:style>
+  </dgm:styleLbl>
+  <dgm:styleLbl name="parChTrans1D3">
+    <dgm:scene3d>
+      <a:camera prst="orthographicFront"/>
+      <a:lightRig rig="threePt" dir="t"/>
+    </dgm:scene3d>
+    <dgm:sp3d/>
+    <dgm:txPr/>
+    <dgm:style>
+      <a:lnRef idx="2">
+        <a:scrgbClr r="0" g="0" b="0"/>
+      </a:lnRef>
+      <a:fillRef idx="0">
+        <a:scrgbClr r="0" g="0" b="0"/>
+      </a:fillRef>
+      <a:effectRef idx="0">
+        <a:scrgbClr r="0" g="0" b="0"/>
+      </a:effectRef>
+      <a:fontRef idx="minor"/>
+    </dgm:style>
+  </dgm:styleLbl>
+  <dgm:styleLbl name="parChTrans1D4">
+    <dgm:scene3d>
+      <a:camera prst="orthographicFront"/>
+      <a:lightRig rig="threePt" dir="t"/>
+    </dgm:scene3d>
+    <dgm:sp3d/>
+    <dgm:txPr/>
+    <dgm:style>
+      <a:lnRef idx="2">
+        <a:scrgbClr r="0" g="0" b="0"/>
+      </a:lnRef>
+      <a:fillRef idx="0">
+        <a:scrgbClr r="0" g="0" b="0"/>
+      </a:fillRef>
+      <a:effectRef idx="0">
+        <a:scrgbClr r="0" g="0" b="0"/>
+      </a:effectRef>
+      <a:fontRef idx="minor"/>
+    </dgm:style>
+  </dgm:styleLbl>
+  <dgm:styleLbl name="fgAcc1">
+    <dgm:scene3d>
+      <a:camera prst="orthographicFront"/>
+      <a:lightRig rig="threePt" dir="t"/>
+    </dgm:scene3d>
+    <dgm:sp3d/>
+    <dgm:txPr/>
+    <dgm:style>
+      <a:lnRef idx="2">
+        <a:scrgbClr r="0" g="0" b="0"/>
+      </a:lnRef>
+      <a:fillRef idx="1">
+        <a:scrgbClr r="0" g="0" b="0"/>
+      </a:fillRef>
+      <a:effectRef idx="0">
+        <a:scrgbClr r="0" g="0" b="0"/>
+      </a:effectRef>
+      <a:fontRef idx="minor"/>
+    </dgm:style>
+  </dgm:styleLbl>
+  <dgm:styleLbl name="conFgAcc1">
+    <dgm:scene3d>
+      <a:camera prst="orthographicFront"/>
+      <a:lightRig rig="threePt" dir="t"/>
+    </dgm:scene3d>
+    <dgm:sp3d/>
+    <dgm:txPr/>
+    <dgm:style>
+      <a:lnRef idx="2">
+        <a:scrgbClr r="0" g="0" b="0"/>
+      </a:lnRef>
+      <a:fillRef idx="1">
+        <a:scrgbClr r="0" g="0" b="0"/>
+      </a:fillRef>
+      <a:effectRef idx="0">
+        <a:scrgbClr r="0" g="0" b="0"/>
+      </a:effectRef>
+      <a:fontRef idx="minor"/>
+    </dgm:style>
+  </dgm:styleLbl>
+  <dgm:styleLbl name="alignAcc1">
+    <dgm:scene3d>
+      <a:camera prst="orthographicFront"/>
+      <a:lightRig rig="threePt" dir="t"/>
+    </dgm:scene3d>
+    <dgm:sp3d/>
+    <dgm:txPr/>
+    <dgm:style>
+      <a:lnRef idx="2">
+        <a:scrgbClr r="0" g="0" b="0"/>
+      </a:lnRef>
+      <a:fillRef idx="1">
+        <a:scrgbClr r="0" g="0" b="0"/>
+      </a:fillRef>
+      <a:effectRef idx="0">
+        <a:scrgbClr r="0" g="0" b="0"/>
+      </a:effectRef>
+      <a:fontRef idx="minor"/>
+    </dgm:style>
+  </dgm:styleLbl>
+  <dgm:styleLbl name="trAlignAcc1">
+    <dgm:scene3d>
+      <a:camera prst="orthographicFront"/>
+      <a:lightRig rig="threePt" dir="t"/>
+    </dgm:scene3d>
+    <dgm:sp3d/>
+    <dgm:txPr/>
+    <dgm:style>
+      <a:lnRef idx="1">
+        <a:scrgbClr r="0" g="0" b="0"/>
+      </a:lnRef>
+      <a:fillRef idx="1">
+        <a:scrgbClr r="0" g="0" b="0"/>
+      </a:fillRef>
+      <a:effectRef idx="0">
+        <a:scrgbClr r="0" g="0" b="0"/>
+      </a:effectRef>
+      <a:fontRef idx="minor"/>
+    </dgm:style>
+  </dgm:styleLbl>
+  <dgm:styleLbl name="bgAcc1">
+    <dgm:scene3d>
+      <a:camera prst="orthographicFront"/>
+      <a:lightRig rig="threePt" dir="t"/>
+    </dgm:scene3d>
+    <dgm:sp3d/>
+    <dgm:txPr/>
+    <dgm:style>
+      <a:lnRef idx="2">
+        <a:scrgbClr r="0" g="0" b="0"/>
+      </a:lnRef>
+      <a:fillRef idx="1">
+        <a:scrgbClr r="0" g="0" b="0"/>
+      </a:fillRef>
+      <a:effectRef idx="0">
+        <a:scrgbClr r="0" g="0" b="0"/>
+      </a:effectRef>
+      <a:fontRef idx="minor"/>
+    </dgm:style>
+  </dgm:styleLbl>
+  <dgm:styleLbl name="solidFgAcc1">
+    <dgm:scene3d>
+      <a:camera prst="orthographicFront"/>
+      <a:lightRig rig="threePt" dir="t"/>
+    </dgm:scene3d>
+    <dgm:sp3d/>
+    <dgm:txPr/>
+    <dgm:style>
+      <a:lnRef idx="2">
+        <a:scrgbClr r="0" g="0" b="0"/>
+      </a:lnRef>
+      <a:fillRef idx="1">
+        <a:scrgbClr r="0" g="0" b="0"/>
+      </a:fillRef>
+      <a:effectRef idx="0">
+        <a:scrgbClr r="0" g="0" b="0"/>
+      </a:effectRef>
+      <a:fontRef idx="minor"/>
+    </dgm:style>
+  </dgm:styleLbl>
+  <dgm:styleLbl name="solidAlignAcc1">
+    <dgm:scene3d>
+      <a:camera prst="orthographicFront"/>
+      <a:lightRig rig="threePt" dir="t"/>
+    </dgm:scene3d>
+    <dgm:sp3d/>
+    <dgm:txPr/>
+    <dgm:style>
+      <a:lnRef idx="2">
+        <a:scrgbClr r="0" g="0" b="0"/>
+      </a:lnRef>
+      <a:fillRef idx="1">
+        <a:scrgbClr r="0" g="0" b="0"/>
+      </a:fillRef>
+      <a:effectRef idx="0">
+        <a:scrgbClr r="0" g="0" b="0"/>
+      </a:effectRef>
+      <a:fontRef idx="minor"/>
+    </dgm:style>
+  </dgm:styleLbl>
+  <dgm:styleLbl name="solidBgAcc1">
+    <dgm:scene3d>
+      <a:camera prst="orthographicFront"/>
+      <a:lightRig rig="threePt" dir="t"/>
+    </dgm:scene3d>
+    <dgm:sp3d/>
+    <dgm:txPr/>
+    <dgm:style>
+      <a:lnRef idx="2">
+        <a:scrgbClr r="0" g="0" b="0"/>
+      </a:lnRef>
+      <a:fillRef idx="1">
+        <a:scrgbClr r="0" g="0" b="0"/>
+      </a:fillRef>
+      <a:effectRef idx="0">
+        <a:scrgbClr r="0" g="0" b="0"/>
+      </a:effectRef>
+      <a:fontRef idx="minor"/>
+    </dgm:style>
+  </dgm:styleLbl>
+  <dgm:styleLbl name="fgAccFollowNode1">
+    <dgm:scene3d>
+      <a:camera prst="orthographicFront"/>
+      <a:lightRig rig="threePt" dir="t"/>
+    </dgm:scene3d>
+    <dgm:sp3d/>
+    <dgm:txPr/>
+    <dgm:style>
+      <a:lnRef idx="2">
+        <a:scrgbClr r="0" g="0" b="0"/>
+      </a:lnRef>
+      <a:fillRef idx="1">
+        <a:scrgbClr r="0" g="0" b="0"/>
+      </a:fillRef>
+      <a:effectRef idx="0">
+        <a:scrgbClr r="0" g="0" b="0"/>
+      </a:effectRef>
+      <a:fontRef idx="minor"/>
+    </dgm:style>
+  </dgm:styleLbl>
+  <dgm:styleLbl name="alignAccFollowNode1">
+    <dgm:scene3d>
+      <a:camera prst="orthographicFront"/>
+      <a:lightRig rig="threePt" dir="t"/>
+    </dgm:scene3d>
+    <dgm:sp3d/>
+    <dgm:txPr/>
+    <dgm:style>
+      <a:lnRef idx="2">
+        <a:scrgbClr r="0" g="0" b="0"/>
+      </a:lnRef>
+      <a:fillRef idx="1">
+        <a:scrgbClr r="0" g="0" b="0"/>
+      </a:fillRef>
+      <a:effectRef idx="0">
+        <a:scrgbClr r="0" g="0" b="0"/>
+      </a:effectRef>
+      <a:fontRef idx="minor"/>
+    </dgm:style>
+  </dgm:styleLbl>
+  <dgm:styleLbl name="bgAccFollowNode1">
+    <dgm:scene3d>
+      <a:camera prst="orthographicFront"/>
+      <a:lightRig rig="threePt" dir="t"/>
+    </dgm:scene3d>
+    <dgm:sp3d/>
+    <dgm:txPr/>
+    <dgm:style>
+      <a:lnRef idx="2">
+        <a:scrgbClr r="0" g="0" b="0"/>
+      </a:lnRef>
+      <a:fillRef idx="1">
+        <a:scrgbClr r="0" g="0" b="0"/>
+      </a:fillRef>
+      <a:effectRef idx="0">
+        <a:scrgbClr r="0" g="0" b="0"/>
+      </a:effectRef>
+      <a:fontRef idx="minor"/>
+    </dgm:style>
+  </dgm:styleLbl>
+  <dgm:styleLbl name="fgAcc0">
+    <dgm:scene3d>
+      <a:camera prst="orthographicFront"/>
+      <a:lightRig rig="threePt" dir="t"/>
+    </dgm:scene3d>
+    <dgm:sp3d/>
+    <dgm:txPr/>
+    <dgm:style>
+      <a:lnRef idx="2">
+        <a:scrgbClr r="0" g="0" b="0"/>
+      </a:lnRef>
+      <a:fillRef idx="1">
+        <a:scrgbClr r="0" g="0" b="0"/>
+      </a:fillRef>
+      <a:effectRef idx="0">
+        <a:scrgbClr r="0" g="0" b="0"/>
+      </a:effectRef>
+      <a:fontRef idx="minor"/>
+    </dgm:style>
+  </dgm:styleLbl>
+  <dgm:styleLbl name="fgAcc2">
+    <dgm:scene3d>
+      <a:camera prst="orthographicFront"/>
+      <a:lightRig rig="threePt" dir="t"/>
+    </dgm:scene3d>
+    <dgm:sp3d/>
+    <dgm:txPr/>
+    <dgm:style>
+      <a:lnRef idx="2">
+        <a:scrgbClr r="0" g="0" b="0"/>
+      </a:lnRef>
+      <a:fillRef idx="1">
+        <a:scrgbClr r="0" g="0" b="0"/>
+      </a:fillRef>
+      <a:effectRef idx="0">
+        <a:scrgbClr r="0" g="0" b="0"/>
+      </a:effectRef>
+      <a:fontRef idx="minor"/>
+    </dgm:style>
+  </dgm:styleLbl>
+  <dgm:styleLbl name="fgAcc3">
+    <dgm:scene3d>
+      <a:camera prst="orthographicFront"/>
+      <a:lightRig rig="threePt" dir="t"/>
+    </dgm:scene3d>
+    <dgm:sp3d/>
+    <dgm:txPr/>
+    <dgm:style>
+      <a:lnRef idx="2">
+        <a:scrgbClr r="0" g="0" b="0"/>
+      </a:lnRef>
+      <a:fillRef idx="1">
+        <a:scrgbClr r="0" g="0" b="0"/>
+      </a:fillRef>
+      <a:effectRef idx="0">
+        <a:scrgbClr r="0" g="0" b="0"/>
+      </a:effectRef>
+      <a:fontRef idx="minor"/>
+    </dgm:style>
+  </dgm:styleLbl>
+  <dgm:styleLbl name="fgAcc4">
+    <dgm:scene3d>
+      <a:camera prst="orthographicFront"/>
+      <a:lightRig rig="threePt" dir="t"/>
+    </dgm:scene3d>
+    <dgm:sp3d/>
+    <dgm:txPr/>
+    <dgm:style>
+      <a:lnRef idx="2">
+        <a:scrgbClr r="0" g="0" b="0"/>
+      </a:lnRef>
+      <a:fillRef idx="1">
+        <a:scrgbClr r="0" g="0" b="0"/>
+      </a:fillRef>
+      <a:effectRef idx="0">
+        <a:scrgbClr r="0" g="0" b="0"/>
+      </a:effectRef>
+      <a:fontRef idx="minor"/>
+    </dgm:style>
+  </dgm:styleLbl>
+  <dgm:styleLbl name="bgShp">
+    <dgm:scene3d>
+      <a:camera prst="orthographicFront"/>
+      <a:lightRig rig="threePt" dir="t"/>
+    </dgm:scene3d>
+    <dgm:sp3d/>
+    <dgm:txPr/>
+    <dgm:style>
+      <a:lnRef idx="0">
+        <a:scrgbClr r="0" g="0" b="0"/>
+      </a:lnRef>
+      <a:fillRef idx="1">
+        <a:scrgbClr r="0" g="0" b="0"/>
+      </a:fillRef>
+      <a:effectRef idx="0">
+        <a:scrgbClr r="0" g="0" b="0"/>
+      </a:effectRef>
+      <a:fontRef idx="minor"/>
+    </dgm:style>
+  </dgm:styleLbl>
+  <dgm:styleLbl name="dkBgShp">
+    <dgm:scene3d>
+      <a:camera prst="orthographicFront"/>
+      <a:lightRig rig="threePt" dir="t"/>
+    </dgm:scene3d>
+    <dgm:sp3d/>
+    <dgm:txPr/>
+    <dgm:style>
+      <a:lnRef idx="0">
+        <a:scrgbClr r="0" g="0" b="0"/>
+      </a:lnRef>
+      <a:fillRef idx="1">
+        <a:scrgbClr r="0" g="0" b="0"/>
+      </a:fillRef>
+      <a:effectRef idx="0">
+        <a:scrgbClr r="0" g="0" b="0"/>
+      </a:effectRef>
+      <a:fontRef idx="minor"/>
+    </dgm:style>
+  </dgm:styleLbl>
+  <dgm:styleLbl name="trBgShp">
+    <dgm:scene3d>
+      <a:camera prst="orthographicFront"/>
+      <a:lightRig rig="threePt" dir="t"/>
+    </dgm:scene3d>
+    <dgm:sp3d/>
+    <dgm:txPr/>
+    <dgm:style>
+      <a:lnRef idx="0">
+        <a:scrgbClr r="0" g="0" b="0"/>
+      </a:lnRef>
+      <a:fillRef idx="1">
+        <a:scrgbClr r="0" g="0" b="0"/>
+      </a:fillRef>
+      <a:effectRef idx="0">
+        <a:scrgbClr r="0" g="0" b="0"/>
+      </a:effectRef>
+      <a:fontRef idx="minor"/>
+    </dgm:style>
+  </dgm:styleLbl>
+  <dgm:styleLbl name="fgShp">
+    <dgm:scene3d>
+      <a:camera prst="orthographicFront"/>
+      <a:lightRig rig="threePt" dir="t"/>
+    </dgm:scene3d>
+    <dgm:sp3d/>
+    <dgm:txPr/>
+    <dgm:style>
+      <a:lnRef idx="2">
+        <a:scrgbClr r="0" g="0" b="0"/>
+      </a:lnRef>
+      <a:fillRef idx="1">
+        <a:scrgbClr r="0" g="0" b="0"/>
+      </a:fillRef>
+      <a:effectRef idx="0">
+        <a:scrgbClr r="0" g="0" b="0"/>
+      </a:effectRef>
+      <a:fontRef idx="minor"/>
+    </dgm:style>
+  </dgm:styleLbl>
+  <dgm:styleLbl name="revTx">
+    <dgm:scene3d>
+      <a:camera prst="orthographicFront"/>
+      <a:lightRig rig="threePt" dir="t"/>
+    </dgm:scene3d>
+    <dgm:sp3d/>
+    <dgm:txPr/>
+    <dgm:style>
+      <a:lnRef idx="0">
+        <a:scrgbClr r="0" g="0" b="0"/>
+      </a:lnRef>
+      <a:fillRef idx="0">
+        <a:scrgbClr r="0" g="0" b="0"/>
+      </a:fillRef>
+      <a:effectRef idx="0">
+        <a:scrgbClr r="0" g="0" b="0"/>
+      </a:effectRef>
+      <a:fontRef idx="minor"/>
+    </dgm:style>
+  </dgm:styleLbl>
+</dgm:styleDef>
+</file>
+
 <file path=ppt/handoutMasters/handoutMaster1.xml><?xml version="1.0" encoding="utf-8"?>
 <p:handoutMaster xmlns:a="http://schemas.openxmlformats.org/drawingml/2006/main" xmlns:r="http://schemas.openxmlformats.org/officeDocument/2006/relationships" xmlns:p="http://schemas.openxmlformats.org/presentationml/2006/main">
   <p:cSld>
@@ -220,7 +6297,7 @@
           <a:p>
             <a:fld id="{72144539-BE40-4D76-BE24-73DA343E3F8A}" type="datetimeFigureOut">
               <a:rPr lang="de-DE" smtClean="0"/>
-              <a:t>06.05.2025</a:t>
+              <a:t>08.05.2025</a:t>
             </a:fld>
             <a:endParaRPr lang="de-DE"/>
           </a:p>
@@ -298,7 +6375,7 @@
           <a:p>
             <a:fld id="{AAFE627C-7C34-4443-AA3A-CB9806E781BA}" type="slidenum">
               <a:rPr lang="de-DE" smtClean="0"/>
-              <a:t>‹#›</a:t>
+              <a:t>‹Nr.›</a:t>
             </a:fld>
             <a:endParaRPr lang="de-DE"/>
           </a:p>
@@ -397,7 +6474,7 @@
           <a:p>
             <a:fld id="{9BEB229A-CF15-496D-915A-3C3AC47BA8F3}" type="datetimeFigureOut">
               <a:rPr lang="de-DE" smtClean="0"/>
-              <a:t>06.05.2025</a:t>
+              <a:t>08.05.2025</a:t>
             </a:fld>
             <a:endParaRPr lang="de-DE"/>
           </a:p>
@@ -555,7 +6632,7 @@
           <a:p>
             <a:fld id="{33FFE915-6F63-475F-AEF3-292EDAD54A09}" type="slidenum">
               <a:rPr lang="de-DE" smtClean="0"/>
-              <a:t>‹#›</a:t>
+              <a:t>‹Nr.›</a:t>
             </a:fld>
             <a:endParaRPr lang="de-DE"/>
           </a:p>
@@ -2631,7 +8708,7 @@
                   <a:schemeClr val="bg1"/>
                 </a:solidFill>
               </a:rPr>
-              <a:t>‹#›</a:t>
+              <a:t>‹Nr.›</a:t>
             </a:fld>
             <a:r>
               <a:rPr lang="de-DE" sz="900" b="1" spc="20" baseline="0" dirty="0">
@@ -2784,7 +8861,7 @@
                   <a:schemeClr val="bg1"/>
                 </a:solidFill>
               </a:rPr>
-              <a:t>06.05.2025</a:t>
+              <a:t>08.05.2025</a:t>
             </a:fld>
             <a:endParaRPr lang="de-DE" sz="900" b="0" spc="20" baseline="0" dirty="0">
               <a:solidFill>
@@ -3332,6 +9409,42 @@
       </p:grpSpPr>
       <p:sp>
         <p:nvSpPr>
+          <p:cNvPr id="2" name="Titel 1">
+            <a:extLst>
+              <a:ext uri="{FF2B5EF4-FFF2-40B4-BE49-F238E27FC236}">
+                <a16:creationId xmlns:a16="http://schemas.microsoft.com/office/drawing/2014/main" id="{3562EEAE-9B60-F4B5-5C6E-5AF4EFE84854}"/>
+              </a:ext>
+            </a:extLst>
+          </p:cNvPr>
+          <p:cNvSpPr>
+            <a:spLocks noGrp="1"/>
+          </p:cNvSpPr>
+          <p:nvPr>
+            <p:ph type="title"/>
+          </p:nvPr>
+        </p:nvSpPr>
+        <p:spPr>
+          <a:xfrm>
+            <a:off x="2062921" y="938374"/>
+            <a:ext cx="8605080" cy="438398"/>
+          </a:xfrm>
+        </p:spPr>
+        <p:txBody>
+          <a:bodyPr anchor="t">
+            <a:normAutofit/>
+          </a:bodyPr>
+          <a:lstStyle/>
+          <a:p>
+            <a:r>
+              <a:rPr lang="de-DE" dirty="0" err="1"/>
+              <a:t>Introduction</a:t>
+            </a:r>
+            <a:endParaRPr lang="de-DE" dirty="0"/>
+          </a:p>
+        </p:txBody>
+      </p:sp>
+      <p:sp>
+        <p:nvSpPr>
           <p:cNvPr id="3" name="Inhaltsplatzhalter 2">
             <a:extLst>
               <a:ext uri="{FF2B5EF4-FFF2-40B4-BE49-F238E27FC236}">
@@ -3346,9 +9459,16 @@
             <p:ph sz="half" idx="1"/>
           </p:nvPr>
         </p:nvSpPr>
-        <p:spPr/>
+        <p:spPr>
+          <a:xfrm>
+            <a:off x="2063750" y="1557338"/>
+            <a:ext cx="4104000" cy="4608513"/>
+          </a:xfrm>
+        </p:spPr>
         <p:txBody>
-          <a:bodyPr/>
+          <a:bodyPr anchor="t">
+            <a:normAutofit/>
+          </a:bodyPr>
           <a:lstStyle/>
           <a:p>
             <a:pPr rtl="0">
@@ -3395,72 +9515,83 @@
             </a:pPr>
             <a:r>
               <a:rPr lang="en-US" dirty="0"/>
-              <a:t>Privacy concerns</a:t>
-            </a:r>
-          </a:p>
-          <a:p>
-            <a:pPr marL="742950" lvl="1" indent="-285750" rtl="0">
-              <a:buFont typeface="Arial" panose="020B0604020202020204" pitchFamily="34" charset="0"/>
-              <a:buChar char="•"/>
-            </a:pPr>
-            <a:r>
-              <a:rPr lang="en-US" dirty="0"/>
               <a:t>Accessibility barriers</a:t>
             </a:r>
           </a:p>
         </p:txBody>
       </p:sp>
-      <p:sp>
-        <p:nvSpPr>
-          <p:cNvPr id="14" name="Bildplatzhalter 13">
+      <p:pic>
+        <p:nvPicPr>
+          <p:cNvPr id="5" name="Content Placeholder 4" descr="A screenshot of a phone&#10;&#10;AI-generated content may be incorrect.">
             <a:extLst>
               <a:ext uri="{FF2B5EF4-FFF2-40B4-BE49-F238E27FC236}">
-                <a16:creationId xmlns:a16="http://schemas.microsoft.com/office/drawing/2014/main" id="{95D991CA-5B5C-2F3E-06EA-A30FEFA54E3F}"/>
+                <a16:creationId xmlns:a16="http://schemas.microsoft.com/office/drawing/2014/main" id="{ABE8AB3A-C263-DBCB-C626-25F9BDE2EAD9}"/>
               </a:ext>
             </a:extLst>
           </p:cNvPr>
-          <p:cNvSpPr>
-            <a:spLocks noGrp="1"/>
-          </p:cNvSpPr>
+          <p:cNvPicPr>
+            <a:picLocks noGrp="1" noChangeAspect="1"/>
+          </p:cNvPicPr>
           <p:nvPr>
-            <p:ph type="pic" sz="quarter" idx="11"/>
+            <p:ph sz="half" idx="2"/>
           </p:nvPr>
-        </p:nvSpPr>
-        <p:spPr/>
-        <p:txBody>
-          <a:bodyPr/>
-          <a:lstStyle/>
-          <a:p>
-            <a:endParaRPr lang="en-US"/>
-          </a:p>
-        </p:txBody>
-      </p:sp>
+        </p:nvPicPr>
+        <p:blipFill>
+          <a:blip r:embed="rId2">
+            <a:extLst>
+              <a:ext uri="{28A0092B-C50C-407E-A947-70E740481C1C}">
+                <a14:useLocalDpi xmlns:a14="http://schemas.microsoft.com/office/drawing/2010/main" val="0"/>
+              </a:ext>
+            </a:extLst>
+          </a:blip>
+          <a:stretch>
+            <a:fillRect/>
+          </a:stretch>
+        </p:blipFill>
+        <p:spPr>
+          <a:xfrm>
+            <a:off x="6958575" y="1737222"/>
+            <a:ext cx="3315163" cy="4248743"/>
+          </a:xfrm>
+        </p:spPr>
+      </p:pic>
       <p:sp>
         <p:nvSpPr>
-          <p:cNvPr id="2" name="Titel 1">
+          <p:cNvPr id="6" name="TextBox 5">
             <a:extLst>
               <a:ext uri="{FF2B5EF4-FFF2-40B4-BE49-F238E27FC236}">
-                <a16:creationId xmlns:a16="http://schemas.microsoft.com/office/drawing/2014/main" id="{3562EEAE-9B60-F4B5-5C6E-5AF4EFE84854}"/>
+                <a16:creationId xmlns:a16="http://schemas.microsoft.com/office/drawing/2014/main" id="{3E2393BA-A36A-CD44-5591-75BAA3900353}"/>
               </a:ext>
             </a:extLst>
           </p:cNvPr>
-          <p:cNvSpPr>
-            <a:spLocks noGrp="1"/>
-          </p:cNvSpPr>
-          <p:nvPr>
-            <p:ph type="title"/>
-          </p:nvPr>
+          <p:cNvSpPr txBox="1"/>
+          <p:nvPr/>
         </p:nvSpPr>
-        <p:spPr/>
+        <p:spPr>
+          <a:xfrm>
+            <a:off x="6958575" y="5985965"/>
+            <a:ext cx="3697487" cy="217239"/>
+          </a:xfrm>
+          <a:prstGeom prst="rect">
+            <a:avLst/>
+          </a:prstGeom>
+          <a:noFill/>
+        </p:spPr>
         <p:txBody>
-          <a:bodyPr/>
+          <a:bodyPr wrap="none" rtlCol="0">
+            <a:spAutoFit/>
+          </a:bodyPr>
           <a:lstStyle/>
           <a:p>
+            <a:pPr algn="l">
+              <a:lnSpc>
+                <a:spcPct val="110000"/>
+              </a:lnSpc>
+            </a:pPr>
             <a:r>
-              <a:rPr lang="de-DE" dirty="0" err="1"/>
-              <a:t>Introduction</a:t>
+              <a:rPr lang="en-US" sz="800" spc="30" dirty="0"/>
+              <a:t>https://gemeinsam.oldenburg.de/oldenburg/de/flawRep/54305/create?6</a:t>
             </a:r>
-            <a:endParaRPr lang="de-DE" dirty="0"/>
           </a:p>
         </p:txBody>
       </p:sp>
@@ -3478,6 +9609,372 @@
 </file>
 
 <file path=ppt/slides/slide3.xml><?xml version="1.0" encoding="utf-8"?>
+<p:sld xmlns:a="http://schemas.openxmlformats.org/drawingml/2006/main" xmlns:r="http://schemas.openxmlformats.org/officeDocument/2006/relationships" xmlns:p="http://schemas.openxmlformats.org/presentationml/2006/main">
+  <p:cSld>
+    <p:spTree>
+      <p:nvGrpSpPr>
+        <p:cNvPr id="1" name=""/>
+        <p:cNvGrpSpPr/>
+        <p:nvPr/>
+      </p:nvGrpSpPr>
+      <p:grpSpPr>
+        <a:xfrm>
+          <a:off x="0" y="0"/>
+          <a:ext cx="0" cy="0"/>
+          <a:chOff x="0" y="0"/>
+          <a:chExt cx="0" cy="0"/>
+        </a:xfrm>
+      </p:grpSpPr>
+      <p:sp>
+        <p:nvSpPr>
+          <p:cNvPr id="86" name="PlaceHolder 1"/>
+          <p:cNvSpPr>
+            <a:spLocks noGrp="1"/>
+          </p:cNvSpPr>
+          <p:nvPr>
+            <p:ph/>
+          </p:nvPr>
+        </p:nvSpPr>
+        <p:spPr>
+          <a:xfrm>
+            <a:off x="2063880" y="1557360"/>
+            <a:ext cx="8679960" cy="4607640"/>
+          </a:xfrm>
+          <a:prstGeom prst="rect">
+            <a:avLst/>
+          </a:prstGeom>
+          <a:noFill/>
+          <a:ln w="0">
+            <a:noFill/>
+          </a:ln>
+        </p:spPr>
+        <p:txBody>
+          <a:bodyPr lIns="0" tIns="0" rIns="0" bIns="0" anchor="t">
+            <a:noAutofit/>
+          </a:bodyPr>
+          <a:lstStyle/>
+          <a:p>
+            <a:pPr marL="225360" indent="-225360" defTabSz="914400">
+              <a:lnSpc>
+                <a:spcPct val="110000"/>
+              </a:lnSpc>
+              <a:spcAft>
+                <a:spcPts val="1800"/>
+              </a:spcAft>
+              <a:buClr>
+                <a:srgbClr val="000000"/>
+              </a:buClr>
+              <a:buFont typeface="Arial"/>
+              <a:buChar char="•"/>
+            </a:pPr>
+            <a:r>
+              <a:rPr lang="en-US" sz="1800" b="1" strike="noStrike" spc="26">
+                <a:solidFill>
+                  <a:schemeClr val="dk1"/>
+                </a:solidFill>
+                <a:latin typeface="Arial"/>
+              </a:rPr>
+              <a:t>Stakeholders</a:t>
+            </a:r>
+            <a:r>
+              <a:rPr lang="en-US" sz="1800" b="0" strike="noStrike" spc="26">
+                <a:solidFill>
+                  <a:schemeClr val="dk1"/>
+                </a:solidFill>
+                <a:latin typeface="Arial"/>
+              </a:rPr>
+              <a:t>: Who is actually acting on the reported issues? → some more investigation planned</a:t>
+            </a:r>
+            <a:endParaRPr lang="en-US" sz="1800" b="0" strike="noStrike" spc="-1">
+              <a:solidFill>
+                <a:srgbClr val="000000"/>
+              </a:solidFill>
+              <a:latin typeface="Arial"/>
+            </a:endParaRPr>
+          </a:p>
+          <a:p>
+            <a:pPr marL="225360" indent="-225360" defTabSz="914400">
+              <a:lnSpc>
+                <a:spcPct val="110000"/>
+              </a:lnSpc>
+              <a:spcAft>
+                <a:spcPts val="1800"/>
+              </a:spcAft>
+              <a:buClr>
+                <a:srgbClr val="000000"/>
+              </a:buClr>
+              <a:buFont typeface="Arial"/>
+              <a:buChar char="•"/>
+            </a:pPr>
+            <a:r>
+              <a:rPr lang="en-US" sz="1800" b="1" strike="noStrike" spc="26">
+                <a:solidFill>
+                  <a:schemeClr val="dk1"/>
+                </a:solidFill>
+                <a:latin typeface="Arial"/>
+              </a:rPr>
+              <a:t>Design Thinking</a:t>
+            </a:r>
+            <a:endParaRPr lang="en-US" sz="1800" b="0" strike="noStrike" spc="-1">
+              <a:solidFill>
+                <a:srgbClr val="000000"/>
+              </a:solidFill>
+              <a:latin typeface="Arial"/>
+            </a:endParaRPr>
+          </a:p>
+          <a:p>
+            <a:pPr marL="864000" lvl="1" indent="-324000" defTabSz="914400">
+              <a:lnSpc>
+                <a:spcPct val="110000"/>
+              </a:lnSpc>
+              <a:spcBef>
+                <a:spcPts val="1134"/>
+              </a:spcBef>
+              <a:buClr>
+                <a:srgbClr val="000000"/>
+              </a:buClr>
+              <a:buSzPct val="75000"/>
+              <a:buFont typeface="Symbol" charset="2"/>
+              <a:buChar char=""/>
+            </a:pPr>
+            <a:r>
+              <a:rPr lang="en-US" sz="1800" b="1" strike="noStrike" spc="26">
+                <a:solidFill>
+                  <a:schemeClr val="dk1"/>
+                </a:solidFill>
+                <a:latin typeface="Arial"/>
+              </a:rPr>
+              <a:t>User: </a:t>
+            </a:r>
+            <a:r>
+              <a:rPr lang="en-US" sz="1800" b="0" strike="noStrike" spc="26">
+                <a:solidFill>
+                  <a:schemeClr val="dk1"/>
+                </a:solidFill>
+                <a:latin typeface="Arial"/>
+              </a:rPr>
+              <a:t>People spotting issues in Oldenburg</a:t>
+            </a:r>
+            <a:endParaRPr lang="en-US" sz="1800" b="0" strike="noStrike" spc="-1">
+              <a:solidFill>
+                <a:srgbClr val="000000"/>
+              </a:solidFill>
+              <a:latin typeface="Arial"/>
+            </a:endParaRPr>
+          </a:p>
+          <a:p>
+            <a:pPr marL="864000" lvl="1" indent="-324000" defTabSz="914400">
+              <a:lnSpc>
+                <a:spcPct val="110000"/>
+              </a:lnSpc>
+              <a:spcBef>
+                <a:spcPts val="1134"/>
+              </a:spcBef>
+              <a:buClr>
+                <a:srgbClr val="000000"/>
+              </a:buClr>
+              <a:buSzPct val="75000"/>
+              <a:buFont typeface="Symbol" charset="2"/>
+              <a:buChar char=""/>
+            </a:pPr>
+            <a:r>
+              <a:rPr lang="en-US" sz="1800" b="1" strike="noStrike" spc="26">
+                <a:solidFill>
+                  <a:schemeClr val="dk1"/>
+                </a:solidFill>
+                <a:latin typeface="Arial"/>
+              </a:rPr>
+              <a:t>Need: </a:t>
+            </a:r>
+            <a:r>
+              <a:rPr lang="en-US" sz="1800" b="0" strike="noStrike" spc="26">
+                <a:solidFill>
+                  <a:schemeClr val="dk1"/>
+                </a:solidFill>
+                <a:latin typeface="Arial"/>
+              </a:rPr>
+              <a:t>stressful lives, need to have an easy way to communicate issues </a:t>
+            </a:r>
+            <a:endParaRPr lang="en-US" sz="1800" b="0" strike="noStrike" spc="-1">
+              <a:solidFill>
+                <a:srgbClr val="000000"/>
+              </a:solidFill>
+              <a:latin typeface="Arial"/>
+            </a:endParaRPr>
+          </a:p>
+          <a:p>
+            <a:pPr marL="864000" lvl="1" indent="-324000" defTabSz="914400">
+              <a:lnSpc>
+                <a:spcPct val="110000"/>
+              </a:lnSpc>
+              <a:spcBef>
+                <a:spcPts val="1134"/>
+              </a:spcBef>
+              <a:buClr>
+                <a:srgbClr val="000000"/>
+              </a:buClr>
+              <a:buSzPct val="75000"/>
+              <a:buFont typeface="Symbol" charset="2"/>
+              <a:buChar char=""/>
+            </a:pPr>
+            <a:r>
+              <a:rPr lang="en-US" sz="1800" b="1" strike="noStrike" spc="26">
+                <a:solidFill>
+                  <a:schemeClr val="dk1"/>
+                </a:solidFill>
+                <a:latin typeface="Arial"/>
+              </a:rPr>
+              <a:t>Insight</a:t>
+            </a:r>
+            <a:r>
+              <a:rPr lang="en-US" sz="1800" b="0" strike="noStrike" spc="26">
+                <a:solidFill>
+                  <a:schemeClr val="dk1"/>
+                </a:solidFill>
+                <a:latin typeface="Arial"/>
+              </a:rPr>
+              <a:t>: everybody has a smartphone in their pocket, categorization is confusing</a:t>
+            </a:r>
+            <a:endParaRPr lang="en-US" sz="1800" b="0" strike="noStrike" spc="-1">
+              <a:solidFill>
+                <a:srgbClr val="000000"/>
+              </a:solidFill>
+              <a:latin typeface="Arial"/>
+            </a:endParaRPr>
+          </a:p>
+          <a:p>
+            <a:pPr marL="225360" indent="-225360" defTabSz="914400">
+              <a:lnSpc>
+                <a:spcPct val="110000"/>
+              </a:lnSpc>
+              <a:spcBef>
+                <a:spcPts val="1191"/>
+              </a:spcBef>
+              <a:spcAft>
+                <a:spcPts val="992"/>
+              </a:spcAft>
+              <a:buClr>
+                <a:srgbClr val="000000"/>
+              </a:buClr>
+              <a:buFont typeface="Arial"/>
+              <a:buChar char="•"/>
+            </a:pPr>
+            <a:r>
+              <a:rPr lang="en-US" sz="1800" b="1" strike="noStrike" spc="26">
+                <a:solidFill>
+                  <a:schemeClr val="dk1"/>
+                </a:solidFill>
+                <a:latin typeface="Arial"/>
+              </a:rPr>
+              <a:t>People spotting issues in Oldenburg need an easy way to communicate that issue in a way that is quick and easy.</a:t>
+            </a:r>
+            <a:endParaRPr lang="en-US" sz="1800" b="0" strike="noStrike" spc="-1">
+              <a:solidFill>
+                <a:srgbClr val="000000"/>
+              </a:solidFill>
+              <a:latin typeface="Arial"/>
+            </a:endParaRPr>
+          </a:p>
+          <a:p>
+            <a:pPr marL="225360" indent="-225360" defTabSz="914400">
+              <a:lnSpc>
+                <a:spcPct val="110000"/>
+              </a:lnSpc>
+              <a:spcBef>
+                <a:spcPts val="1191"/>
+              </a:spcBef>
+              <a:spcAft>
+                <a:spcPts val="992"/>
+              </a:spcAft>
+              <a:buClr>
+                <a:srgbClr val="000000"/>
+              </a:buClr>
+              <a:buFont typeface="Arial"/>
+              <a:buChar char="•"/>
+            </a:pPr>
+            <a:r>
+              <a:rPr lang="en-US" sz="1800" b="1" strike="noStrike" spc="26">
+                <a:solidFill>
+                  <a:schemeClr val="dk1"/>
+                </a:solidFill>
+                <a:latin typeface="Arial"/>
+              </a:rPr>
+              <a:t>How might we make Mängelmelder quicker and easier to use?</a:t>
+            </a:r>
+            <a:endParaRPr lang="en-US" sz="1800" b="0" strike="noStrike" spc="-1">
+              <a:solidFill>
+                <a:srgbClr val="000000"/>
+              </a:solidFill>
+              <a:latin typeface="Arial"/>
+            </a:endParaRPr>
+          </a:p>
+        </p:txBody>
+      </p:sp>
+      <p:sp>
+        <p:nvSpPr>
+          <p:cNvPr id="87" name="PlaceHolder 2"/>
+          <p:cNvSpPr>
+            <a:spLocks noGrp="1"/>
+          </p:cNvSpPr>
+          <p:nvPr>
+            <p:ph type="title"/>
+          </p:nvPr>
+        </p:nvSpPr>
+        <p:spPr>
+          <a:xfrm>
+            <a:off x="2062800" y="938520"/>
+            <a:ext cx="5831640" cy="437760"/>
+          </a:xfrm>
+          <a:prstGeom prst="rect">
+            <a:avLst/>
+          </a:prstGeom>
+          <a:noFill/>
+          <a:ln w="0">
+            <a:noFill/>
+          </a:ln>
+        </p:spPr>
+        <p:txBody>
+          <a:bodyPr lIns="0" tIns="0" rIns="0" bIns="0" anchor="t">
+            <a:noAutofit/>
+          </a:bodyPr>
+          <a:lstStyle/>
+          <a:p>
+            <a:pPr indent="0" defTabSz="914400">
+              <a:lnSpc>
+                <a:spcPct val="90000"/>
+              </a:lnSpc>
+              <a:buNone/>
+              <a:tabLst>
+                <a:tab pos="0" algn="l"/>
+              </a:tabLst>
+            </a:pPr>
+            <a:r>
+              <a:rPr lang="de-DE" sz="2400" b="0" strike="noStrike" spc="46">
+                <a:solidFill>
+                  <a:schemeClr val="dk2"/>
+                </a:solidFill>
+                <a:latin typeface="Arial"/>
+              </a:rPr>
+              <a:t>Gathering Insights, Design Thinking</a:t>
+            </a:r>
+            <a:endParaRPr lang="en-US" sz="2400" b="0" strike="noStrike" spc="-1">
+              <a:solidFill>
+                <a:srgbClr val="000000"/>
+              </a:solidFill>
+              <a:latin typeface="Arial"/>
+            </a:endParaRPr>
+          </a:p>
+        </p:txBody>
+      </p:sp>
+    </p:spTree>
+  </p:cSld>
+  <p:clrMapOvr>
+    <a:masterClrMapping/>
+  </p:clrMapOvr>
+</p:sld>
+</file>
+
+<file path=ppt/slides/slide4.xml><?xml version="1.0" encoding="utf-8"?>
 <p:sld xmlns:a="http://schemas.openxmlformats.org/drawingml/2006/main" xmlns:r="http://schemas.openxmlformats.org/officeDocument/2006/relationships" xmlns:p="http://schemas.openxmlformats.org/presentationml/2006/main">
   <p:cSld>
     <p:spTree>
@@ -3502,6 +9999,41 @@
       </p:grpSpPr>
       <p:sp>
         <p:nvSpPr>
+          <p:cNvPr id="2" name="Titel 1">
+            <a:extLst>
+              <a:ext uri="{FF2B5EF4-FFF2-40B4-BE49-F238E27FC236}">
+                <a16:creationId xmlns:a16="http://schemas.microsoft.com/office/drawing/2014/main" id="{CAF4367A-7A0A-7276-462A-A1B79E96FFDF}"/>
+              </a:ext>
+            </a:extLst>
+          </p:cNvPr>
+          <p:cNvSpPr>
+            <a:spLocks noGrp="1"/>
+          </p:cNvSpPr>
+          <p:nvPr>
+            <p:ph type="title"/>
+          </p:nvPr>
+        </p:nvSpPr>
+        <p:spPr>
+          <a:xfrm>
+            <a:off x="2062921" y="938374"/>
+            <a:ext cx="8605080" cy="438398"/>
+          </a:xfrm>
+        </p:spPr>
+        <p:txBody>
+          <a:bodyPr anchor="t">
+            <a:normAutofit/>
+          </a:bodyPr>
+          <a:lstStyle/>
+          <a:p>
+            <a:r>
+              <a:rPr lang="de-DE" dirty="0"/>
+              <a:t>Research Plans</a:t>
+            </a:r>
+          </a:p>
+        </p:txBody>
+      </p:sp>
+      <p:sp>
+        <p:nvSpPr>
           <p:cNvPr id="3" name="Inhaltsplatzhalter 2">
             <a:extLst>
               <a:ext uri="{FF2B5EF4-FFF2-40B4-BE49-F238E27FC236}">
@@ -3516,9 +10048,16 @@
             <p:ph sz="half" idx="1"/>
           </p:nvPr>
         </p:nvSpPr>
-        <p:spPr/>
+        <p:spPr>
+          <a:xfrm>
+            <a:off x="2063750" y="1557338"/>
+            <a:ext cx="4284278" cy="4608513"/>
+          </a:xfrm>
+        </p:spPr>
         <p:txBody>
-          <a:bodyPr/>
+          <a:bodyPr anchor="t">
+            <a:normAutofit fontScale="85000" lnSpcReduction="10000"/>
+          </a:bodyPr>
           <a:lstStyle/>
           <a:p>
             <a:pPr rtl="0">
@@ -3541,7 +10080,7 @@
             </a:pPr>
             <a:r>
               <a:rPr lang="en-US" dirty="0"/>
-              <a:t>Plan to analyze user feedback from various sources</a:t>
+              <a:t>Conduct an online survey to assess participant agreement on categorization</a:t>
             </a:r>
           </a:p>
           <a:p>
@@ -3551,7 +10090,17 @@
             </a:pPr>
             <a:r>
               <a:rPr lang="en-US" dirty="0"/>
-              <a:t>Plan to conduct interviews with up to 5 users</a:t>
+              <a:t>Assess system usability (e.g., System Usability Scale)</a:t>
+            </a:r>
+          </a:p>
+          <a:p>
+            <a:pPr marL="742950" lvl="1" indent="-285750" rtl="0">
+              <a:buFont typeface="Arial" panose="020B0604020202020204" pitchFamily="34" charset="0"/>
+              <a:buChar char="•"/>
+            </a:pPr>
+            <a:r>
+              <a:rPr lang="en-US" dirty="0"/>
+              <a:t>Gather additional qualitative data (e.g., think aloud method or open-ended survey question)</a:t>
             </a:r>
           </a:p>
           <a:p>
@@ -3575,7 +10124,7 @@
             </a:pPr>
             <a:r>
               <a:rPr lang="en-US" dirty="0"/>
-              <a:t>Users may struggle with category selection</a:t>
+              <a:t>Users struggle with category selection</a:t>
             </a:r>
           </a:p>
           <a:p>
@@ -3585,64 +10134,41 @@
             </a:pPr>
             <a:r>
               <a:rPr lang="en-US" dirty="0"/>
-              <a:t>Privacy concerns could lead to hesitation</a:t>
+              <a:t>The current system scores bad in term of usability</a:t>
             </a:r>
           </a:p>
         </p:txBody>
       </p:sp>
-      <p:sp>
-        <p:nvSpPr>
-          <p:cNvPr id="14" name="Bildplatzhalter 13">
+      <p:pic>
+        <p:nvPicPr>
+          <p:cNvPr id="11" name="Grafik 10">
             <a:extLst>
               <a:ext uri="{FF2B5EF4-FFF2-40B4-BE49-F238E27FC236}">
-                <a16:creationId xmlns:a16="http://schemas.microsoft.com/office/drawing/2014/main" id="{30788CED-47BC-3EB7-E0E2-582726498C39}"/>
+                <a16:creationId xmlns:a16="http://schemas.microsoft.com/office/drawing/2014/main" id="{DADF8DF1-4AAE-4750-A29D-69465F19558C}"/>
               </a:ext>
             </a:extLst>
           </p:cNvPr>
-          <p:cNvSpPr>
-            <a:spLocks noGrp="1"/>
-          </p:cNvSpPr>
-          <p:nvPr>
-            <p:ph type="pic" sz="quarter" idx="11"/>
-          </p:nvPr>
-        </p:nvSpPr>
-        <p:spPr/>
-        <p:txBody>
-          <a:bodyPr/>
-          <a:lstStyle/>
-          <a:p>
-            <a:endParaRPr lang="en-US"/>
-          </a:p>
-        </p:txBody>
-      </p:sp>
-      <p:sp>
-        <p:nvSpPr>
-          <p:cNvPr id="2" name="Titel 1">
-            <a:extLst>
-              <a:ext uri="{FF2B5EF4-FFF2-40B4-BE49-F238E27FC236}">
-                <a16:creationId xmlns:a16="http://schemas.microsoft.com/office/drawing/2014/main" id="{CAF4367A-7A0A-7276-462A-A1B79E96FFDF}"/>
-              </a:ext>
-            </a:extLst>
-          </p:cNvPr>
-          <p:cNvSpPr>
-            <a:spLocks noGrp="1"/>
-          </p:cNvSpPr>
-          <p:nvPr>
-            <p:ph type="title"/>
-          </p:nvPr>
-        </p:nvSpPr>
-        <p:spPr/>
-        <p:txBody>
-          <a:bodyPr/>
-          <a:lstStyle/>
-          <a:p>
-            <a:r>
-              <a:rPr lang="de-DE" dirty="0"/>
-              <a:t>Research Plans</a:t>
-            </a:r>
-          </a:p>
-        </p:txBody>
-      </p:sp>
+          <p:cNvPicPr>
+            <a:picLocks noChangeAspect="1"/>
+          </p:cNvPicPr>
+          <p:nvPr/>
+        </p:nvPicPr>
+        <p:blipFill>
+          <a:blip r:embed="rId2"/>
+          <a:stretch>
+            <a:fillRect/>
+          </a:stretch>
+        </p:blipFill>
+        <p:spPr>
+          <a:xfrm>
+            <a:off x="7848600" y="944659"/>
+            <a:ext cx="3344948" cy="5313507"/>
+          </a:xfrm>
+          <a:prstGeom prst="rect">
+            <a:avLst/>
+          </a:prstGeom>
+        </p:spPr>
+      </p:pic>
     </p:spTree>
     <p:extLst>
       <p:ext uri="{BB962C8B-B14F-4D97-AF65-F5344CB8AC3E}">
@@ -3656,7 +10182,7 @@
 </p:sld>
 </file>
 
-<file path=ppt/slides/slide4.xml><?xml version="1.0" encoding="utf-8"?>
+<file path=ppt/slides/slide5.xml><?xml version="1.0" encoding="utf-8"?>
 <p:sld xmlns:a="http://schemas.openxmlformats.org/drawingml/2006/main" xmlns:r="http://schemas.openxmlformats.org/officeDocument/2006/relationships" xmlns:p="http://schemas.openxmlformats.org/presentationml/2006/main">
   <p:cSld>
     <p:spTree>
@@ -3681,121 +10207,6 @@
       </p:grpSpPr>
       <p:sp>
         <p:nvSpPr>
-          <p:cNvPr id="3" name="Inhaltsplatzhalter 2">
-            <a:extLst>
-              <a:ext uri="{FF2B5EF4-FFF2-40B4-BE49-F238E27FC236}">
-                <a16:creationId xmlns:a16="http://schemas.microsoft.com/office/drawing/2014/main" id="{31A6942C-F925-CB2F-D180-887C17BC9F09}"/>
-              </a:ext>
-            </a:extLst>
-          </p:cNvPr>
-          <p:cNvSpPr>
-            <a:spLocks noGrp="1"/>
-          </p:cNvSpPr>
-          <p:nvPr>
-            <p:ph sz="half" idx="1"/>
-          </p:nvPr>
-        </p:nvSpPr>
-        <p:spPr/>
-        <p:txBody>
-          <a:bodyPr/>
-          <a:lstStyle/>
-          <a:p>
-            <a:pPr rtl="0">
-              <a:buFont typeface="Arial" panose="020B0604020202020204" pitchFamily="34" charset="0"/>
-              <a:buChar char="•"/>
-            </a:pPr>
-            <a:r>
-              <a:rPr lang="en-US" b="1" dirty="0"/>
-              <a:t>Intended UI Improvements</a:t>
-            </a:r>
-            <a:r>
-              <a:rPr lang="en-US" dirty="0"/>
-              <a:t>:</a:t>
-            </a:r>
-          </a:p>
-          <a:p>
-            <a:pPr marL="742950" lvl="1" indent="-285750" rtl="0">
-              <a:buFont typeface="Arial" panose="020B0604020202020204" pitchFamily="34" charset="0"/>
-              <a:buChar char="•"/>
-            </a:pPr>
-            <a:r>
-              <a:rPr lang="en-US" dirty="0"/>
-              <a:t>Simplified category selection with icons</a:t>
-            </a:r>
-          </a:p>
-          <a:p>
-            <a:pPr marL="742950" lvl="1" indent="-285750" rtl="0">
-              <a:buFont typeface="Arial" panose="020B0604020202020204" pitchFamily="34" charset="0"/>
-              <a:buChar char="•"/>
-            </a:pPr>
-            <a:r>
-              <a:rPr lang="en-US" dirty="0"/>
-              <a:t>Option for anonymous reporting</a:t>
-            </a:r>
-          </a:p>
-          <a:p>
-            <a:pPr rtl="0">
-              <a:buFont typeface="Arial" panose="020B0604020202020204" pitchFamily="34" charset="0"/>
-              <a:buChar char="•"/>
-            </a:pPr>
-            <a:r>
-              <a:rPr lang="en-US" b="1" dirty="0"/>
-              <a:t>Planned Design Decisions</a:t>
-            </a:r>
-            <a:r>
-              <a:rPr lang="en-US" dirty="0"/>
-              <a:t>:</a:t>
-            </a:r>
-          </a:p>
-          <a:p>
-            <a:pPr marL="742950" lvl="1" indent="-285750" rtl="0">
-              <a:buFont typeface="Arial" panose="020B0604020202020204" pitchFamily="34" charset="0"/>
-              <a:buChar char="•"/>
-            </a:pPr>
-            <a:r>
-              <a:rPr lang="en-US" dirty="0"/>
-              <a:t>Use icons for intuitive category recognition</a:t>
-            </a:r>
-          </a:p>
-          <a:p>
-            <a:pPr marL="742950" lvl="1" indent="-285750" rtl="0">
-              <a:buFont typeface="Arial" panose="020B0604020202020204" pitchFamily="34" charset="0"/>
-              <a:buChar char="•"/>
-            </a:pPr>
-            <a:r>
-              <a:rPr lang="en-US" dirty="0"/>
-              <a:t>Include an anonymous option to address privacy concerns</a:t>
-            </a:r>
-          </a:p>
-        </p:txBody>
-      </p:sp>
-      <p:sp>
-        <p:nvSpPr>
-          <p:cNvPr id="14" name="Bildplatzhalter 13">
-            <a:extLst>
-              <a:ext uri="{FF2B5EF4-FFF2-40B4-BE49-F238E27FC236}">
-                <a16:creationId xmlns:a16="http://schemas.microsoft.com/office/drawing/2014/main" id="{699E26F4-545C-47DE-6DC5-3B12F1150845}"/>
-              </a:ext>
-            </a:extLst>
-          </p:cNvPr>
-          <p:cNvSpPr>
-            <a:spLocks noGrp="1"/>
-          </p:cNvSpPr>
-          <p:nvPr>
-            <p:ph type="pic" sz="quarter" idx="11"/>
-          </p:nvPr>
-        </p:nvSpPr>
-        <p:spPr/>
-        <p:txBody>
-          <a:bodyPr/>
-          <a:lstStyle/>
-          <a:p>
-            <a:endParaRPr lang="en-US"/>
-          </a:p>
-        </p:txBody>
-      </p:sp>
-      <p:sp>
-        <p:nvSpPr>
           <p:cNvPr id="2" name="Titel 1">
             <a:extLst>
               <a:ext uri="{FF2B5EF4-FFF2-40B4-BE49-F238E27FC236}">
@@ -3810,9 +10221,16 @@
             <p:ph type="title"/>
           </p:nvPr>
         </p:nvSpPr>
-        <p:spPr/>
+        <p:spPr>
+          <a:xfrm>
+            <a:off x="2062921" y="938374"/>
+            <a:ext cx="8605080" cy="438398"/>
+          </a:xfrm>
+        </p:spPr>
         <p:txBody>
-          <a:bodyPr/>
+          <a:bodyPr anchor="t">
+            <a:normAutofit/>
+          </a:bodyPr>
           <a:lstStyle/>
           <a:p>
             <a:r>
@@ -3822,6 +10240,37 @@
           </a:p>
         </p:txBody>
       </p:sp>
+      <p:graphicFrame>
+        <p:nvGraphicFramePr>
+          <p:cNvPr id="16" name="Inhaltsplatzhalter 2">
+            <a:extLst>
+              <a:ext uri="{FF2B5EF4-FFF2-40B4-BE49-F238E27FC236}">
+                <a16:creationId xmlns:a16="http://schemas.microsoft.com/office/drawing/2014/main" id="{11E92CA9-DA07-B042-54CB-E8A9F51F4E51}"/>
+              </a:ext>
+            </a:extLst>
+          </p:cNvPr>
+          <p:cNvGraphicFramePr>
+            <a:graphicFrameLocks noGrp="1"/>
+          </p:cNvGraphicFramePr>
+          <p:nvPr>
+            <p:ph idx="1"/>
+            <p:extLst>
+              <p:ext uri="{D42A27DB-BD31-4B8C-83A1-F6EECF244321}">
+                <p14:modId xmlns:p14="http://schemas.microsoft.com/office/powerpoint/2010/main" val="2934674612"/>
+              </p:ext>
+            </p:extLst>
+          </p:nvPr>
+        </p:nvGraphicFramePr>
+        <p:xfrm>
+          <a:off x="2063750" y="1557338"/>
+          <a:ext cx="8604251" cy="4608512"/>
+        </p:xfrm>
+        <a:graphic>
+          <a:graphicData uri="http://schemas.openxmlformats.org/drawingml/2006/diagram">
+            <dgm:relIds xmlns:dgm="http://schemas.openxmlformats.org/drawingml/2006/diagram" xmlns:r="http://schemas.openxmlformats.org/officeDocument/2006/relationships" r:dm="rId2" r:lo="rId3" r:qs="rId4" r:cs="rId5"/>
+          </a:graphicData>
+        </a:graphic>
+      </p:graphicFrame>
     </p:spTree>
     <p:extLst>
       <p:ext uri="{BB962C8B-B14F-4D97-AF65-F5344CB8AC3E}">
@@ -3835,7 +10284,174 @@
 </p:sld>
 </file>
 
-<file path=ppt/slides/slide5.xml><?xml version="1.0" encoding="utf-8"?>
+<file path=ppt/slides/slide6.xml><?xml version="1.0" encoding="utf-8"?>
+<p:sld xmlns:a="http://schemas.openxmlformats.org/drawingml/2006/main" xmlns:r="http://schemas.openxmlformats.org/officeDocument/2006/relationships" xmlns:p="http://schemas.openxmlformats.org/presentationml/2006/main">
+  <p:cSld>
+    <p:spTree>
+      <p:nvGrpSpPr>
+        <p:cNvPr id="1" name=""/>
+        <p:cNvGrpSpPr/>
+        <p:nvPr/>
+      </p:nvGrpSpPr>
+      <p:grpSpPr>
+        <a:xfrm>
+          <a:off x="0" y="0"/>
+          <a:ext cx="0" cy="0"/>
+          <a:chOff x="0" y="0"/>
+          <a:chExt cx="0" cy="0"/>
+        </a:xfrm>
+      </p:grpSpPr>
+      <p:sp>
+        <p:nvSpPr>
+          <p:cNvPr id="94" name="PlaceHolder 1"/>
+          <p:cNvSpPr>
+            <a:spLocks noGrp="1"/>
+          </p:cNvSpPr>
+          <p:nvPr>
+            <p:ph type="title"/>
+          </p:nvPr>
+        </p:nvSpPr>
+        <p:spPr>
+          <a:xfrm>
+            <a:off x="2062800" y="938520"/>
+            <a:ext cx="5831640" cy="437760"/>
+          </a:xfrm>
+          <a:prstGeom prst="rect">
+            <a:avLst/>
+          </a:prstGeom>
+          <a:noFill/>
+          <a:ln w="0">
+            <a:noFill/>
+          </a:ln>
+        </p:spPr>
+        <p:txBody>
+          <a:bodyPr lIns="0" tIns="0" rIns="0" bIns="0" anchor="t">
+            <a:noAutofit/>
+          </a:bodyPr>
+          <a:lstStyle/>
+          <a:p>
+            <a:pPr indent="0" defTabSz="914400">
+              <a:lnSpc>
+                <a:spcPct val="90000"/>
+              </a:lnSpc>
+              <a:buNone/>
+              <a:tabLst>
+                <a:tab pos="0" algn="l"/>
+              </a:tabLst>
+            </a:pPr>
+            <a:r>
+              <a:rPr lang="de-DE" sz="2400" b="0" strike="noStrike" spc="46">
+                <a:solidFill>
+                  <a:schemeClr val="dk2"/>
+                </a:solidFill>
+                <a:latin typeface="Arial"/>
+              </a:rPr>
+              <a:t>Rough UI Prototype</a:t>
+            </a:r>
+            <a:endParaRPr lang="en-US" sz="2400" b="0" strike="noStrike" spc="-1">
+              <a:solidFill>
+                <a:srgbClr val="000000"/>
+              </a:solidFill>
+              <a:latin typeface="Arial"/>
+            </a:endParaRPr>
+          </a:p>
+        </p:txBody>
+      </p:sp>
+      <p:pic>
+        <p:nvPicPr>
+          <p:cNvPr id="95" name="Picture 94"/>
+          <p:cNvPicPr/>
+          <p:nvPr/>
+        </p:nvPicPr>
+        <p:blipFill>
+          <a:blip r:embed="rId2"/>
+          <a:stretch/>
+        </p:blipFill>
+        <p:spPr>
+          <a:xfrm>
+            <a:off x="1828800" y="1828800"/>
+            <a:ext cx="2691360" cy="3381120"/>
+          </a:xfrm>
+          <a:prstGeom prst="rect">
+            <a:avLst/>
+          </a:prstGeom>
+          <a:ln w="0">
+            <a:noFill/>
+          </a:ln>
+        </p:spPr>
+      </p:pic>
+      <p:pic>
+        <p:nvPicPr>
+          <p:cNvPr id="96" name="Picture 95"/>
+          <p:cNvPicPr/>
+          <p:nvPr/>
+        </p:nvPicPr>
+        <p:blipFill>
+          <a:blip r:embed="rId3"/>
+          <a:stretch/>
+        </p:blipFill>
+        <p:spPr>
+          <a:xfrm>
+            <a:off x="6629400" y="685800"/>
+            <a:ext cx="4071600" cy="5257800"/>
+          </a:xfrm>
+          <a:prstGeom prst="rect">
+            <a:avLst/>
+          </a:prstGeom>
+          <a:ln w="0">
+            <a:noFill/>
+          </a:ln>
+        </p:spPr>
+      </p:pic>
+      <p:sp>
+        <p:nvSpPr>
+          <p:cNvPr id="2" name="TextBox 1">
+            <a:extLst>
+              <a:ext uri="{FF2B5EF4-FFF2-40B4-BE49-F238E27FC236}">
+                <a16:creationId xmlns:a16="http://schemas.microsoft.com/office/drawing/2014/main" id="{229558C7-93C3-3DA0-4735-12F42DAE9012}"/>
+              </a:ext>
+            </a:extLst>
+          </p:cNvPr>
+          <p:cNvSpPr txBox="1"/>
+          <p:nvPr/>
+        </p:nvSpPr>
+        <p:spPr>
+          <a:xfrm>
+            <a:off x="1892328" y="5101300"/>
+            <a:ext cx="2878352" cy="186013"/>
+          </a:xfrm>
+          <a:prstGeom prst="rect">
+            <a:avLst/>
+          </a:prstGeom>
+          <a:noFill/>
+        </p:spPr>
+        <p:txBody>
+          <a:bodyPr wrap="none" rtlCol="0">
+            <a:spAutoFit/>
+          </a:bodyPr>
+          <a:lstStyle/>
+          <a:p>
+            <a:pPr algn="l">
+              <a:lnSpc>
+                <a:spcPct val="110000"/>
+              </a:lnSpc>
+            </a:pPr>
+            <a:r>
+              <a:rPr lang="en-US" sz="600" spc="30" dirty="0"/>
+              <a:t>https://gemeinsam.oldenburg.de/oldenburg/de/flawRep/54305/create?6</a:t>
+            </a:r>
+          </a:p>
+        </p:txBody>
+      </p:sp>
+    </p:spTree>
+  </p:cSld>
+  <p:clrMapOvr>
+    <a:masterClrMapping/>
+  </p:clrMapOvr>
+</p:sld>
+</file>
+
+<file path=ppt/slides/slide7.xml><?xml version="1.0" encoding="utf-8"?>
 <p:sld xmlns:a="http://schemas.openxmlformats.org/drawingml/2006/main" xmlns:r="http://schemas.openxmlformats.org/officeDocument/2006/relationships" xmlns:p="http://schemas.openxmlformats.org/presentationml/2006/main">
   <p:cSld>
     <p:spTree>
@@ -3860,155 +10476,6 @@
       </p:grpSpPr>
       <p:sp>
         <p:nvSpPr>
-          <p:cNvPr id="3" name="Inhaltsplatzhalter 2">
-            <a:extLst>
-              <a:ext uri="{FF2B5EF4-FFF2-40B4-BE49-F238E27FC236}">
-                <a16:creationId xmlns:a16="http://schemas.microsoft.com/office/drawing/2014/main" id="{1E95D207-9F48-CB0E-1845-49DC66640752}"/>
-              </a:ext>
-            </a:extLst>
-          </p:cNvPr>
-          <p:cNvSpPr>
-            <a:spLocks noGrp="1"/>
-          </p:cNvSpPr>
-          <p:nvPr>
-            <p:ph sz="half" idx="1"/>
-          </p:nvPr>
-        </p:nvSpPr>
-        <p:spPr/>
-        <p:txBody>
-          <a:bodyPr/>
-          <a:lstStyle/>
-          <a:p>
-            <a:pPr rtl="0">
-              <a:buFont typeface="Arial" panose="020B0604020202020204" pitchFamily="34" charset="0"/>
-              <a:buChar char="•"/>
-            </a:pPr>
-            <a:r>
-              <a:rPr lang="en-US" sz="1600" b="1" dirty="0"/>
-              <a:t>Planned Methods</a:t>
-            </a:r>
-            <a:r>
-              <a:rPr lang="en-US" sz="1600" dirty="0"/>
-              <a:t>:</a:t>
-            </a:r>
-          </a:p>
-          <a:p>
-            <a:pPr marL="742950" lvl="1" indent="-285750" rtl="0">
-              <a:buFont typeface="Arial" panose="020B0604020202020204" pitchFamily="34" charset="0"/>
-              <a:buChar char="•"/>
-            </a:pPr>
-            <a:r>
-              <a:rPr lang="en-US" sz="1600" dirty="0"/>
-              <a:t>A/B testing: Current website vs. future mockups</a:t>
-            </a:r>
-          </a:p>
-          <a:p>
-            <a:pPr marL="742950" lvl="1" indent="-285750" rtl="0">
-              <a:buFont typeface="Arial" panose="020B0604020202020204" pitchFamily="34" charset="0"/>
-              <a:buChar char="•"/>
-            </a:pPr>
-            <a:r>
-              <a:rPr lang="en-US" sz="1600" dirty="0"/>
-              <a:t>Usability tests with 10 participants</a:t>
-            </a:r>
-          </a:p>
-          <a:p>
-            <a:pPr rtl="0">
-              <a:buFont typeface="Arial" panose="020B0604020202020204" pitchFamily="34" charset="0"/>
-              <a:buChar char="•"/>
-            </a:pPr>
-            <a:r>
-              <a:rPr lang="en-US" sz="1600" b="1" dirty="0"/>
-              <a:t>Why Suitable</a:t>
-            </a:r>
-            <a:r>
-              <a:rPr lang="en-US" sz="1600" dirty="0"/>
-              <a:t>:</a:t>
-            </a:r>
-          </a:p>
-          <a:p>
-            <a:pPr marL="742950" lvl="1" indent="-285750" rtl="0">
-              <a:buFont typeface="Arial" panose="020B0604020202020204" pitchFamily="34" charset="0"/>
-              <a:buChar char="•"/>
-            </a:pPr>
-            <a:r>
-              <a:rPr lang="en-US" sz="1600" dirty="0"/>
-              <a:t>A/B testing to measure user satisfaction and task completion time</a:t>
-            </a:r>
-          </a:p>
-          <a:p>
-            <a:pPr marL="742950" lvl="1" indent="-285750" rtl="0">
-              <a:buFont typeface="Arial" panose="020B0604020202020204" pitchFamily="34" charset="0"/>
-              <a:buChar char="•"/>
-            </a:pPr>
-            <a:r>
-              <a:rPr lang="en-US" sz="1600" dirty="0"/>
-              <a:t>Usability tests for qualitative feedback</a:t>
-            </a:r>
-          </a:p>
-          <a:p>
-            <a:pPr rtl="0">
-              <a:buFont typeface="Arial" panose="020B0604020202020204" pitchFamily="34" charset="0"/>
-              <a:buChar char="•"/>
-            </a:pPr>
-            <a:r>
-              <a:rPr lang="en-US" sz="1600" b="1" dirty="0"/>
-              <a:t>Expected Outcomes</a:t>
-            </a:r>
-            <a:r>
-              <a:rPr lang="en-US" sz="1600" dirty="0"/>
-              <a:t>:</a:t>
-            </a:r>
-          </a:p>
-          <a:p>
-            <a:pPr marL="742950" lvl="1" indent="-285750" rtl="0">
-              <a:buFont typeface="Arial" panose="020B0604020202020204" pitchFamily="34" charset="0"/>
-              <a:buChar char="•"/>
-            </a:pPr>
-            <a:r>
-              <a:rPr lang="en-US" sz="1600" dirty="0"/>
-              <a:t>Higher user satisfaction</a:t>
-            </a:r>
-          </a:p>
-          <a:p>
-            <a:pPr marL="742950" lvl="1" indent="-285750" rtl="0">
-              <a:buFont typeface="Arial" panose="020B0604020202020204" pitchFamily="34" charset="0"/>
-              <a:buChar char="•"/>
-            </a:pPr>
-            <a:r>
-              <a:rPr lang="en-US" sz="1600" dirty="0"/>
-              <a:t>Reduced task completion time</a:t>
-            </a:r>
-          </a:p>
-        </p:txBody>
-      </p:sp>
-      <p:sp>
-        <p:nvSpPr>
-          <p:cNvPr id="14" name="Bildplatzhalter 13">
-            <a:extLst>
-              <a:ext uri="{FF2B5EF4-FFF2-40B4-BE49-F238E27FC236}">
-                <a16:creationId xmlns:a16="http://schemas.microsoft.com/office/drawing/2014/main" id="{A423F29C-0ECB-19BA-90FC-94B86A77FD5A}"/>
-              </a:ext>
-            </a:extLst>
-          </p:cNvPr>
-          <p:cNvSpPr>
-            <a:spLocks noGrp="1"/>
-          </p:cNvSpPr>
-          <p:nvPr>
-            <p:ph type="pic" sz="quarter" idx="11"/>
-          </p:nvPr>
-        </p:nvSpPr>
-        <p:spPr/>
-        <p:txBody>
-          <a:bodyPr/>
-          <a:lstStyle/>
-          <a:p>
-            <a:endParaRPr lang="en-US"/>
-          </a:p>
-        </p:txBody>
-      </p:sp>
-      <p:sp>
-        <p:nvSpPr>
           <p:cNvPr id="2" name="Titel 1">
             <a:extLst>
               <a:ext uri="{FF2B5EF4-FFF2-40B4-BE49-F238E27FC236}">
@@ -4023,9 +10490,16 @@
             <p:ph type="title"/>
           </p:nvPr>
         </p:nvSpPr>
-        <p:spPr/>
+        <p:spPr>
+          <a:xfrm>
+            <a:off x="2062921" y="938374"/>
+            <a:ext cx="8605080" cy="438398"/>
+          </a:xfrm>
+        </p:spPr>
         <p:txBody>
-          <a:bodyPr/>
+          <a:bodyPr anchor="t">
+            <a:normAutofit/>
+          </a:bodyPr>
           <a:lstStyle/>
           <a:p>
             <a:r>
@@ -4035,6 +10509,37 @@
           </a:p>
         </p:txBody>
       </p:sp>
+      <p:graphicFrame>
+        <p:nvGraphicFramePr>
+          <p:cNvPr id="16" name="Inhaltsplatzhalter 2">
+            <a:extLst>
+              <a:ext uri="{FF2B5EF4-FFF2-40B4-BE49-F238E27FC236}">
+                <a16:creationId xmlns:a16="http://schemas.microsoft.com/office/drawing/2014/main" id="{667B7DA7-CD5B-8661-B630-8D7B2D27513C}"/>
+              </a:ext>
+            </a:extLst>
+          </p:cNvPr>
+          <p:cNvGraphicFramePr>
+            <a:graphicFrameLocks noGrp="1"/>
+          </p:cNvGraphicFramePr>
+          <p:nvPr>
+            <p:ph idx="1"/>
+            <p:extLst>
+              <p:ext uri="{D42A27DB-BD31-4B8C-83A1-F6EECF244321}">
+                <p14:modId xmlns:p14="http://schemas.microsoft.com/office/powerpoint/2010/main" val="988093002"/>
+              </p:ext>
+            </p:extLst>
+          </p:nvPr>
+        </p:nvGraphicFramePr>
+        <p:xfrm>
+          <a:off x="2063750" y="1557338"/>
+          <a:ext cx="8604251" cy="4608512"/>
+        </p:xfrm>
+        <a:graphic>
+          <a:graphicData uri="http://schemas.openxmlformats.org/drawingml/2006/diagram">
+            <dgm:relIds xmlns:dgm="http://schemas.openxmlformats.org/drawingml/2006/diagram" xmlns:r="http://schemas.openxmlformats.org/officeDocument/2006/relationships" r:dm="rId2" r:lo="rId3" r:qs="rId4" r:cs="rId5"/>
+          </a:graphicData>
+        </a:graphic>
+      </p:graphicFrame>
     </p:spTree>
     <p:extLst>
       <p:ext uri="{BB962C8B-B14F-4D97-AF65-F5344CB8AC3E}">
@@ -4048,7 +10553,7 @@
 </p:sld>
 </file>
 
-<file path=ppt/slides/slide6.xml><?xml version="1.0" encoding="utf-8"?>
+<file path=ppt/slides/slide8.xml><?xml version="1.0" encoding="utf-8"?>
 <p:sld xmlns:a="http://schemas.openxmlformats.org/drawingml/2006/main" xmlns:r="http://schemas.openxmlformats.org/officeDocument/2006/relationships" xmlns:p="http://schemas.openxmlformats.org/presentationml/2006/main">
   <p:cSld>
     <p:spTree>
@@ -4087,7 +10592,12 @@
             <p:ph type="title"/>
           </p:nvPr>
         </p:nvSpPr>
-        <p:spPr/>
+        <p:spPr>
+          <a:xfrm>
+            <a:off x="2064492" y="602546"/>
+            <a:ext cx="5832450" cy="438398"/>
+          </a:xfrm>
+        </p:spPr>
         <p:txBody>
           <a:bodyPr/>
           <a:lstStyle/>
@@ -4122,8 +10632,8 @@
         </p:nvSpPr>
         <p:spPr bwMode="auto">
           <a:xfrm>
-            <a:off x="2062921" y="1447800"/>
-            <a:ext cx="7156450" cy="2308324"/>
+            <a:off x="2062921" y="1032303"/>
+            <a:ext cx="7156450" cy="3139321"/>
           </a:xfrm>
           <a:prstGeom prst="rect">
             <a:avLst/>
@@ -4267,8 +10777,62 @@
                 <a:effectLst/>
                 <a:latin typeface="Arial" panose="020B0604020202020204" pitchFamily="34" charset="0"/>
               </a:rPr>
-              <a:t> Finalize research methods and prepare for user interviews</a:t>
+              <a:t> Finalize </a:t>
             </a:r>
+            <a:r>
+              <a:rPr lang="en-US" altLang="en-US" dirty="0">
+                <a:latin typeface="Arial" panose="020B0604020202020204" pitchFamily="34" charset="0"/>
+              </a:rPr>
+              <a:t>the survey</a:t>
+            </a:r>
+          </a:p>
+          <a:p>
+            <a:pPr marL="403225" lvl="1" indent="0" eaLnBrk="0" fontAlgn="base" hangingPunct="0">
+              <a:lnSpc>
+                <a:spcPct val="100000"/>
+              </a:lnSpc>
+              <a:spcBef>
+                <a:spcPct val="0"/>
+              </a:spcBef>
+              <a:spcAft>
+                <a:spcPct val="0"/>
+              </a:spcAft>
+              <a:buNone/>
+            </a:pPr>
+            <a:endParaRPr lang="en-US" altLang="en-US" dirty="0">
+              <a:latin typeface="Arial" panose="020B0604020202020204" pitchFamily="34" charset="0"/>
+            </a:endParaRPr>
+          </a:p>
+          <a:p>
+            <a:pPr marL="403225" lvl="1" indent="0" eaLnBrk="0" fontAlgn="base" hangingPunct="0">
+              <a:lnSpc>
+                <a:spcPct val="100000"/>
+              </a:lnSpc>
+              <a:spcBef>
+                <a:spcPct val="0"/>
+              </a:spcBef>
+              <a:spcAft>
+                <a:spcPct val="0"/>
+              </a:spcAft>
+              <a:buFontTx/>
+              <a:buChar char="•"/>
+            </a:pPr>
+            <a:r>
+              <a:rPr lang="en-US" altLang="en-US" dirty="0">
+                <a:latin typeface="Arial" panose="020B0604020202020204" pitchFamily="34" charset="0"/>
+              </a:rPr>
+              <a:t> Derive a new categorization scheme (e.g., based on survey feedback or clustering methods)</a:t>
+            </a:r>
+            <a:endParaRPr kumimoji="0" lang="en-US" altLang="en-US" b="0" i="0" u="none" strike="noStrike" cap="none" normalizeH="0" baseline="0" dirty="0">
+              <a:ln>
+                <a:noFill/>
+              </a:ln>
+              <a:solidFill>
+                <a:schemeClr val="tx1"/>
+              </a:solidFill>
+              <a:effectLst/>
+              <a:latin typeface="Arial" panose="020B0604020202020204" pitchFamily="34" charset="0"/>
+            </a:endParaRPr>
           </a:p>
           <a:p>
             <a:pPr marL="403225" lvl="1" indent="0" eaLnBrk="0" fontAlgn="base" hangingPunct="0">
